--- a/Handling Events in React.pptx
+++ b/Handling Events in React.pptx
@@ -5,16 +5,20 @@
     <p:sldMasterId id="2147483684" r:id="rId1"/>
   </p:sldMasterIdLst>
   <p:notesMasterIdLst>
-    <p:notesMasterId r:id="rId9"/>
+    <p:notesMasterId r:id="rId13"/>
   </p:notesMasterIdLst>
   <p:sldIdLst>
     <p:sldId id="256" r:id="rId2"/>
     <p:sldId id="257" r:id="rId3"/>
-    <p:sldId id="258" r:id="rId4"/>
-    <p:sldId id="261" r:id="rId5"/>
-    <p:sldId id="262" r:id="rId6"/>
-    <p:sldId id="259" r:id="rId7"/>
-    <p:sldId id="260" r:id="rId8"/>
+    <p:sldId id="269" r:id="rId4"/>
+    <p:sldId id="268" r:id="rId5"/>
+    <p:sldId id="266" r:id="rId6"/>
+    <p:sldId id="258" r:id="rId7"/>
+    <p:sldId id="262" r:id="rId8"/>
+    <p:sldId id="265" r:id="rId9"/>
+    <p:sldId id="259" r:id="rId10"/>
+    <p:sldId id="260" r:id="rId11"/>
+    <p:sldId id="263" r:id="rId12"/>
   </p:sldIdLst>
   <p:sldSz cx="9144000" cy="6858000" type="screen4x3"/>
   <p:notesSz cx="6858000" cy="9144000"/>
@@ -198,7 +202,7 @@
           <a:p>
             <a:fld id="{4F1ACDC5-A11F-47E5-B3C0-38E221B6E6BC}" type="datetimeFigureOut">
               <a:rPr lang="en-CA" smtClean="0"/>
-              <a:t>2019-12-09</a:t>
+              <a:t>2019-12-12</a:t>
             </a:fld>
             <a:endParaRPr lang="en-CA"/>
           </a:p>
@@ -539,7 +543,99 @@
           <a:p>
             <a:fld id="{C3A34F3E-182E-40E5-995A-487B87953276}" type="slidenum">
               <a:rPr lang="en-CA" smtClean="0"/>
-              <a:t>3</a:t>
+              <a:t>6</a:t>
+            </a:fld>
+            <a:endParaRPr lang="en-CA"/>
+          </a:p>
+        </p:txBody>
+      </p:sp>
+    </p:spTree>
+    <p:extLst>
+      <p:ext uri="{BB962C8B-B14F-4D97-AF65-F5344CB8AC3E}">
+        <p14:creationId xmlns:p14="http://schemas.microsoft.com/office/powerpoint/2010/main" val="3565943390"/>
+      </p:ext>
+    </p:extLst>
+  </p:cSld>
+  <p:clrMapOvr>
+    <a:masterClrMapping/>
+  </p:clrMapOvr>
+</p:notes>
+</file>
+
+<file path=ppt/notesSlides/notesSlide2.xml><?xml version="1.0" encoding="utf-8"?>
+<p:notes xmlns:a="http://schemas.openxmlformats.org/drawingml/2006/main" xmlns:r="http://schemas.openxmlformats.org/officeDocument/2006/relationships" xmlns:p="http://schemas.openxmlformats.org/presentationml/2006/main">
+  <p:cSld>
+    <p:spTree>
+      <p:nvGrpSpPr>
+        <p:cNvPr id="1" name=""/>
+        <p:cNvGrpSpPr/>
+        <p:nvPr/>
+      </p:nvGrpSpPr>
+      <p:grpSpPr>
+        <a:xfrm>
+          <a:off x="0" y="0"/>
+          <a:ext cx="0" cy="0"/>
+          <a:chOff x="0" y="0"/>
+          <a:chExt cx="0" cy="0"/>
+        </a:xfrm>
+      </p:grpSpPr>
+      <p:sp>
+        <p:nvSpPr>
+          <p:cNvPr id="2" name="Slide Image Placeholder 1"/>
+          <p:cNvSpPr>
+            <a:spLocks noGrp="1" noRot="1" noChangeAspect="1"/>
+          </p:cNvSpPr>
+          <p:nvPr>
+            <p:ph type="sldImg"/>
+          </p:nvPr>
+        </p:nvSpPr>
+        <p:spPr/>
+      </p:sp>
+      <p:sp>
+        <p:nvSpPr>
+          <p:cNvPr id="3" name="Notes Placeholder 2"/>
+          <p:cNvSpPr>
+            <a:spLocks noGrp="1"/>
+          </p:cNvSpPr>
+          <p:nvPr>
+            <p:ph type="body" idx="1"/>
+          </p:nvPr>
+        </p:nvSpPr>
+        <p:spPr/>
+        <p:txBody>
+          <a:bodyPr/>
+          <a:lstStyle/>
+          <a:p>
+            <a:r>
+              <a:rPr lang="en-US" dirty="0" smtClean="0"/>
+              <a:t>If something</a:t>
+            </a:r>
+            <a:r>
+              <a:rPr lang="en-US" baseline="0" dirty="0" smtClean="0"/>
+              <a:t> is “implicit”, it means that the JS engine does it, if it’s “explicit”, it means the user must do it. </a:t>
+            </a:r>
+            <a:endParaRPr lang="en-CA" dirty="0"/>
+          </a:p>
+        </p:txBody>
+      </p:sp>
+      <p:sp>
+        <p:nvSpPr>
+          <p:cNvPr id="4" name="Slide Number Placeholder 3"/>
+          <p:cNvSpPr>
+            <a:spLocks noGrp="1"/>
+          </p:cNvSpPr>
+          <p:nvPr>
+            <p:ph type="sldNum" sz="quarter" idx="10"/>
+          </p:nvPr>
+        </p:nvSpPr>
+        <p:spPr/>
+        <p:txBody>
+          <a:bodyPr/>
+          <a:lstStyle/>
+          <a:p>
+            <a:fld id="{C3A34F3E-182E-40E5-995A-487B87953276}" type="slidenum">
+              <a:rPr lang="en-CA" smtClean="0"/>
+              <a:t>7</a:t>
             </a:fld>
             <a:endParaRPr lang="en-CA"/>
           </a:p>
@@ -669,7 +765,7 @@
           <a:p>
             <a:fld id="{7B4123E2-09D3-4733-8A3F-3F7772162D85}" type="datetimeFigureOut">
               <a:rPr lang="en-CA" smtClean="0"/>
-              <a:t>2019-12-09</a:t>
+              <a:t>2019-12-12</a:t>
             </a:fld>
             <a:endParaRPr lang="en-CA"/>
           </a:p>
@@ -895,7 +991,7 @@
           <a:p>
             <a:fld id="{7B4123E2-09D3-4733-8A3F-3F7772162D85}" type="datetimeFigureOut">
               <a:rPr lang="en-CA" smtClean="0"/>
-              <a:t>2019-12-09</a:t>
+              <a:t>2019-12-12</a:t>
             </a:fld>
             <a:endParaRPr lang="en-CA"/>
           </a:p>
@@ -1070,7 +1166,7 @@
           <a:p>
             <a:fld id="{7B4123E2-09D3-4733-8A3F-3F7772162D85}" type="datetimeFigureOut">
               <a:rPr lang="en-CA" smtClean="0"/>
-              <a:t>2019-12-09</a:t>
+              <a:t>2019-12-12</a:t>
             </a:fld>
             <a:endParaRPr lang="en-CA"/>
           </a:p>
@@ -1235,7 +1331,7 @@
           <a:p>
             <a:fld id="{7B4123E2-09D3-4733-8A3F-3F7772162D85}" type="datetimeFigureOut">
               <a:rPr lang="en-CA" smtClean="0"/>
-              <a:t>2019-12-09</a:t>
+              <a:t>2019-12-12</a:t>
             </a:fld>
             <a:endParaRPr lang="en-CA"/>
           </a:p>
@@ -1479,7 +1575,7 @@
           <a:p>
             <a:fld id="{7B4123E2-09D3-4733-8A3F-3F7772162D85}" type="datetimeFigureOut">
               <a:rPr lang="en-CA" smtClean="0"/>
-              <a:t>2019-12-09</a:t>
+              <a:t>2019-12-12</a:t>
             </a:fld>
             <a:endParaRPr lang="en-CA"/>
           </a:p>
@@ -1743,7 +1839,7 @@
           <a:p>
             <a:fld id="{7B4123E2-09D3-4733-8A3F-3F7772162D85}" type="datetimeFigureOut">
               <a:rPr lang="en-CA" smtClean="0"/>
-              <a:t>2019-12-09</a:t>
+              <a:t>2019-12-12</a:t>
             </a:fld>
             <a:endParaRPr lang="en-CA"/>
           </a:p>
@@ -2117,7 +2213,7 @@
           <a:p>
             <a:fld id="{7B4123E2-09D3-4733-8A3F-3F7772162D85}" type="datetimeFigureOut">
               <a:rPr lang="en-CA" smtClean="0"/>
-              <a:t>2019-12-09</a:t>
+              <a:t>2019-12-12</a:t>
             </a:fld>
             <a:endParaRPr lang="en-CA"/>
           </a:p>
@@ -2230,7 +2326,7 @@
           <a:p>
             <a:fld id="{7B4123E2-09D3-4733-8A3F-3F7772162D85}" type="datetimeFigureOut">
               <a:rPr lang="en-CA" smtClean="0"/>
-              <a:t>2019-12-09</a:t>
+              <a:t>2019-12-12</a:t>
             </a:fld>
             <a:endParaRPr lang="en-CA"/>
           </a:p>
@@ -2320,7 +2416,7 @@
           <a:p>
             <a:fld id="{7B4123E2-09D3-4733-8A3F-3F7772162D85}" type="datetimeFigureOut">
               <a:rPr lang="en-CA" smtClean="0"/>
-              <a:t>2019-12-09</a:t>
+              <a:t>2019-12-12</a:t>
             </a:fld>
             <a:endParaRPr lang="en-CA"/>
           </a:p>
@@ -2578,7 +2674,7 @@
           <a:p>
             <a:fld id="{7B4123E2-09D3-4733-8A3F-3F7772162D85}" type="datetimeFigureOut">
               <a:rPr lang="en-CA" smtClean="0"/>
-              <a:t>2019-12-09</a:t>
+              <a:t>2019-12-12</a:t>
             </a:fld>
             <a:endParaRPr lang="en-CA"/>
           </a:p>
@@ -2842,7 +2938,7 @@
           <a:p>
             <a:fld id="{7B4123E2-09D3-4733-8A3F-3F7772162D85}" type="datetimeFigureOut">
               <a:rPr lang="en-CA" smtClean="0"/>
-              <a:t>2019-12-09</a:t>
+              <a:t>2019-12-12</a:t>
             </a:fld>
             <a:endParaRPr lang="en-CA"/>
           </a:p>
@@ -3059,7 +3155,7 @@
           <a:p>
             <a:fld id="{7B4123E2-09D3-4733-8A3F-3F7772162D85}" type="datetimeFigureOut">
               <a:rPr lang="en-CA" smtClean="0"/>
-              <a:t>2019-12-09</a:t>
+              <a:t>2019-12-12</a:t>
             </a:fld>
             <a:endParaRPr lang="en-CA"/>
           </a:p>
@@ -3564,6 +3660,148 @@
 </p:sld>
 </file>
 
+<file path=ppt/slides/slide10.xml><?xml version="1.0" encoding="utf-8"?>
+<p:sld xmlns:a="http://schemas.openxmlformats.org/drawingml/2006/main" xmlns:r="http://schemas.openxmlformats.org/officeDocument/2006/relationships" xmlns:p="http://schemas.openxmlformats.org/presentationml/2006/main">
+  <p:cSld>
+    <p:spTree>
+      <p:nvGrpSpPr>
+        <p:cNvPr id="1" name=""/>
+        <p:cNvGrpSpPr/>
+        <p:nvPr/>
+      </p:nvGrpSpPr>
+      <p:grpSpPr>
+        <a:xfrm>
+          <a:off x="0" y="0"/>
+          <a:ext cx="0" cy="0"/>
+          <a:chOff x="0" y="0"/>
+          <a:chExt cx="0" cy="0"/>
+        </a:xfrm>
+      </p:grpSpPr>
+      <p:sp>
+        <p:nvSpPr>
+          <p:cNvPr id="2" name="Title 1"/>
+          <p:cNvSpPr>
+            <a:spLocks noGrp="1"/>
+          </p:cNvSpPr>
+          <p:nvPr>
+            <p:ph type="title"/>
+          </p:nvPr>
+        </p:nvSpPr>
+        <p:spPr/>
+        <p:txBody>
+          <a:bodyPr>
+            <a:normAutofit fontScale="90000"/>
+          </a:bodyPr>
+          <a:lstStyle/>
+          <a:p>
+            <a:r>
+              <a:rPr lang="en-CA" dirty="0" smtClean="0"/>
+              <a:t>Passing Arguments to Event Handlers</a:t>
+            </a:r>
+            <a:endParaRPr lang="en-CA" dirty="0"/>
+          </a:p>
+        </p:txBody>
+      </p:sp>
+      <p:sp>
+        <p:nvSpPr>
+          <p:cNvPr id="3" name="Content Placeholder 2"/>
+          <p:cNvSpPr>
+            <a:spLocks noGrp="1"/>
+          </p:cNvSpPr>
+          <p:nvPr>
+            <p:ph idx="1"/>
+          </p:nvPr>
+        </p:nvSpPr>
+        <p:spPr/>
+        <p:txBody>
+          <a:bodyPr/>
+          <a:lstStyle/>
+          <a:p>
+            <a:endParaRPr lang="en-CA" dirty="0"/>
+          </a:p>
+        </p:txBody>
+      </p:sp>
+    </p:spTree>
+    <p:extLst>
+      <p:ext uri="{BB962C8B-B14F-4D97-AF65-F5344CB8AC3E}">
+        <p14:creationId xmlns:p14="http://schemas.microsoft.com/office/powerpoint/2010/main" val="194129807"/>
+      </p:ext>
+    </p:extLst>
+  </p:cSld>
+  <p:clrMapOvr>
+    <a:masterClrMapping/>
+  </p:clrMapOvr>
+</p:sld>
+</file>
+
+<file path=ppt/slides/slide11.xml><?xml version="1.0" encoding="utf-8"?>
+<p:sld xmlns:a="http://schemas.openxmlformats.org/drawingml/2006/main" xmlns:r="http://schemas.openxmlformats.org/officeDocument/2006/relationships" xmlns:p="http://schemas.openxmlformats.org/presentationml/2006/main">
+  <p:cSld>
+    <p:spTree>
+      <p:nvGrpSpPr>
+        <p:cNvPr id="1" name=""/>
+        <p:cNvGrpSpPr/>
+        <p:nvPr/>
+      </p:nvGrpSpPr>
+      <p:grpSpPr>
+        <a:xfrm>
+          <a:off x="0" y="0"/>
+          <a:ext cx="0" cy="0"/>
+          <a:chOff x="0" y="0"/>
+          <a:chExt cx="0" cy="0"/>
+        </a:xfrm>
+      </p:grpSpPr>
+      <p:sp>
+        <p:nvSpPr>
+          <p:cNvPr id="2" name="Title 1"/>
+          <p:cNvSpPr>
+            <a:spLocks noGrp="1"/>
+          </p:cNvSpPr>
+          <p:nvPr>
+            <p:ph type="title"/>
+          </p:nvPr>
+        </p:nvSpPr>
+        <p:spPr/>
+        <p:txBody>
+          <a:bodyPr/>
+          <a:lstStyle/>
+          <a:p>
+            <a:endParaRPr lang="en-CA"/>
+          </a:p>
+        </p:txBody>
+      </p:sp>
+      <p:sp>
+        <p:nvSpPr>
+          <p:cNvPr id="3" name="Content Placeholder 2"/>
+          <p:cNvSpPr>
+            <a:spLocks noGrp="1"/>
+          </p:cNvSpPr>
+          <p:nvPr>
+            <p:ph idx="1"/>
+          </p:nvPr>
+        </p:nvSpPr>
+        <p:spPr/>
+        <p:txBody>
+          <a:bodyPr/>
+          <a:lstStyle/>
+          <a:p>
+            <a:endParaRPr lang="en-CA"/>
+          </a:p>
+        </p:txBody>
+      </p:sp>
+    </p:spTree>
+    <p:extLst>
+      <p:ext uri="{BB962C8B-B14F-4D97-AF65-F5344CB8AC3E}">
+        <p14:creationId xmlns:p14="http://schemas.microsoft.com/office/powerpoint/2010/main" val="2385749612"/>
+      </p:ext>
+    </p:extLst>
+  </p:cSld>
+  <p:clrMapOvr>
+    <a:masterClrMapping/>
+  </p:clrMapOvr>
+</p:sld>
+</file>
+
 <file path=ppt/slides/slide2.xml><?xml version="1.0" encoding="utf-8"?>
 <p:sld xmlns:a="http://schemas.openxmlformats.org/drawingml/2006/main" xmlns:r="http://schemas.openxmlformats.org/officeDocument/2006/relationships" xmlns:p="http://schemas.openxmlformats.org/presentationml/2006/main">
   <p:cSld>
@@ -3600,11 +3838,7 @@
           <a:p>
             <a:r>
               <a:rPr lang="en-CA" dirty="0" smtClean="0"/>
-              <a:t>Syntactic </a:t>
-            </a:r>
-            <a:r>
-              <a:rPr lang="en-CA" dirty="0" smtClean="0"/>
-              <a:t>Differences Compared with Handling DOM Elements</a:t>
+              <a:t>Syntactic Differences Compared with Handling DOM Elements</a:t>
             </a:r>
             <a:endParaRPr lang="en-CA" dirty="0"/>
           </a:p>
@@ -3709,34 +3943,6 @@
           </a:bodyPr>
           <a:lstStyle/>
           <a:p>
-            <a:r>
-              <a:rPr lang="en-US" dirty="0" smtClean="0">
-                <a:effectLst>
-                  <a:outerShdw blurRad="38100" dist="38100" dir="2700000" algn="tl">
-                    <a:srgbClr val="000000">
-                      <a:alpha val="43137"/>
-                    </a:srgbClr>
-                  </a:outerShdw>
-                </a:effectLst>
-              </a:rPr>
-              <a:t>Events are lowercase</a:t>
-            </a:r>
-          </a:p>
-          <a:p>
-            <a:r>
-              <a:rPr lang="en-US" dirty="0" smtClean="0">
-                <a:effectLst>
-                  <a:outerShdw blurRad="38100" dist="38100" dir="2700000" algn="tl">
-                    <a:srgbClr val="000000">
-                      <a:alpha val="43137"/>
-                    </a:srgbClr>
-                  </a:outerShdw>
-                </a:effectLst>
-              </a:rPr>
-              <a:t>Event handlers are passed as strings.</a:t>
-            </a:r>
-          </a:p>
-          <a:p>
             <a:endParaRPr lang="en-US" dirty="0">
               <a:effectLst>
                 <a:outerShdw blurRad="38100" dist="38100" dir="2700000" algn="tl">
@@ -3747,109 +3953,6 @@
               </a:effectLst>
             </a:endParaRPr>
           </a:p>
-          <a:p>
-            <a:pPr marL="0" indent="0">
-              <a:buNone/>
-            </a:pPr>
-            <a:r>
-              <a:rPr lang="en-US" dirty="0" smtClean="0">
-                <a:effectLst>
-                  <a:outerShdw blurRad="38100" dist="38100" dir="2700000" algn="tl">
-                    <a:srgbClr val="000000">
-                      <a:alpha val="43137"/>
-                    </a:srgbClr>
-                  </a:outerShdw>
-                </a:effectLst>
-              </a:rPr>
-              <a:t>Example:</a:t>
-            </a:r>
-          </a:p>
-          <a:p>
-            <a:pPr marL="0" indent="0">
-              <a:buNone/>
-            </a:pPr>
-            <a:r>
-              <a:rPr lang="en-US" dirty="0">
-                <a:effectLst>
-                  <a:outerShdw blurRad="38100" dist="38100" dir="2700000" algn="tl">
-                    <a:srgbClr val="000000">
-                      <a:alpha val="43137"/>
-                    </a:srgbClr>
-                  </a:outerShdw>
-                </a:effectLst>
-              </a:rPr>
-              <a:t>&lt;button </a:t>
-            </a:r>
-            <a:r>
-              <a:rPr lang="en-US" dirty="0" err="1">
-                <a:effectLst>
-                  <a:outerShdw blurRad="38100" dist="38100" dir="2700000" algn="tl">
-                    <a:srgbClr val="000000">
-                      <a:alpha val="43137"/>
-                    </a:srgbClr>
-                  </a:outerShdw>
-                </a:effectLst>
-              </a:rPr>
-              <a:t>onclick</a:t>
-            </a:r>
-            <a:r>
-              <a:rPr lang="en-US" dirty="0" smtClean="0">
-                <a:effectLst>
-                  <a:outerShdw blurRad="38100" dist="38100" dir="2700000" algn="tl">
-                    <a:srgbClr val="000000">
-                      <a:alpha val="43137"/>
-                    </a:srgbClr>
-                  </a:outerShdw>
-                </a:effectLst>
-              </a:rPr>
-              <a:t>=“</a:t>
-            </a:r>
-            <a:r>
-              <a:rPr lang="en-US" dirty="0" err="1" smtClean="0">
-                <a:effectLst>
-                  <a:outerShdw blurRad="38100" dist="38100" dir="2700000" algn="tl">
-                    <a:srgbClr val="000000">
-                      <a:alpha val="43137"/>
-                    </a:srgbClr>
-                  </a:outerShdw>
-                </a:effectLst>
-              </a:rPr>
-              <a:t>helloWorld</a:t>
-            </a:r>
-            <a:r>
-              <a:rPr lang="en-US" dirty="0" smtClean="0">
-                <a:effectLst>
-                  <a:outerShdw blurRad="38100" dist="38100" dir="2700000" algn="tl">
-                    <a:srgbClr val="000000">
-                      <a:alpha val="43137"/>
-                    </a:srgbClr>
-                  </a:outerShdw>
-                </a:effectLst>
-              </a:rPr>
-              <a:t>()"&gt; Hello World!&lt;/</a:t>
-            </a:r>
-            <a:r>
-              <a:rPr lang="en-US" dirty="0">
-                <a:effectLst>
-                  <a:outerShdw blurRad="38100" dist="38100" dir="2700000" algn="tl">
-                    <a:srgbClr val="000000">
-                      <a:alpha val="43137"/>
-                    </a:srgbClr>
-                  </a:outerShdw>
-                </a:effectLst>
-              </a:rPr>
-              <a:t>button&gt;</a:t>
-            </a:r>
-            <a:endParaRPr lang="en-CA" dirty="0">
-              <a:effectLst>
-                <a:outerShdw blurRad="38100" dist="38100" dir="2700000" algn="tl">
-                  <a:srgbClr val="000000">
-                    <a:alpha val="43137"/>
-                  </a:srgbClr>
-                </a:outerShdw>
-              </a:effectLst>
-            </a:endParaRPr>
-          </a:p>
         </p:txBody>
       </p:sp>
       <p:sp>
@@ -3869,159 +3972,7 @@
           </a:bodyPr>
           <a:lstStyle/>
           <a:p>
-            <a:r>
-              <a:rPr lang="en-US" dirty="0" smtClean="0">
-                <a:effectLst>
-                  <a:outerShdw blurRad="38100" dist="38100" dir="2700000" algn="tl">
-                    <a:srgbClr val="000000">
-                      <a:alpha val="43137"/>
-                    </a:srgbClr>
-                  </a:outerShdw>
-                </a:effectLst>
-              </a:rPr>
-              <a:t>Events are </a:t>
-            </a:r>
-            <a:r>
-              <a:rPr lang="en-US" dirty="0" err="1" smtClean="0">
-                <a:effectLst>
-                  <a:outerShdw blurRad="38100" dist="38100" dir="2700000" algn="tl">
-                    <a:srgbClr val="000000">
-                      <a:alpha val="43137"/>
-                    </a:srgbClr>
-                  </a:outerShdw>
-                </a:effectLst>
-              </a:rPr>
-              <a:t>camelCase</a:t>
-            </a:r>
-            <a:endParaRPr lang="en-US" dirty="0" smtClean="0">
-              <a:effectLst>
-                <a:outerShdw blurRad="38100" dist="38100" dir="2700000" algn="tl">
-                  <a:srgbClr val="000000">
-                    <a:alpha val="43137"/>
-                  </a:srgbClr>
-                </a:outerShdw>
-              </a:effectLst>
-            </a:endParaRPr>
-          </a:p>
-          <a:p>
-            <a:r>
-              <a:rPr lang="en-US" dirty="0" smtClean="0">
-                <a:effectLst>
-                  <a:outerShdw blurRad="38100" dist="38100" dir="2700000" algn="tl">
-                    <a:srgbClr val="000000">
-                      <a:alpha val="43137"/>
-                    </a:srgbClr>
-                  </a:outerShdw>
-                </a:effectLst>
-              </a:rPr>
-              <a:t>Event handlers are passed as functions.</a:t>
-            </a:r>
-          </a:p>
-          <a:p>
             <a:endParaRPr lang="en-US" dirty="0">
-              <a:effectLst>
-                <a:outerShdw blurRad="38100" dist="38100" dir="2700000" algn="tl">
-                  <a:srgbClr val="000000">
-                    <a:alpha val="43137"/>
-                  </a:srgbClr>
-                </a:outerShdw>
-              </a:effectLst>
-            </a:endParaRPr>
-          </a:p>
-          <a:p>
-            <a:pPr marL="0" indent="0">
-              <a:buNone/>
-            </a:pPr>
-            <a:r>
-              <a:rPr lang="en-US" dirty="0" smtClean="0">
-                <a:effectLst>
-                  <a:outerShdw blurRad="38100" dist="38100" dir="2700000" algn="tl">
-                    <a:srgbClr val="000000">
-                      <a:alpha val="43137"/>
-                    </a:srgbClr>
-                  </a:outerShdw>
-                </a:effectLst>
-              </a:rPr>
-              <a:t>Example:</a:t>
-            </a:r>
-          </a:p>
-          <a:p>
-            <a:pPr marL="0" indent="0">
-              <a:buNone/>
-            </a:pPr>
-            <a:r>
-              <a:rPr lang="en-US" dirty="0">
-                <a:effectLst>
-                  <a:outerShdw blurRad="38100" dist="38100" dir="2700000" algn="tl">
-                    <a:srgbClr val="000000">
-                      <a:alpha val="43137"/>
-                    </a:srgbClr>
-                  </a:outerShdw>
-                </a:effectLst>
-              </a:rPr>
-              <a:t>&lt;button </a:t>
-            </a:r>
-            <a:r>
-              <a:rPr lang="en-US" dirty="0" err="1">
-                <a:effectLst>
-                  <a:outerShdw blurRad="38100" dist="38100" dir="2700000" algn="tl">
-                    <a:srgbClr val="000000">
-                      <a:alpha val="43137"/>
-                    </a:srgbClr>
-                  </a:outerShdw>
-                </a:effectLst>
-              </a:rPr>
-              <a:t>onClick</a:t>
-            </a:r>
-            <a:r>
-              <a:rPr lang="en-US" dirty="0" smtClean="0">
-                <a:effectLst>
-                  <a:outerShdw blurRad="38100" dist="38100" dir="2700000" algn="tl">
-                    <a:srgbClr val="000000">
-                      <a:alpha val="43137"/>
-                    </a:srgbClr>
-                  </a:outerShdw>
-                </a:effectLst>
-              </a:rPr>
-              <a:t>={</a:t>
-            </a:r>
-            <a:r>
-              <a:rPr lang="en-US" dirty="0" err="1" smtClean="0">
-                <a:effectLst>
-                  <a:outerShdw blurRad="38100" dist="38100" dir="2700000" algn="tl">
-                    <a:srgbClr val="000000">
-                      <a:alpha val="43137"/>
-                    </a:srgbClr>
-                  </a:outerShdw>
-                </a:effectLst>
-              </a:rPr>
-              <a:t>helloWorld</a:t>
-            </a:r>
-            <a:r>
-              <a:rPr lang="en-US" dirty="0" smtClean="0">
-                <a:effectLst>
-                  <a:outerShdw blurRad="38100" dist="38100" dir="2700000" algn="tl">
-                    <a:srgbClr val="000000">
-                      <a:alpha val="43137"/>
-                    </a:srgbClr>
-                  </a:outerShdw>
-                </a:effectLst>
-              </a:rPr>
-              <a:t>}&gt; Hello World! </a:t>
-            </a:r>
-            <a:r>
-              <a:rPr lang="en-US" dirty="0">
-                <a:effectLst>
-                  <a:outerShdw blurRad="38100" dist="38100" dir="2700000" algn="tl">
-                    <a:srgbClr val="000000">
-                      <a:alpha val="43137"/>
-                    </a:srgbClr>
-                  </a:outerShdw>
-                </a:effectLst>
-              </a:rPr>
-              <a:t>&lt;/button&gt;</a:t>
-            </a:r>
-            <a:endParaRPr lang="en-CA" dirty="0">
               <a:effectLst>
                 <a:outerShdw blurRad="38100" dist="38100" dir="2700000" algn="tl">
                   <a:srgbClr val="000000">
@@ -4047,6 +3998,986 @@
 </file>
 
 <file path=ppt/slides/slide3.xml><?xml version="1.0" encoding="utf-8"?>
+<p:sld xmlns:a="http://schemas.openxmlformats.org/drawingml/2006/main" xmlns:r="http://schemas.openxmlformats.org/officeDocument/2006/relationships" xmlns:p="http://schemas.openxmlformats.org/presentationml/2006/main">
+  <p:cSld>
+    <p:spTree>
+      <p:nvGrpSpPr>
+        <p:cNvPr id="1" name=""/>
+        <p:cNvGrpSpPr/>
+        <p:nvPr/>
+      </p:nvGrpSpPr>
+      <p:grpSpPr>
+        <a:xfrm>
+          <a:off x="0" y="0"/>
+          <a:ext cx="0" cy="0"/>
+          <a:chOff x="0" y="0"/>
+          <a:chExt cx="0" cy="0"/>
+        </a:xfrm>
+      </p:grpSpPr>
+      <p:sp>
+        <p:nvSpPr>
+          <p:cNvPr id="2" name="Title 1"/>
+          <p:cNvSpPr>
+            <a:spLocks noGrp="1"/>
+          </p:cNvSpPr>
+          <p:nvPr>
+            <p:ph type="title"/>
+          </p:nvPr>
+        </p:nvSpPr>
+        <p:spPr/>
+        <p:txBody>
+          <a:bodyPr>
+            <a:normAutofit fontScale="90000"/>
+          </a:bodyPr>
+          <a:lstStyle/>
+          <a:p>
+            <a:r>
+              <a:rPr lang="en-CA" dirty="0" smtClean="0"/>
+              <a:t>Syntactic Differences Compared with Handling DOM Elements</a:t>
+            </a:r>
+            <a:endParaRPr lang="en-CA" dirty="0"/>
+          </a:p>
+        </p:txBody>
+      </p:sp>
+      <p:sp>
+        <p:nvSpPr>
+          <p:cNvPr id="4" name="Text Placeholder 3"/>
+          <p:cNvSpPr>
+            <a:spLocks noGrp="1"/>
+          </p:cNvSpPr>
+          <p:nvPr>
+            <p:ph type="body" idx="1"/>
+          </p:nvPr>
+        </p:nvSpPr>
+        <p:spPr/>
+        <p:txBody>
+          <a:bodyPr>
+            <a:normAutofit/>
+          </a:bodyPr>
+          <a:lstStyle/>
+          <a:p>
+            <a:r>
+              <a:rPr lang="en-US" dirty="0" smtClean="0">
+                <a:effectLst>
+                  <a:outerShdw blurRad="38100" dist="38100" dir="2700000" algn="tl">
+                    <a:srgbClr val="000000">
+                      <a:alpha val="43137"/>
+                    </a:srgbClr>
+                  </a:outerShdw>
+                </a:effectLst>
+              </a:rPr>
+              <a:t>DOM</a:t>
+            </a:r>
+            <a:endParaRPr lang="en-CA" dirty="0">
+              <a:effectLst>
+                <a:outerShdw blurRad="38100" dist="38100" dir="2700000" algn="tl">
+                  <a:srgbClr val="000000">
+                    <a:alpha val="43137"/>
+                  </a:srgbClr>
+                </a:outerShdw>
+              </a:effectLst>
+            </a:endParaRPr>
+          </a:p>
+        </p:txBody>
+      </p:sp>
+      <p:sp>
+        <p:nvSpPr>
+          <p:cNvPr id="6" name="Text Placeholder 5"/>
+          <p:cNvSpPr>
+            <a:spLocks noGrp="1"/>
+          </p:cNvSpPr>
+          <p:nvPr>
+            <p:ph type="body" sz="half" idx="3"/>
+          </p:nvPr>
+        </p:nvSpPr>
+        <p:spPr/>
+        <p:txBody>
+          <a:bodyPr>
+            <a:normAutofit/>
+          </a:bodyPr>
+          <a:lstStyle/>
+          <a:p>
+            <a:r>
+              <a:rPr lang="en-US" dirty="0" smtClean="0">
+                <a:effectLst>
+                  <a:outerShdw blurRad="38100" dist="38100" dir="2700000" algn="tl">
+                    <a:srgbClr val="000000">
+                      <a:alpha val="43137"/>
+                    </a:srgbClr>
+                  </a:outerShdw>
+                </a:effectLst>
+              </a:rPr>
+              <a:t>React</a:t>
+            </a:r>
+            <a:endParaRPr lang="en-CA" dirty="0">
+              <a:effectLst>
+                <a:outerShdw blurRad="38100" dist="38100" dir="2700000" algn="tl">
+                  <a:srgbClr val="000000">
+                    <a:alpha val="43137"/>
+                  </a:srgbClr>
+                </a:outerShdw>
+              </a:effectLst>
+            </a:endParaRPr>
+          </a:p>
+        </p:txBody>
+      </p:sp>
+      <p:sp>
+        <p:nvSpPr>
+          <p:cNvPr id="5" name="Content Placeholder 4"/>
+          <p:cNvSpPr>
+            <a:spLocks noGrp="1"/>
+          </p:cNvSpPr>
+          <p:nvPr>
+            <p:ph sz="quarter" idx="2"/>
+          </p:nvPr>
+        </p:nvSpPr>
+        <p:spPr/>
+        <p:txBody>
+          <a:bodyPr>
+            <a:normAutofit/>
+          </a:bodyPr>
+          <a:lstStyle/>
+          <a:p>
+            <a:r>
+              <a:rPr lang="en-US" dirty="0" smtClean="0">
+                <a:effectLst>
+                  <a:outerShdw blurRad="38100" dist="38100" dir="2700000" algn="tl">
+                    <a:srgbClr val="000000">
+                      <a:alpha val="43137"/>
+                    </a:srgbClr>
+                  </a:outerShdw>
+                </a:effectLst>
+              </a:rPr>
+              <a:t>Events are lowercase</a:t>
+            </a:r>
+          </a:p>
+          <a:p>
+            <a:r>
+              <a:rPr lang="en-US" dirty="0" smtClean="0">
+                <a:effectLst>
+                  <a:outerShdw blurRad="38100" dist="38100" dir="2700000" algn="tl">
+                    <a:srgbClr val="000000">
+                      <a:alpha val="43137"/>
+                    </a:srgbClr>
+                  </a:outerShdw>
+                </a:effectLst>
+              </a:rPr>
+              <a:t>Event handlers are passed as strings.</a:t>
+            </a:r>
+          </a:p>
+          <a:p>
+            <a:endParaRPr lang="en-US" dirty="0">
+              <a:effectLst>
+                <a:outerShdw blurRad="38100" dist="38100" dir="2700000" algn="tl">
+                  <a:srgbClr val="000000">
+                    <a:alpha val="43137"/>
+                  </a:srgbClr>
+                </a:outerShdw>
+              </a:effectLst>
+            </a:endParaRPr>
+          </a:p>
+        </p:txBody>
+      </p:sp>
+      <p:sp>
+        <p:nvSpPr>
+          <p:cNvPr id="7" name="Content Placeholder 6"/>
+          <p:cNvSpPr>
+            <a:spLocks noGrp="1"/>
+          </p:cNvSpPr>
+          <p:nvPr>
+            <p:ph sz="quarter" idx="4"/>
+          </p:nvPr>
+        </p:nvSpPr>
+        <p:spPr/>
+        <p:txBody>
+          <a:bodyPr>
+            <a:normAutofit/>
+          </a:bodyPr>
+          <a:lstStyle/>
+          <a:p>
+            <a:endParaRPr lang="en-US" dirty="0">
+              <a:effectLst>
+                <a:outerShdw blurRad="38100" dist="38100" dir="2700000" algn="tl">
+                  <a:srgbClr val="000000">
+                    <a:alpha val="43137"/>
+                  </a:srgbClr>
+                </a:outerShdw>
+              </a:effectLst>
+            </a:endParaRPr>
+          </a:p>
+        </p:txBody>
+      </p:sp>
+    </p:spTree>
+    <p:extLst>
+      <p:ext uri="{BB962C8B-B14F-4D97-AF65-F5344CB8AC3E}">
+        <p14:creationId xmlns:p14="http://schemas.microsoft.com/office/powerpoint/2010/main" val="50877983"/>
+      </p:ext>
+    </p:extLst>
+  </p:cSld>
+  <p:clrMapOvr>
+    <a:masterClrMapping/>
+  </p:clrMapOvr>
+</p:sld>
+</file>
+
+<file path=ppt/slides/slide4.xml><?xml version="1.0" encoding="utf-8"?>
+<p:sld xmlns:a="http://schemas.openxmlformats.org/drawingml/2006/main" xmlns:r="http://schemas.openxmlformats.org/officeDocument/2006/relationships" xmlns:p="http://schemas.openxmlformats.org/presentationml/2006/main">
+  <p:cSld>
+    <p:spTree>
+      <p:nvGrpSpPr>
+        <p:cNvPr id="1" name=""/>
+        <p:cNvGrpSpPr/>
+        <p:nvPr/>
+      </p:nvGrpSpPr>
+      <p:grpSpPr>
+        <a:xfrm>
+          <a:off x="0" y="0"/>
+          <a:ext cx="0" cy="0"/>
+          <a:chOff x="0" y="0"/>
+          <a:chExt cx="0" cy="0"/>
+        </a:xfrm>
+      </p:grpSpPr>
+      <p:sp>
+        <p:nvSpPr>
+          <p:cNvPr id="2" name="Title 1"/>
+          <p:cNvSpPr>
+            <a:spLocks noGrp="1"/>
+          </p:cNvSpPr>
+          <p:nvPr>
+            <p:ph type="title"/>
+          </p:nvPr>
+        </p:nvSpPr>
+        <p:spPr/>
+        <p:txBody>
+          <a:bodyPr>
+            <a:normAutofit fontScale="90000"/>
+          </a:bodyPr>
+          <a:lstStyle/>
+          <a:p>
+            <a:r>
+              <a:rPr lang="en-CA" dirty="0" smtClean="0"/>
+              <a:t>Syntactic Differences Compared with Handling DOM Elements</a:t>
+            </a:r>
+            <a:endParaRPr lang="en-CA" dirty="0"/>
+          </a:p>
+        </p:txBody>
+      </p:sp>
+      <p:sp>
+        <p:nvSpPr>
+          <p:cNvPr id="4" name="Text Placeholder 3"/>
+          <p:cNvSpPr>
+            <a:spLocks noGrp="1"/>
+          </p:cNvSpPr>
+          <p:nvPr>
+            <p:ph type="body" idx="1"/>
+          </p:nvPr>
+        </p:nvSpPr>
+        <p:spPr/>
+        <p:txBody>
+          <a:bodyPr>
+            <a:normAutofit/>
+          </a:bodyPr>
+          <a:lstStyle/>
+          <a:p>
+            <a:r>
+              <a:rPr lang="en-US" dirty="0" smtClean="0">
+                <a:effectLst>
+                  <a:outerShdw blurRad="38100" dist="38100" dir="2700000" algn="tl">
+                    <a:srgbClr val="000000">
+                      <a:alpha val="43137"/>
+                    </a:srgbClr>
+                  </a:outerShdw>
+                </a:effectLst>
+              </a:rPr>
+              <a:t>DOM</a:t>
+            </a:r>
+            <a:endParaRPr lang="en-CA" dirty="0">
+              <a:effectLst>
+                <a:outerShdw blurRad="38100" dist="38100" dir="2700000" algn="tl">
+                  <a:srgbClr val="000000">
+                    <a:alpha val="43137"/>
+                  </a:srgbClr>
+                </a:outerShdw>
+              </a:effectLst>
+            </a:endParaRPr>
+          </a:p>
+        </p:txBody>
+      </p:sp>
+      <p:sp>
+        <p:nvSpPr>
+          <p:cNvPr id="6" name="Text Placeholder 5"/>
+          <p:cNvSpPr>
+            <a:spLocks noGrp="1"/>
+          </p:cNvSpPr>
+          <p:nvPr>
+            <p:ph type="body" sz="half" idx="3"/>
+          </p:nvPr>
+        </p:nvSpPr>
+        <p:spPr/>
+        <p:txBody>
+          <a:bodyPr>
+            <a:normAutofit/>
+          </a:bodyPr>
+          <a:lstStyle/>
+          <a:p>
+            <a:r>
+              <a:rPr lang="en-US" dirty="0" smtClean="0">
+                <a:effectLst>
+                  <a:outerShdw blurRad="38100" dist="38100" dir="2700000" algn="tl">
+                    <a:srgbClr val="000000">
+                      <a:alpha val="43137"/>
+                    </a:srgbClr>
+                  </a:outerShdw>
+                </a:effectLst>
+              </a:rPr>
+              <a:t>React</a:t>
+            </a:r>
+            <a:endParaRPr lang="en-CA" dirty="0">
+              <a:effectLst>
+                <a:outerShdw blurRad="38100" dist="38100" dir="2700000" algn="tl">
+                  <a:srgbClr val="000000">
+                    <a:alpha val="43137"/>
+                  </a:srgbClr>
+                </a:outerShdw>
+              </a:effectLst>
+            </a:endParaRPr>
+          </a:p>
+        </p:txBody>
+      </p:sp>
+      <p:sp>
+        <p:nvSpPr>
+          <p:cNvPr id="5" name="Content Placeholder 4"/>
+          <p:cNvSpPr>
+            <a:spLocks noGrp="1"/>
+          </p:cNvSpPr>
+          <p:nvPr>
+            <p:ph sz="quarter" idx="2"/>
+          </p:nvPr>
+        </p:nvSpPr>
+        <p:spPr/>
+        <p:txBody>
+          <a:bodyPr>
+            <a:normAutofit/>
+          </a:bodyPr>
+          <a:lstStyle/>
+          <a:p>
+            <a:r>
+              <a:rPr lang="en-US" dirty="0" smtClean="0">
+                <a:effectLst>
+                  <a:outerShdw blurRad="38100" dist="38100" dir="2700000" algn="tl">
+                    <a:srgbClr val="000000">
+                      <a:alpha val="43137"/>
+                    </a:srgbClr>
+                  </a:outerShdw>
+                </a:effectLst>
+              </a:rPr>
+              <a:t>Events are lowercase</a:t>
+            </a:r>
+          </a:p>
+          <a:p>
+            <a:r>
+              <a:rPr lang="en-US" dirty="0" smtClean="0">
+                <a:effectLst>
+                  <a:outerShdw blurRad="38100" dist="38100" dir="2700000" algn="tl">
+                    <a:srgbClr val="000000">
+                      <a:alpha val="43137"/>
+                    </a:srgbClr>
+                  </a:outerShdw>
+                </a:effectLst>
+              </a:rPr>
+              <a:t>Event handlers are passed as strings.</a:t>
+            </a:r>
+          </a:p>
+          <a:p>
+            <a:endParaRPr lang="en-US" dirty="0">
+              <a:effectLst>
+                <a:outerShdw blurRad="38100" dist="38100" dir="2700000" algn="tl">
+                  <a:srgbClr val="000000">
+                    <a:alpha val="43137"/>
+                  </a:srgbClr>
+                </a:outerShdw>
+              </a:effectLst>
+            </a:endParaRPr>
+          </a:p>
+        </p:txBody>
+      </p:sp>
+      <p:sp>
+        <p:nvSpPr>
+          <p:cNvPr id="7" name="Content Placeholder 6"/>
+          <p:cNvSpPr>
+            <a:spLocks noGrp="1"/>
+          </p:cNvSpPr>
+          <p:nvPr>
+            <p:ph sz="quarter" idx="4"/>
+          </p:nvPr>
+        </p:nvSpPr>
+        <p:spPr/>
+        <p:txBody>
+          <a:bodyPr>
+            <a:normAutofit/>
+          </a:bodyPr>
+          <a:lstStyle/>
+          <a:p>
+            <a:r>
+              <a:rPr lang="en-US" dirty="0" smtClean="0">
+                <a:effectLst>
+                  <a:outerShdw blurRad="38100" dist="38100" dir="2700000" algn="tl">
+                    <a:srgbClr val="000000">
+                      <a:alpha val="43137"/>
+                    </a:srgbClr>
+                  </a:outerShdw>
+                </a:effectLst>
+              </a:rPr>
+              <a:t>Events are </a:t>
+            </a:r>
+            <a:r>
+              <a:rPr lang="en-US" dirty="0" err="1" smtClean="0">
+                <a:effectLst>
+                  <a:outerShdw blurRad="38100" dist="38100" dir="2700000" algn="tl">
+                    <a:srgbClr val="000000">
+                      <a:alpha val="43137"/>
+                    </a:srgbClr>
+                  </a:outerShdw>
+                </a:effectLst>
+              </a:rPr>
+              <a:t>camelCase</a:t>
+            </a:r>
+            <a:endParaRPr lang="en-US" dirty="0" smtClean="0">
+              <a:effectLst>
+                <a:outerShdw blurRad="38100" dist="38100" dir="2700000" algn="tl">
+                  <a:srgbClr val="000000">
+                    <a:alpha val="43137"/>
+                  </a:srgbClr>
+                </a:outerShdw>
+              </a:effectLst>
+            </a:endParaRPr>
+          </a:p>
+          <a:p>
+            <a:r>
+              <a:rPr lang="en-US" dirty="0" smtClean="0">
+                <a:effectLst>
+                  <a:outerShdw blurRad="38100" dist="38100" dir="2700000" algn="tl">
+                    <a:srgbClr val="000000">
+                      <a:alpha val="43137"/>
+                    </a:srgbClr>
+                  </a:outerShdw>
+                </a:effectLst>
+              </a:rPr>
+              <a:t>Event handlers are passed as functions.</a:t>
+            </a:r>
+          </a:p>
+          <a:p>
+            <a:endParaRPr lang="en-US" dirty="0">
+              <a:effectLst>
+                <a:outerShdw blurRad="38100" dist="38100" dir="2700000" algn="tl">
+                  <a:srgbClr val="000000">
+                    <a:alpha val="43137"/>
+                  </a:srgbClr>
+                </a:outerShdw>
+              </a:effectLst>
+            </a:endParaRPr>
+          </a:p>
+        </p:txBody>
+      </p:sp>
+    </p:spTree>
+    <p:extLst>
+      <p:ext uri="{BB962C8B-B14F-4D97-AF65-F5344CB8AC3E}">
+        <p14:creationId xmlns:p14="http://schemas.microsoft.com/office/powerpoint/2010/main" val="354590223"/>
+      </p:ext>
+    </p:extLst>
+  </p:cSld>
+  <p:clrMapOvr>
+    <a:masterClrMapping/>
+  </p:clrMapOvr>
+</p:sld>
+</file>
+
+<file path=ppt/slides/slide5.xml><?xml version="1.0" encoding="utf-8"?>
+<p:sld xmlns:a="http://schemas.openxmlformats.org/drawingml/2006/main" xmlns:r="http://schemas.openxmlformats.org/officeDocument/2006/relationships" xmlns:p="http://schemas.openxmlformats.org/presentationml/2006/main">
+  <p:cSld>
+    <p:spTree>
+      <p:nvGrpSpPr>
+        <p:cNvPr id="1" name=""/>
+        <p:cNvGrpSpPr/>
+        <p:nvPr/>
+      </p:nvGrpSpPr>
+      <p:grpSpPr>
+        <a:xfrm>
+          <a:off x="0" y="0"/>
+          <a:ext cx="0" cy="0"/>
+          <a:chOff x="0" y="0"/>
+          <a:chExt cx="0" cy="0"/>
+        </a:xfrm>
+      </p:grpSpPr>
+      <p:sp>
+        <p:nvSpPr>
+          <p:cNvPr id="2" name="Title 1"/>
+          <p:cNvSpPr>
+            <a:spLocks noGrp="1"/>
+          </p:cNvSpPr>
+          <p:nvPr>
+            <p:ph type="title"/>
+          </p:nvPr>
+        </p:nvSpPr>
+        <p:spPr/>
+        <p:txBody>
+          <a:bodyPr>
+            <a:normAutofit fontScale="90000"/>
+          </a:bodyPr>
+          <a:lstStyle/>
+          <a:p>
+            <a:r>
+              <a:rPr lang="en-CA" dirty="0" smtClean="0"/>
+              <a:t>Syntactic Differences Compared with Handling DOM Elements</a:t>
+            </a:r>
+            <a:endParaRPr lang="en-CA" dirty="0"/>
+          </a:p>
+        </p:txBody>
+      </p:sp>
+      <p:sp>
+        <p:nvSpPr>
+          <p:cNvPr id="4" name="Text Placeholder 3"/>
+          <p:cNvSpPr>
+            <a:spLocks noGrp="1"/>
+          </p:cNvSpPr>
+          <p:nvPr>
+            <p:ph type="body" idx="1"/>
+          </p:nvPr>
+        </p:nvSpPr>
+        <p:spPr/>
+        <p:txBody>
+          <a:bodyPr>
+            <a:normAutofit/>
+          </a:bodyPr>
+          <a:lstStyle/>
+          <a:p>
+            <a:r>
+              <a:rPr lang="en-US" dirty="0" smtClean="0">
+                <a:effectLst>
+                  <a:outerShdw blurRad="38100" dist="38100" dir="2700000" algn="tl">
+                    <a:srgbClr val="000000">
+                      <a:alpha val="43137"/>
+                    </a:srgbClr>
+                  </a:outerShdw>
+                </a:effectLst>
+              </a:rPr>
+              <a:t>DOM</a:t>
+            </a:r>
+            <a:endParaRPr lang="en-CA" dirty="0">
+              <a:effectLst>
+                <a:outerShdw blurRad="38100" dist="38100" dir="2700000" algn="tl">
+                  <a:srgbClr val="000000">
+                    <a:alpha val="43137"/>
+                  </a:srgbClr>
+                </a:outerShdw>
+              </a:effectLst>
+            </a:endParaRPr>
+          </a:p>
+        </p:txBody>
+      </p:sp>
+      <p:sp>
+        <p:nvSpPr>
+          <p:cNvPr id="6" name="Text Placeholder 5"/>
+          <p:cNvSpPr>
+            <a:spLocks noGrp="1"/>
+          </p:cNvSpPr>
+          <p:nvPr>
+            <p:ph type="body" sz="half" idx="3"/>
+          </p:nvPr>
+        </p:nvSpPr>
+        <p:spPr/>
+        <p:txBody>
+          <a:bodyPr>
+            <a:normAutofit/>
+          </a:bodyPr>
+          <a:lstStyle/>
+          <a:p>
+            <a:r>
+              <a:rPr lang="en-US" dirty="0" smtClean="0">
+                <a:effectLst>
+                  <a:outerShdw blurRad="38100" dist="38100" dir="2700000" algn="tl">
+                    <a:srgbClr val="000000">
+                      <a:alpha val="43137"/>
+                    </a:srgbClr>
+                  </a:outerShdw>
+                </a:effectLst>
+              </a:rPr>
+              <a:t>React</a:t>
+            </a:r>
+            <a:endParaRPr lang="en-CA" dirty="0">
+              <a:effectLst>
+                <a:outerShdw blurRad="38100" dist="38100" dir="2700000" algn="tl">
+                  <a:srgbClr val="000000">
+                    <a:alpha val="43137"/>
+                  </a:srgbClr>
+                </a:outerShdw>
+              </a:effectLst>
+            </a:endParaRPr>
+          </a:p>
+        </p:txBody>
+      </p:sp>
+      <p:sp>
+        <p:nvSpPr>
+          <p:cNvPr id="5" name="Content Placeholder 4"/>
+          <p:cNvSpPr>
+            <a:spLocks noGrp="1"/>
+          </p:cNvSpPr>
+          <p:nvPr>
+            <p:ph sz="quarter" idx="2"/>
+          </p:nvPr>
+        </p:nvSpPr>
+        <p:spPr/>
+        <p:txBody>
+          <a:bodyPr>
+            <a:normAutofit/>
+          </a:bodyPr>
+          <a:lstStyle/>
+          <a:p>
+            <a:r>
+              <a:rPr lang="en-US" dirty="0" smtClean="0">
+                <a:effectLst>
+                  <a:outerShdw blurRad="38100" dist="38100" dir="2700000" algn="tl">
+                    <a:srgbClr val="000000">
+                      <a:alpha val="43137"/>
+                    </a:srgbClr>
+                  </a:outerShdw>
+                </a:effectLst>
+              </a:rPr>
+              <a:t>Events are lowercase</a:t>
+            </a:r>
+          </a:p>
+          <a:p>
+            <a:r>
+              <a:rPr lang="en-US" dirty="0" smtClean="0">
+                <a:effectLst>
+                  <a:outerShdw blurRad="38100" dist="38100" dir="2700000" algn="tl">
+                    <a:srgbClr val="000000">
+                      <a:alpha val="43137"/>
+                    </a:srgbClr>
+                  </a:outerShdw>
+                </a:effectLst>
+              </a:rPr>
+              <a:t>Event handlers are passed as strings.</a:t>
+            </a:r>
+          </a:p>
+          <a:p>
+            <a:endParaRPr lang="en-US" dirty="0">
+              <a:effectLst>
+                <a:outerShdw blurRad="38100" dist="38100" dir="2700000" algn="tl">
+                  <a:srgbClr val="000000">
+                    <a:alpha val="43137"/>
+                  </a:srgbClr>
+                </a:outerShdw>
+              </a:effectLst>
+            </a:endParaRPr>
+          </a:p>
+          <a:p>
+            <a:pPr marL="0" indent="0">
+              <a:buNone/>
+            </a:pPr>
+            <a:r>
+              <a:rPr lang="en-US" dirty="0" smtClean="0">
+                <a:effectLst>
+                  <a:outerShdw blurRad="38100" dist="38100" dir="2700000" algn="tl">
+                    <a:srgbClr val="000000">
+                      <a:alpha val="43137"/>
+                    </a:srgbClr>
+                  </a:outerShdw>
+                </a:effectLst>
+              </a:rPr>
+              <a:t>Example:</a:t>
+            </a:r>
+          </a:p>
+          <a:p>
+            <a:pPr marL="0" indent="0">
+              <a:buNone/>
+            </a:pPr>
+            <a:r>
+              <a:rPr lang="en-US" dirty="0">
+                <a:effectLst>
+                  <a:outerShdw blurRad="38100" dist="38100" dir="2700000" algn="tl">
+                    <a:srgbClr val="000000">
+                      <a:alpha val="43137"/>
+                    </a:srgbClr>
+                  </a:outerShdw>
+                </a:effectLst>
+              </a:rPr>
+              <a:t>&lt;button </a:t>
+            </a:r>
+            <a:r>
+              <a:rPr lang="en-US" dirty="0" err="1">
+                <a:effectLst>
+                  <a:outerShdw blurRad="38100" dist="38100" dir="2700000" algn="tl">
+                    <a:srgbClr val="000000">
+                      <a:alpha val="43137"/>
+                    </a:srgbClr>
+                  </a:outerShdw>
+                </a:effectLst>
+              </a:rPr>
+              <a:t>onclick</a:t>
+            </a:r>
+            <a:r>
+              <a:rPr lang="en-US" dirty="0" smtClean="0">
+                <a:effectLst>
+                  <a:outerShdw blurRad="38100" dist="38100" dir="2700000" algn="tl">
+                    <a:srgbClr val="000000">
+                      <a:alpha val="43137"/>
+                    </a:srgbClr>
+                  </a:outerShdw>
+                </a:effectLst>
+              </a:rPr>
+              <a:t>=“</a:t>
+            </a:r>
+            <a:r>
+              <a:rPr lang="en-US" dirty="0" err="1" smtClean="0">
+                <a:effectLst>
+                  <a:outerShdw blurRad="38100" dist="38100" dir="2700000" algn="tl">
+                    <a:srgbClr val="000000">
+                      <a:alpha val="43137"/>
+                    </a:srgbClr>
+                  </a:outerShdw>
+                </a:effectLst>
+              </a:rPr>
+              <a:t>helloWorld</a:t>
+            </a:r>
+            <a:r>
+              <a:rPr lang="en-US" dirty="0" smtClean="0">
+                <a:effectLst>
+                  <a:outerShdw blurRad="38100" dist="38100" dir="2700000" algn="tl">
+                    <a:srgbClr val="000000">
+                      <a:alpha val="43137"/>
+                    </a:srgbClr>
+                  </a:outerShdw>
+                </a:effectLst>
+              </a:rPr>
+              <a:t>()"&gt; Hello World!&lt;/</a:t>
+            </a:r>
+            <a:r>
+              <a:rPr lang="en-US" dirty="0">
+                <a:effectLst>
+                  <a:outerShdw blurRad="38100" dist="38100" dir="2700000" algn="tl">
+                    <a:srgbClr val="000000">
+                      <a:alpha val="43137"/>
+                    </a:srgbClr>
+                  </a:outerShdw>
+                </a:effectLst>
+              </a:rPr>
+              <a:t>button&gt;</a:t>
+            </a:r>
+            <a:endParaRPr lang="en-CA" dirty="0">
+              <a:effectLst>
+                <a:outerShdw blurRad="38100" dist="38100" dir="2700000" algn="tl">
+                  <a:srgbClr val="000000">
+                    <a:alpha val="43137"/>
+                  </a:srgbClr>
+                </a:outerShdw>
+              </a:effectLst>
+            </a:endParaRPr>
+          </a:p>
+        </p:txBody>
+      </p:sp>
+      <p:sp>
+        <p:nvSpPr>
+          <p:cNvPr id="7" name="Content Placeholder 6"/>
+          <p:cNvSpPr>
+            <a:spLocks noGrp="1"/>
+          </p:cNvSpPr>
+          <p:nvPr>
+            <p:ph sz="quarter" idx="4"/>
+          </p:nvPr>
+        </p:nvSpPr>
+        <p:spPr/>
+        <p:txBody>
+          <a:bodyPr>
+            <a:normAutofit/>
+          </a:bodyPr>
+          <a:lstStyle/>
+          <a:p>
+            <a:r>
+              <a:rPr lang="en-US" dirty="0" smtClean="0">
+                <a:effectLst>
+                  <a:outerShdw blurRad="38100" dist="38100" dir="2700000" algn="tl">
+                    <a:srgbClr val="000000">
+                      <a:alpha val="43137"/>
+                    </a:srgbClr>
+                  </a:outerShdw>
+                </a:effectLst>
+              </a:rPr>
+              <a:t>Events are </a:t>
+            </a:r>
+            <a:r>
+              <a:rPr lang="en-US" dirty="0" err="1" smtClean="0">
+                <a:effectLst>
+                  <a:outerShdw blurRad="38100" dist="38100" dir="2700000" algn="tl">
+                    <a:srgbClr val="000000">
+                      <a:alpha val="43137"/>
+                    </a:srgbClr>
+                  </a:outerShdw>
+                </a:effectLst>
+              </a:rPr>
+              <a:t>camelCase</a:t>
+            </a:r>
+            <a:endParaRPr lang="en-US" dirty="0" smtClean="0">
+              <a:effectLst>
+                <a:outerShdw blurRad="38100" dist="38100" dir="2700000" algn="tl">
+                  <a:srgbClr val="000000">
+                    <a:alpha val="43137"/>
+                  </a:srgbClr>
+                </a:outerShdw>
+              </a:effectLst>
+            </a:endParaRPr>
+          </a:p>
+          <a:p>
+            <a:r>
+              <a:rPr lang="en-US" dirty="0" smtClean="0">
+                <a:effectLst>
+                  <a:outerShdw blurRad="38100" dist="38100" dir="2700000" algn="tl">
+                    <a:srgbClr val="000000">
+                      <a:alpha val="43137"/>
+                    </a:srgbClr>
+                  </a:outerShdw>
+                </a:effectLst>
+              </a:rPr>
+              <a:t>Event handlers are passed as functions.</a:t>
+            </a:r>
+          </a:p>
+          <a:p>
+            <a:endParaRPr lang="en-US" dirty="0">
+              <a:effectLst>
+                <a:outerShdw blurRad="38100" dist="38100" dir="2700000" algn="tl">
+                  <a:srgbClr val="000000">
+                    <a:alpha val="43137"/>
+                  </a:srgbClr>
+                </a:outerShdw>
+              </a:effectLst>
+            </a:endParaRPr>
+          </a:p>
+          <a:p>
+            <a:pPr marL="0" indent="0">
+              <a:buNone/>
+            </a:pPr>
+            <a:r>
+              <a:rPr lang="en-US" dirty="0" smtClean="0">
+                <a:effectLst>
+                  <a:outerShdw blurRad="38100" dist="38100" dir="2700000" algn="tl">
+                    <a:srgbClr val="000000">
+                      <a:alpha val="43137"/>
+                    </a:srgbClr>
+                  </a:outerShdw>
+                </a:effectLst>
+              </a:rPr>
+              <a:t>Example:</a:t>
+            </a:r>
+          </a:p>
+          <a:p>
+            <a:pPr marL="0" indent="0">
+              <a:buNone/>
+            </a:pPr>
+            <a:r>
+              <a:rPr lang="en-US" dirty="0">
+                <a:effectLst>
+                  <a:outerShdw blurRad="38100" dist="38100" dir="2700000" algn="tl">
+                    <a:srgbClr val="000000">
+                      <a:alpha val="43137"/>
+                    </a:srgbClr>
+                  </a:outerShdw>
+                </a:effectLst>
+              </a:rPr>
+              <a:t>&lt;button </a:t>
+            </a:r>
+            <a:r>
+              <a:rPr lang="en-US" dirty="0" err="1">
+                <a:effectLst>
+                  <a:outerShdw blurRad="38100" dist="38100" dir="2700000" algn="tl">
+                    <a:srgbClr val="000000">
+                      <a:alpha val="43137"/>
+                    </a:srgbClr>
+                  </a:outerShdw>
+                </a:effectLst>
+              </a:rPr>
+              <a:t>onClick</a:t>
+            </a:r>
+            <a:r>
+              <a:rPr lang="en-US" dirty="0" smtClean="0">
+                <a:effectLst>
+                  <a:outerShdw blurRad="38100" dist="38100" dir="2700000" algn="tl">
+                    <a:srgbClr val="000000">
+                      <a:alpha val="43137"/>
+                    </a:srgbClr>
+                  </a:outerShdw>
+                </a:effectLst>
+              </a:rPr>
+              <a:t>={</a:t>
+            </a:r>
+            <a:r>
+              <a:rPr lang="en-US" dirty="0" err="1" smtClean="0">
+                <a:effectLst>
+                  <a:outerShdw blurRad="38100" dist="38100" dir="2700000" algn="tl">
+                    <a:srgbClr val="000000">
+                      <a:alpha val="43137"/>
+                    </a:srgbClr>
+                  </a:outerShdw>
+                </a:effectLst>
+              </a:rPr>
+              <a:t>helloWorld</a:t>
+            </a:r>
+            <a:r>
+              <a:rPr lang="en-US" dirty="0" smtClean="0">
+                <a:effectLst>
+                  <a:outerShdw blurRad="38100" dist="38100" dir="2700000" algn="tl">
+                    <a:srgbClr val="000000">
+                      <a:alpha val="43137"/>
+                    </a:srgbClr>
+                  </a:outerShdw>
+                </a:effectLst>
+              </a:rPr>
+              <a:t>}&gt; Hello World! </a:t>
+            </a:r>
+            <a:r>
+              <a:rPr lang="en-US" dirty="0">
+                <a:effectLst>
+                  <a:outerShdw blurRad="38100" dist="38100" dir="2700000" algn="tl">
+                    <a:srgbClr val="000000">
+                      <a:alpha val="43137"/>
+                    </a:srgbClr>
+                  </a:outerShdw>
+                </a:effectLst>
+              </a:rPr>
+              <a:t>&lt;/button&gt;</a:t>
+            </a:r>
+            <a:endParaRPr lang="en-CA" dirty="0">
+              <a:effectLst>
+                <a:outerShdw blurRad="38100" dist="38100" dir="2700000" algn="tl">
+                  <a:srgbClr val="000000">
+                    <a:alpha val="43137"/>
+                  </a:srgbClr>
+                </a:outerShdw>
+              </a:effectLst>
+            </a:endParaRPr>
+          </a:p>
+        </p:txBody>
+      </p:sp>
+    </p:spTree>
+    <p:extLst>
+      <p:ext uri="{BB962C8B-B14F-4D97-AF65-F5344CB8AC3E}">
+        <p14:creationId xmlns:p14="http://schemas.microsoft.com/office/powerpoint/2010/main" val="4169195338"/>
+      </p:ext>
+    </p:extLst>
+  </p:cSld>
+  <p:clrMapOvr>
+    <a:masterClrMapping/>
+  </p:clrMapOvr>
+  <p:timing>
+    <p:tnLst>
+      <p:par>
+        <p:cTn id="1" dur="indefinite" restart="never" nodeType="tmRoot"/>
+      </p:par>
+    </p:tnLst>
+  </p:timing>
+</p:sld>
+</file>
+
+<file path=ppt/slides/slide6.xml><?xml version="1.0" encoding="utf-8"?>
 <p:sld xmlns:a="http://schemas.openxmlformats.org/drawingml/2006/main" xmlns:r="http://schemas.openxmlformats.org/officeDocument/2006/relationships" xmlns:p="http://schemas.openxmlformats.org/presentationml/2006/main">
   <p:cSld>
     <p:spTree>
@@ -4450,7 +5381,7 @@
 </p:sld>
 </file>
 
-<file path=ppt/slides/slide4.xml><?xml version="1.0" encoding="utf-8"?>
+<file path=ppt/slides/slide7.xml><?xml version="1.0" encoding="utf-8"?>
 <p:sld xmlns:a="http://schemas.openxmlformats.org/drawingml/2006/main" xmlns:r="http://schemas.openxmlformats.org/officeDocument/2006/relationships" xmlns:p="http://schemas.openxmlformats.org/presentationml/2006/main">
   <p:cSld>
     <p:spTree>
@@ -4477,10 +5408,33 @@
             <p:ph type="title"/>
           </p:nvPr>
         </p:nvSpPr>
+        <p:spPr/>
+        <p:txBody>
+          <a:bodyPr/>
+          <a:lstStyle/>
+          <a:p>
+            <a:r>
+              <a:rPr lang="en-CA" dirty="0" smtClean="0"/>
+              <a:t>Prevent Default</a:t>
+            </a:r>
+            <a:endParaRPr lang="en-CA" dirty="0"/>
+          </a:p>
+        </p:txBody>
+      </p:sp>
+      <p:sp>
+        <p:nvSpPr>
+          <p:cNvPr id="3" name="Content Placeholder 2"/>
+          <p:cNvSpPr>
+            <a:spLocks noGrp="1"/>
+          </p:cNvSpPr>
+          <p:nvPr>
+            <p:ph idx="1"/>
+          </p:nvPr>
+        </p:nvSpPr>
         <p:spPr>
           <a:xfrm>
-            <a:off x="457200" y="274638"/>
-            <a:ext cx="8229600" cy="1642194"/>
+            <a:off x="459468" y="1196752"/>
+            <a:ext cx="8229600" cy="5410999"/>
           </a:xfrm>
         </p:spPr>
         <p:txBody>
@@ -4490,25 +5444,244 @@
           <a:lstStyle/>
           <a:p>
             <a:r>
-              <a:rPr lang="en-CA" dirty="0" smtClean="0"/>
-              <a:t>All Around Good Dude, Tyler Armitage</a:t>
-            </a:r>
-            <a:endParaRPr lang="en-CA" dirty="0"/>
+              <a:rPr lang="en-US" sz="1800" dirty="0">
+                <a:effectLst>
+                  <a:outerShdw blurRad="38100" dist="38100" dir="2700000" algn="tl">
+                    <a:srgbClr val="000000">
+                      <a:alpha val="43137"/>
+                    </a:srgbClr>
+                  </a:outerShdw>
+                </a:effectLst>
+              </a:rPr>
+              <a:t>All native HTML elements come with their internal native </a:t>
+            </a:r>
+            <a:r>
+              <a:rPr lang="en-US" sz="1800" dirty="0" err="1">
+                <a:effectLst>
+                  <a:outerShdw blurRad="38100" dist="38100" dir="2700000" algn="tl">
+                    <a:srgbClr val="000000">
+                      <a:alpha val="43137"/>
+                    </a:srgbClr>
+                  </a:outerShdw>
+                </a:effectLst>
+              </a:rPr>
+              <a:t>behaviour</a:t>
+            </a:r>
+            <a:r>
+              <a:rPr lang="en-US" sz="1800" dirty="0">
+                <a:effectLst>
+                  <a:outerShdw blurRad="38100" dist="38100" dir="2700000" algn="tl">
+                    <a:srgbClr val="000000">
+                      <a:alpha val="43137"/>
+                    </a:srgbClr>
+                  </a:outerShdw>
+                </a:effectLst>
+              </a:rPr>
+              <a:t>. </a:t>
+            </a:r>
+            <a:endParaRPr lang="en-US" sz="1800" dirty="0" smtClean="0">
+              <a:effectLst>
+                <a:outerShdw blurRad="38100" dist="38100" dir="2700000" algn="tl">
+                  <a:srgbClr val="000000">
+                    <a:alpha val="43137"/>
+                  </a:srgbClr>
+                </a:outerShdw>
+              </a:effectLst>
+            </a:endParaRPr>
+          </a:p>
+          <a:p>
+            <a:r>
+              <a:rPr lang="en-US" sz="1800" dirty="0" smtClean="0">
+                <a:effectLst>
+                  <a:outerShdw blurRad="38100" dist="38100" dir="2700000" algn="tl">
+                    <a:srgbClr val="000000">
+                      <a:alpha val="43137"/>
+                    </a:srgbClr>
+                  </a:outerShdw>
+                </a:effectLst>
+              </a:rPr>
+              <a:t>In React, you can’t return false to prevent a default </a:t>
+            </a:r>
+            <a:r>
+              <a:rPr lang="en-US" sz="1800" dirty="0" err="1" smtClean="0">
+                <a:effectLst>
+                  <a:outerShdw blurRad="38100" dist="38100" dir="2700000" algn="tl">
+                    <a:srgbClr val="000000">
+                      <a:alpha val="43137"/>
+                    </a:srgbClr>
+                  </a:outerShdw>
+                </a:effectLst>
+              </a:rPr>
+              <a:t>behaviour</a:t>
+            </a:r>
+            <a:r>
+              <a:rPr lang="en-US" sz="1800" dirty="0" smtClean="0">
+                <a:effectLst>
+                  <a:outerShdw blurRad="38100" dist="38100" dir="2700000" algn="tl">
+                    <a:srgbClr val="000000">
+                      <a:alpha val="43137"/>
+                    </a:srgbClr>
+                  </a:outerShdw>
+                </a:effectLst>
+              </a:rPr>
+              <a:t>. If there is a default </a:t>
+            </a:r>
+            <a:r>
+              <a:rPr lang="en-US" sz="1800" dirty="0" err="1" smtClean="0">
+                <a:effectLst>
+                  <a:outerShdw blurRad="38100" dist="38100" dir="2700000" algn="tl">
+                    <a:srgbClr val="000000">
+                      <a:alpha val="43137"/>
+                    </a:srgbClr>
+                  </a:outerShdw>
+                </a:effectLst>
+              </a:rPr>
+              <a:t>behaviour</a:t>
+            </a:r>
+            <a:r>
+              <a:rPr lang="en-US" sz="1800" dirty="0" smtClean="0">
+                <a:effectLst>
+                  <a:outerShdw blurRad="38100" dist="38100" dir="2700000" algn="tl">
+                    <a:srgbClr val="000000">
+                      <a:alpha val="43137"/>
+                    </a:srgbClr>
+                  </a:outerShdw>
+                </a:effectLst>
+              </a:rPr>
+              <a:t> that you are trying to prevent, you must call </a:t>
+            </a:r>
+            <a:r>
+              <a:rPr lang="en-US" sz="1800" dirty="0" err="1" smtClean="0">
+                <a:effectLst>
+                  <a:outerShdw blurRad="38100" dist="38100" dir="2700000" algn="tl">
+                    <a:srgbClr val="000000">
+                      <a:alpha val="43137"/>
+                    </a:srgbClr>
+                  </a:outerShdw>
+                </a:effectLst>
+              </a:rPr>
+              <a:t>preventDefault</a:t>
+            </a:r>
+            <a:r>
+              <a:rPr lang="en-US" sz="1800" dirty="0" smtClean="0">
+                <a:effectLst>
+                  <a:outerShdw blurRad="38100" dist="38100" dir="2700000" algn="tl">
+                    <a:srgbClr val="000000">
+                      <a:alpha val="43137"/>
+                    </a:srgbClr>
+                  </a:outerShdw>
+                </a:effectLst>
+              </a:rPr>
+              <a:t>() explicitly.</a:t>
+            </a:r>
+          </a:p>
+          <a:p>
+            <a:r>
+              <a:rPr lang="en-US" sz="1800" dirty="0" smtClean="0">
+                <a:effectLst>
+                  <a:outerShdw blurRad="38100" dist="38100" dir="2700000" algn="tl">
+                    <a:srgbClr val="000000">
+                      <a:alpha val="43137"/>
+                    </a:srgbClr>
+                  </a:outerShdw>
+                </a:effectLst>
+              </a:rPr>
+              <a:t>In the following example from when I migrated </a:t>
+            </a:r>
+            <a:r>
+              <a:rPr lang="en-US" sz="1800" dirty="0" err="1" smtClean="0">
+                <a:effectLst>
+                  <a:outerShdw blurRad="38100" dist="38100" dir="2700000" algn="tl">
+                    <a:srgbClr val="000000">
+                      <a:alpha val="43137"/>
+                    </a:srgbClr>
+                  </a:outerShdw>
+                </a:effectLst>
+              </a:rPr>
+              <a:t>myAccounts</a:t>
+            </a:r>
+            <a:r>
+              <a:rPr lang="en-US" sz="1800" dirty="0" smtClean="0">
+                <a:effectLst>
+                  <a:outerShdw blurRad="38100" dist="38100" dir="2700000" algn="tl">
+                    <a:srgbClr val="000000">
+                      <a:alpha val="43137"/>
+                    </a:srgbClr>
+                  </a:outerShdw>
+                </a:effectLst>
+              </a:rPr>
+              <a:t> exercise, </a:t>
+            </a:r>
+            <a:r>
+              <a:rPr lang="en-US" sz="1800" dirty="0" err="1" smtClean="0">
+                <a:effectLst>
+                  <a:outerShdw blurRad="38100" dist="38100" dir="2700000" algn="tl">
+                    <a:srgbClr val="000000">
+                      <a:alpha val="43137"/>
+                    </a:srgbClr>
+                  </a:outerShdw>
+                </a:effectLst>
+              </a:rPr>
+              <a:t>preventDefault</a:t>
+            </a:r>
+            <a:r>
+              <a:rPr lang="en-US" sz="1800" dirty="0" smtClean="0">
+                <a:effectLst>
+                  <a:outerShdw blurRad="38100" dist="38100" dir="2700000" algn="tl">
+                    <a:srgbClr val="000000">
+                      <a:alpha val="43137"/>
+                    </a:srgbClr>
+                  </a:outerShdw>
+                </a:effectLst>
+              </a:rPr>
+              <a:t>() was used to prevent the default </a:t>
+            </a:r>
+            <a:r>
+              <a:rPr lang="en-US" sz="1800" dirty="0" err="1" smtClean="0">
+                <a:effectLst>
+                  <a:outerShdw blurRad="38100" dist="38100" dir="2700000" algn="tl">
+                    <a:srgbClr val="000000">
+                      <a:alpha val="43137"/>
+                    </a:srgbClr>
+                  </a:outerShdw>
+                </a:effectLst>
+              </a:rPr>
+              <a:t>behaviour</a:t>
+            </a:r>
+            <a:r>
+              <a:rPr lang="en-US" sz="1800" dirty="0" smtClean="0">
+                <a:effectLst>
+                  <a:outerShdw blurRad="38100" dist="38100" dir="2700000" algn="tl">
+                    <a:srgbClr val="000000">
+                      <a:alpha val="43137"/>
+                    </a:srgbClr>
+                  </a:outerShdw>
+                </a:effectLst>
+              </a:rPr>
+              <a:t> of a form submit button, which would normally refresh the browser when it is clicked.</a:t>
+            </a:r>
+            <a:endParaRPr lang="en-CA" sz="1800" dirty="0">
+              <a:effectLst>
+                <a:outerShdw blurRad="38100" dist="38100" dir="2700000" algn="tl">
+                  <a:srgbClr val="000000">
+                    <a:alpha val="43137"/>
+                  </a:srgbClr>
+                </a:outerShdw>
+              </a:effectLst>
+            </a:endParaRPr>
           </a:p>
         </p:txBody>
       </p:sp>
       <p:pic>
         <p:nvPicPr>
-          <p:cNvPr id="2050" name="Picture 2"/>
+          <p:cNvPr id="1026" name="Picture 2"/>
           <p:cNvPicPr>
-            <a:picLocks noGrp="1" noChangeAspect="1" noChangeArrowheads="1"/>
+            <a:picLocks noChangeAspect="1" noChangeArrowheads="1"/>
           </p:cNvPicPr>
-          <p:nvPr>
-            <p:ph idx="1"/>
-          </p:nvPr>
+          <p:nvPr/>
         </p:nvPicPr>
         <p:blipFill>
-          <a:blip r:embed="rId2">
+          <a:blip r:embed="rId3">
             <a:extLst>
               <a:ext uri="{28A0092B-C50C-407E-A947-70E740481C1C}">
                 <a14:useLocalDpi xmlns:a14="http://schemas.microsoft.com/office/drawing/2010/main" val="0"/>
@@ -4522,8 +5695,8 @@
         </p:blipFill>
         <p:spPr bwMode="auto">
           <a:xfrm>
-            <a:off x="3059832" y="2204864"/>
-            <a:ext cx="3095625" cy="2962275"/>
+            <a:off x="1364343" y="3513695"/>
+            <a:ext cx="6419850" cy="3200400"/>
           </a:xfrm>
           <a:prstGeom prst="rect">
             <a:avLst/>
@@ -4553,78 +5726,62 @@
           </a:extLst>
         </p:spPr>
       </p:pic>
-    </p:spTree>
-    <p:extLst>
-      <p:ext uri="{BB962C8B-B14F-4D97-AF65-F5344CB8AC3E}">
-        <p14:creationId xmlns:p14="http://schemas.microsoft.com/office/powerpoint/2010/main" val="2143214401"/>
-      </p:ext>
-    </p:extLst>
-  </p:cSld>
-  <p:clrMapOvr>
-    <a:masterClrMapping/>
-  </p:clrMapOvr>
-</p:sld>
-</file>
-
-<file path=ppt/slides/slide5.xml><?xml version="1.0" encoding="utf-8"?>
-<p:sld xmlns:a="http://schemas.openxmlformats.org/drawingml/2006/main" xmlns:r="http://schemas.openxmlformats.org/officeDocument/2006/relationships" xmlns:p="http://schemas.openxmlformats.org/presentationml/2006/main">
-  <p:cSld>
-    <p:spTree>
-      <p:nvGrpSpPr>
-        <p:cNvPr id="1" name=""/>
-        <p:cNvGrpSpPr/>
-        <p:nvPr/>
-      </p:nvGrpSpPr>
-      <p:grpSpPr>
-        <a:xfrm>
-          <a:off x="0" y="0"/>
-          <a:ext cx="0" cy="0"/>
-          <a:chOff x="0" y="0"/>
-          <a:chExt cx="0" cy="0"/>
-        </a:xfrm>
-      </p:grpSpPr>
-      <p:sp>
-        <p:nvSpPr>
-          <p:cNvPr id="2" name="Title 1"/>
-          <p:cNvSpPr>
-            <a:spLocks noGrp="1"/>
-          </p:cNvSpPr>
-          <p:nvPr>
-            <p:ph type="title"/>
-          </p:nvPr>
+      <p:sp>
+        <p:nvSpPr>
+          <p:cNvPr id="4" name="Oval 3"/>
+          <p:cNvSpPr/>
+          <p:nvPr/>
         </p:nvSpPr>
         <p:spPr>
           <a:xfrm>
-            <a:off x="457200" y="274638"/>
-            <a:ext cx="8229600" cy="1642194"/>
+            <a:off x="1489578" y="6227825"/>
+            <a:ext cx="2304256" cy="216024"/>
           </a:xfrm>
+          <a:prstGeom prst="ellipse">
+            <a:avLst/>
+          </a:prstGeom>
+          <a:noFill/>
+          <a:ln>
+            <a:solidFill>
+              <a:srgbClr val="FFFF00"/>
+            </a:solidFill>
+          </a:ln>
         </p:spPr>
-        <p:txBody>
-          <a:bodyPr>
-            <a:normAutofit/>
-          </a:bodyPr>
-          <a:lstStyle/>
-          <a:p>
-            <a:r>
-              <a:rPr lang="en-CA" dirty="0" smtClean="0"/>
-              <a:t>AGENT OF REACT PRESENTATION CHAOS</a:t>
-            </a:r>
-            <a:endParaRPr lang="en-CA" dirty="0"/>
+        <p:style>
+          <a:lnRef idx="2">
+            <a:schemeClr val="accent1">
+              <a:shade val="50000"/>
+            </a:schemeClr>
+          </a:lnRef>
+          <a:fillRef idx="1">
+            <a:schemeClr val="accent1"/>
+          </a:fillRef>
+          <a:effectRef idx="0">
+            <a:schemeClr val="accent1"/>
+          </a:effectRef>
+          <a:fontRef idx="minor">
+            <a:schemeClr val="lt1"/>
+          </a:fontRef>
+        </p:style>
+        <p:txBody>
+          <a:bodyPr rtlCol="0" anchor="ctr"/>
+          <a:lstStyle/>
+          <a:p>
+            <a:pPr algn="ctr"/>
+            <a:endParaRPr lang="en-CA"/>
           </a:p>
         </p:txBody>
       </p:sp>
       <p:pic>
         <p:nvPicPr>
-          <p:cNvPr id="2050" name="Picture 2"/>
+          <p:cNvPr id="4098" name="Picture 2"/>
           <p:cNvPicPr>
-            <a:picLocks noGrp="1" noChangeAspect="1" noChangeArrowheads="1"/>
+            <a:picLocks noChangeAspect="1" noChangeArrowheads="1"/>
           </p:cNvPicPr>
-          <p:nvPr>
-            <p:ph idx="1"/>
-          </p:nvPr>
+          <p:nvPr/>
         </p:nvPicPr>
         <p:blipFill>
-          <a:blip r:embed="rId2">
+          <a:blip r:embed="rId4">
             <a:extLst>
               <a:ext uri="{28A0092B-C50C-407E-A947-70E740481C1C}">
                 <a14:useLocalDpi xmlns:a14="http://schemas.microsoft.com/office/drawing/2010/main" val="0"/>
@@ -4638,62 +5795,8 @@
         </p:blipFill>
         <p:spPr bwMode="auto">
           <a:xfrm>
-            <a:off x="3024187" y="2473325"/>
-            <a:ext cx="3095625" cy="2962275"/>
-          </a:xfrm>
-          <a:prstGeom prst="rect">
-            <a:avLst/>
-          </a:prstGeom>
-          <a:noFill/>
-          <a:ln>
-            <a:noFill/>
-          </a:ln>
-          <a:extLst>
-            <a:ext uri="{909E8E84-426E-40DD-AFC4-6F175D3DCCD1}">
-              <a14:hiddenFill xmlns:a14="http://schemas.microsoft.com/office/drawing/2010/main">
-                <a:solidFill>
-                  <a:schemeClr val="accent1"/>
-                </a:solidFill>
-              </a14:hiddenFill>
-            </a:ext>
-            <a:ext uri="{91240B29-F687-4F45-9708-019B960494DF}">
-              <a14:hiddenLine xmlns:a14="http://schemas.microsoft.com/office/drawing/2010/main" w="9525">
-                <a:solidFill>
-                  <a:schemeClr val="tx1"/>
-                </a:solidFill>
-                <a:miter lim="800000"/>
-                <a:headEnd/>
-                <a:tailEnd/>
-              </a14:hiddenLine>
-            </a:ext>
-          </a:extLst>
-        </p:spPr>
-      </p:pic>
-      <p:pic>
-        <p:nvPicPr>
-          <p:cNvPr id="3074" name="Picture 2"/>
-          <p:cNvPicPr>
-            <a:picLocks noChangeAspect="1" noChangeArrowheads="1"/>
-          </p:cNvPicPr>
-          <p:nvPr/>
-        </p:nvPicPr>
-        <p:blipFill>
-          <a:blip r:embed="rId3">
-            <a:extLst>
-              <a:ext uri="{28A0092B-C50C-407E-A947-70E740481C1C}">
-                <a14:useLocalDpi xmlns:a14="http://schemas.microsoft.com/office/drawing/2010/main" val="0"/>
-              </a:ext>
-            </a:extLst>
-          </a:blip>
-          <a:srcRect/>
-          <a:stretch>
-            <a:fillRect/>
-          </a:stretch>
-        </p:blipFill>
-        <p:spPr bwMode="auto">
-          <a:xfrm>
-            <a:off x="2527458" y="1916832"/>
-            <a:ext cx="4103687" cy="3924300"/>
+            <a:off x="3022599" y="2276872"/>
+            <a:ext cx="3097213" cy="2962275"/>
           </a:xfrm>
           <a:prstGeom prst="rect">
             <a:avLst/>
@@ -4733,20 +5836,88 @@
           </a:extLst>
         </p:spPr>
       </p:pic>
+      <p:sp>
+        <p:nvSpPr>
+          <p:cNvPr id="5" name="Rectangle 4"/>
+          <p:cNvSpPr/>
+          <p:nvPr/>
+        </p:nvSpPr>
+        <p:spPr>
+          <a:xfrm rot="748247">
+            <a:off x="1751771" y="954681"/>
+            <a:ext cx="5892203" cy="1200329"/>
+          </a:xfrm>
+          <a:prstGeom prst="rect">
+            <a:avLst/>
+          </a:prstGeom>
+          <a:noFill/>
+        </p:spPr>
+        <p:txBody>
+          <a:bodyPr wrap="square" lIns="91440" tIns="45720" rIns="91440" bIns="45720">
+            <a:spAutoFit/>
+            <a:scene3d>
+              <a:camera prst="isometricOffAxis2Left"/>
+              <a:lightRig rig="balanced" dir="t">
+                <a:rot lat="0" lon="0" rev="2100000"/>
+              </a:lightRig>
+            </a:scene3d>
+            <a:sp3d extrusionH="57150" prstMaterial="metal">
+              <a:bevelT w="38100" h="25400"/>
+              <a:contourClr>
+                <a:schemeClr val="bg2"/>
+              </a:contourClr>
+            </a:sp3d>
+          </a:bodyPr>
+          <a:lstStyle/>
+          <a:p>
+            <a:pPr algn="ctr"/>
+            <a:r>
+              <a:rPr lang="en-US" sz="7200" b="1" dirty="0" smtClean="0">
+                <a:ln w="50800">
+                  <a:solidFill>
+                    <a:srgbClr val="C00000"/>
+                  </a:solidFill>
+                </a:ln>
+                <a:solidFill>
+                  <a:schemeClr val="bg1">
+                    <a:shade val="50000"/>
+                  </a:schemeClr>
+                </a:solidFill>
+                <a:effectLst>
+                  <a:glow rad="228600">
+                    <a:schemeClr val="accent3">
+                      <a:satMod val="175000"/>
+                      <a:alpha val="40000"/>
+                    </a:schemeClr>
+                  </a:glow>
+                </a:effectLst>
+              </a:rPr>
+              <a:t>TYLERED!</a:t>
+            </a:r>
+          </a:p>
+        </p:txBody>
+      </p:sp>
     </p:spTree>
     <p:extLst>
       <p:ext uri="{BB962C8B-B14F-4D97-AF65-F5344CB8AC3E}">
-        <p14:creationId xmlns:p14="http://schemas.microsoft.com/office/powerpoint/2010/main" val="1402978327"/>
+        <p14:creationId xmlns:p14="http://schemas.microsoft.com/office/powerpoint/2010/main" val="3250535075"/>
       </p:ext>
     </p:extLst>
   </p:cSld>
   <p:clrMapOvr>
     <a:masterClrMapping/>
   </p:clrMapOvr>
+  <p:timing>
+    <p:tnLst>
+      <p:par>
+        <p:cTn id="1" dur="indefinite" restart="never" nodeType="tmRoot"/>
+      </p:par>
+    </p:tnLst>
+  </p:timing>
 </p:sld>
 </file>
 
-<file path=ppt/slides/slide6.xml><?xml version="1.0" encoding="utf-8"?>
+<file path=ppt/slides/slide8.xml><?xml version="1.0" encoding="utf-8"?>
 <p:sld xmlns:a="http://schemas.openxmlformats.org/drawingml/2006/main" xmlns:r="http://schemas.openxmlformats.org/officeDocument/2006/relationships" xmlns:p="http://schemas.openxmlformats.org/presentationml/2006/main">
   <p:cSld>
     <p:spTree>
@@ -4780,7 +5951,7 @@
           <a:p>
             <a:r>
               <a:rPr lang="en-CA" dirty="0" smtClean="0"/>
-              <a:t>Binding “This”</a:t>
+              <a:t>Extra Prevent Default Info</a:t>
             </a:r>
             <a:endParaRPr lang="en-CA" dirty="0"/>
           </a:p>
@@ -4798,27 +5969,98 @@
         </p:nvSpPr>
         <p:spPr/>
         <p:txBody>
-          <a:bodyPr/>
-          <a:lstStyle/>
-          <a:p>
-            <a:endParaRPr lang="en-CA" dirty="0"/>
+          <a:bodyPr>
+            <a:normAutofit/>
+          </a:bodyPr>
+          <a:lstStyle/>
+          <a:p>
+            <a:r>
+              <a:rPr lang="en-CA" sz="2000" dirty="0" smtClean="0"/>
+              <a:t>The second most </a:t>
+            </a:r>
+            <a:r>
+              <a:rPr lang="en-CA" sz="2000" dirty="0" smtClean="0"/>
+              <a:t>commonly listed </a:t>
+            </a:r>
+            <a:r>
+              <a:rPr lang="en-CA" sz="2000" dirty="0" smtClean="0"/>
+              <a:t>use case for </a:t>
+            </a:r>
+            <a:r>
+              <a:rPr lang="en-CA" sz="2000" dirty="0" err="1" smtClean="0"/>
+              <a:t>preventDefault</a:t>
+            </a:r>
+            <a:r>
+              <a:rPr lang="en-CA" sz="2000" dirty="0" smtClean="0"/>
+              <a:t>() </a:t>
+            </a:r>
+            <a:r>
+              <a:rPr lang="en-CA" sz="2000" dirty="0" smtClean="0"/>
+              <a:t>is to prevent the default behaviour when clicking on a link (going to the link’s URL)</a:t>
+            </a:r>
+          </a:p>
+          <a:p>
+            <a:r>
+              <a:rPr lang="en-CA" sz="2000" dirty="0" smtClean="0"/>
+              <a:t>In some situations, browsers will wait to see if </a:t>
+            </a:r>
+            <a:r>
+              <a:rPr lang="en-CA" sz="2000" dirty="0" err="1" smtClean="0"/>
+              <a:t>preventDefault</a:t>
+            </a:r>
+            <a:r>
+              <a:rPr lang="en-CA" sz="2000" dirty="0" smtClean="0"/>
+              <a:t>() is going to be called before proceeding with an event. One specific instance where this can cause issues is with the </a:t>
+            </a:r>
+            <a:r>
+              <a:rPr lang="en-CA" sz="2000" dirty="0" err="1" smtClean="0"/>
+              <a:t>touchmove</a:t>
+            </a:r>
+            <a:r>
+              <a:rPr lang="en-CA" sz="2000" dirty="0" smtClean="0"/>
+              <a:t> event that has to do with scrolling via a touch screen (primarily for mobile apps). Browsers can pause momentarily to check for </a:t>
+            </a:r>
+            <a:r>
+              <a:rPr lang="en-CA" sz="2000" dirty="0" err="1" smtClean="0"/>
+              <a:t>preventDefault</a:t>
+            </a:r>
+            <a:r>
+              <a:rPr lang="en-CA" sz="2000" dirty="0" smtClean="0"/>
+              <a:t>() before continuing to scroll. This can cause the scrolling to delay and “jitter”. In order to prevent the browser from waiting to check for </a:t>
+            </a:r>
+            <a:r>
+              <a:rPr lang="en-CA" sz="2000" dirty="0" err="1" smtClean="0"/>
+              <a:t>preventDefault</a:t>
+            </a:r>
+            <a:r>
+              <a:rPr lang="en-CA" sz="2000" dirty="0" smtClean="0"/>
+              <a:t>, you can specify “passive: true” in your event listener. </a:t>
+            </a:r>
+            <a:endParaRPr lang="en-CA" sz="2000" dirty="0"/>
           </a:p>
         </p:txBody>
       </p:sp>
     </p:spTree>
     <p:extLst>
       <p:ext uri="{BB962C8B-B14F-4D97-AF65-F5344CB8AC3E}">
-        <p14:creationId xmlns:p14="http://schemas.microsoft.com/office/powerpoint/2010/main" val="3753090452"/>
+        <p14:creationId xmlns:p14="http://schemas.microsoft.com/office/powerpoint/2010/main" val="3103140282"/>
       </p:ext>
     </p:extLst>
   </p:cSld>
   <p:clrMapOvr>
     <a:masterClrMapping/>
   </p:clrMapOvr>
+  <p:timing>
+    <p:tnLst>
+      <p:par>
+        <p:cTn id="1" dur="indefinite" restart="never" nodeType="tmRoot"/>
+      </p:par>
+    </p:tnLst>
+  </p:timing>
 </p:sld>
 </file>
 
-<file path=ppt/slides/slide7.xml><?xml version="1.0" encoding="utf-8"?>
+<file path=ppt/slides/slide9.xml><?xml version="1.0" encoding="utf-8"?>
 <p:sld xmlns:a="http://schemas.openxmlformats.org/drawingml/2006/main" xmlns:r="http://schemas.openxmlformats.org/officeDocument/2006/relationships" xmlns:p="http://schemas.openxmlformats.org/presentationml/2006/main">
   <p:cSld>
     <p:spTree>
@@ -4847,14 +6089,12 @@
         </p:nvSpPr>
         <p:spPr/>
         <p:txBody>
-          <a:bodyPr>
-            <a:normAutofit fontScale="90000"/>
-          </a:bodyPr>
+          <a:bodyPr/>
           <a:lstStyle/>
           <a:p>
             <a:r>
               <a:rPr lang="en-CA" dirty="0" smtClean="0"/>
-              <a:t>Passing Arguments to Event Handlers</a:t>
+              <a:t>Binding “This”</a:t>
             </a:r>
             <a:endParaRPr lang="en-CA" dirty="0"/>
           </a:p>
@@ -4875,6 +6115,46 @@
           <a:bodyPr/>
           <a:lstStyle/>
           <a:p>
+            <a:r>
+              <a:rPr lang="en-CA" dirty="0" smtClean="0"/>
+              <a:t>In JavaScript, class methods are not bound by default. If ‘this’ is not bound, and you call a method (example: </a:t>
+            </a:r>
+            <a:r>
+              <a:rPr lang="en-CA" dirty="0" err="1" smtClean="0"/>
+              <a:t>this.handleClick</a:t>
+            </a:r>
+            <a:r>
+              <a:rPr lang="en-CA" dirty="0" smtClean="0"/>
+              <a:t>) and then pass it to an </a:t>
+            </a:r>
+            <a:r>
+              <a:rPr lang="en-CA" dirty="0" err="1" smtClean="0"/>
+              <a:t>onClick</a:t>
+            </a:r>
+            <a:r>
+              <a:rPr lang="en-CA" dirty="0" smtClean="0"/>
+              <a:t> event (example: &lt;button </a:t>
+            </a:r>
+            <a:r>
+              <a:rPr lang="en-CA" dirty="0" err="1" smtClean="0"/>
+              <a:t>onClick</a:t>
+            </a:r>
+            <a:r>
+              <a:rPr lang="en-CA" dirty="0" smtClean="0"/>
+              <a:t>={</a:t>
+            </a:r>
+            <a:r>
+              <a:rPr lang="en-CA" dirty="0" err="1" smtClean="0"/>
+              <a:t>this.handleClick</a:t>
+            </a:r>
+            <a:r>
+              <a:rPr lang="en-CA" dirty="0" smtClean="0"/>
+              <a:t>}), ‘this’ will </a:t>
+            </a:r>
+            <a:r>
+              <a:rPr lang="en-CA" smtClean="0"/>
+              <a:t>be undefined. </a:t>
+            </a:r>
             <a:endParaRPr lang="en-CA" dirty="0"/>
           </a:p>
         </p:txBody>
@@ -4882,13 +6162,20 @@
     </p:spTree>
     <p:extLst>
       <p:ext uri="{BB962C8B-B14F-4D97-AF65-F5344CB8AC3E}">
-        <p14:creationId xmlns:p14="http://schemas.microsoft.com/office/powerpoint/2010/main" val="194129807"/>
+        <p14:creationId xmlns:p14="http://schemas.microsoft.com/office/powerpoint/2010/main" val="3753090452"/>
       </p:ext>
     </p:extLst>
   </p:cSld>
   <p:clrMapOvr>
     <a:masterClrMapping/>
   </p:clrMapOvr>
+  <p:timing>
+    <p:tnLst>
+      <p:par>
+        <p:cTn id="1" dur="indefinite" restart="never" nodeType="tmRoot"/>
+      </p:par>
+    </p:tnLst>
+  </p:timing>
 </p:sld>
 </file>
 

--- a/Handling Events in React.pptx
+++ b/Handling Events in React.pptx
@@ -5,20 +5,21 @@
     <p:sldMasterId id="2147483684" r:id="rId1"/>
   </p:sldMasterIdLst>
   <p:notesMasterIdLst>
-    <p:notesMasterId r:id="rId13"/>
+    <p:notesMasterId r:id="rId14"/>
   </p:notesMasterIdLst>
   <p:sldIdLst>
     <p:sldId id="256" r:id="rId2"/>
-    <p:sldId id="257" r:id="rId3"/>
-    <p:sldId id="269" r:id="rId4"/>
-    <p:sldId id="268" r:id="rId5"/>
-    <p:sldId id="266" r:id="rId6"/>
-    <p:sldId id="258" r:id="rId7"/>
-    <p:sldId id="262" r:id="rId8"/>
-    <p:sldId id="265" r:id="rId9"/>
-    <p:sldId id="259" r:id="rId10"/>
-    <p:sldId id="260" r:id="rId11"/>
-    <p:sldId id="263" r:id="rId12"/>
+    <p:sldId id="268" r:id="rId3"/>
+    <p:sldId id="266" r:id="rId4"/>
+    <p:sldId id="258" r:id="rId5"/>
+    <p:sldId id="273" r:id="rId6"/>
+    <p:sldId id="265" r:id="rId7"/>
+    <p:sldId id="259" r:id="rId8"/>
+    <p:sldId id="270" r:id="rId9"/>
+    <p:sldId id="271" r:id="rId10"/>
+    <p:sldId id="272" r:id="rId11"/>
+    <p:sldId id="260" r:id="rId12"/>
+    <p:sldId id="263" r:id="rId13"/>
   </p:sldIdLst>
   <p:sldSz cx="9144000" cy="6858000" type="screen4x3"/>
   <p:notesSz cx="6858000" cy="9144000"/>
@@ -202,7 +203,7 @@
           <a:p>
             <a:fld id="{4F1ACDC5-A11F-47E5-B3C0-38E221B6E6BC}" type="datetimeFigureOut">
               <a:rPr lang="en-CA" smtClean="0"/>
-              <a:t>2019-12-12</a:t>
+              <a:t>2019-12-18</a:t>
             </a:fld>
             <a:endParaRPr lang="en-CA"/>
           </a:p>
@@ -514,14 +515,6 @@
           <a:bodyPr/>
           <a:lstStyle/>
           <a:p>
-            <a:r>
-              <a:rPr lang="en-US" dirty="0" smtClean="0"/>
-              <a:t>If something</a:t>
-            </a:r>
-            <a:r>
-              <a:rPr lang="en-US" baseline="0" dirty="0" smtClean="0"/>
-              <a:t> is “implicit”, it means that the JS engine does it, if it’s “explicit”, it means the user must do it. </a:t>
-            </a:r>
             <a:endParaRPr lang="en-CA" dirty="0"/>
           </a:p>
         </p:txBody>
@@ -543,7 +536,7 @@
           <a:p>
             <a:fld id="{C3A34F3E-182E-40E5-995A-487B87953276}" type="slidenum">
               <a:rPr lang="en-CA" smtClean="0"/>
-              <a:t>6</a:t>
+              <a:t>4</a:t>
             </a:fld>
             <a:endParaRPr lang="en-CA"/>
           </a:p>
@@ -606,14 +599,6 @@
           <a:bodyPr/>
           <a:lstStyle/>
           <a:p>
-            <a:r>
-              <a:rPr lang="en-US" dirty="0" smtClean="0"/>
-              <a:t>If something</a:t>
-            </a:r>
-            <a:r>
-              <a:rPr lang="en-US" baseline="0" dirty="0" smtClean="0"/>
-              <a:t> is “implicit”, it means that the JS engine does it, if it’s “explicit”, it means the user must do it. </a:t>
-            </a:r>
             <a:endParaRPr lang="en-CA" dirty="0"/>
           </a:p>
         </p:txBody>
@@ -635,7 +620,7 @@
           <a:p>
             <a:fld id="{C3A34F3E-182E-40E5-995A-487B87953276}" type="slidenum">
               <a:rPr lang="en-CA" smtClean="0"/>
-              <a:t>7</a:t>
+              <a:t>5</a:t>
             </a:fld>
             <a:endParaRPr lang="en-CA"/>
           </a:p>
@@ -765,7 +750,7 @@
           <a:p>
             <a:fld id="{7B4123E2-09D3-4733-8A3F-3F7772162D85}" type="datetimeFigureOut">
               <a:rPr lang="en-CA" smtClean="0"/>
-              <a:t>2019-12-12</a:t>
+              <a:t>2019-12-18</a:t>
             </a:fld>
             <a:endParaRPr lang="en-CA"/>
           </a:p>
@@ -991,7 +976,7 @@
           <a:p>
             <a:fld id="{7B4123E2-09D3-4733-8A3F-3F7772162D85}" type="datetimeFigureOut">
               <a:rPr lang="en-CA" smtClean="0"/>
-              <a:t>2019-12-12</a:t>
+              <a:t>2019-12-18</a:t>
             </a:fld>
             <a:endParaRPr lang="en-CA"/>
           </a:p>
@@ -1166,7 +1151,7 @@
           <a:p>
             <a:fld id="{7B4123E2-09D3-4733-8A3F-3F7772162D85}" type="datetimeFigureOut">
               <a:rPr lang="en-CA" smtClean="0"/>
-              <a:t>2019-12-12</a:t>
+              <a:t>2019-12-18</a:t>
             </a:fld>
             <a:endParaRPr lang="en-CA"/>
           </a:p>
@@ -1331,7 +1316,7 @@
           <a:p>
             <a:fld id="{7B4123E2-09D3-4733-8A3F-3F7772162D85}" type="datetimeFigureOut">
               <a:rPr lang="en-CA" smtClean="0"/>
-              <a:t>2019-12-12</a:t>
+              <a:t>2019-12-18</a:t>
             </a:fld>
             <a:endParaRPr lang="en-CA"/>
           </a:p>
@@ -1575,7 +1560,7 @@
           <a:p>
             <a:fld id="{7B4123E2-09D3-4733-8A3F-3F7772162D85}" type="datetimeFigureOut">
               <a:rPr lang="en-CA" smtClean="0"/>
-              <a:t>2019-12-12</a:t>
+              <a:t>2019-12-18</a:t>
             </a:fld>
             <a:endParaRPr lang="en-CA"/>
           </a:p>
@@ -1839,7 +1824,7 @@
           <a:p>
             <a:fld id="{7B4123E2-09D3-4733-8A3F-3F7772162D85}" type="datetimeFigureOut">
               <a:rPr lang="en-CA" smtClean="0"/>
-              <a:t>2019-12-12</a:t>
+              <a:t>2019-12-18</a:t>
             </a:fld>
             <a:endParaRPr lang="en-CA"/>
           </a:p>
@@ -2213,7 +2198,7 @@
           <a:p>
             <a:fld id="{7B4123E2-09D3-4733-8A3F-3F7772162D85}" type="datetimeFigureOut">
               <a:rPr lang="en-CA" smtClean="0"/>
-              <a:t>2019-12-12</a:t>
+              <a:t>2019-12-18</a:t>
             </a:fld>
             <a:endParaRPr lang="en-CA"/>
           </a:p>
@@ -2326,7 +2311,7 @@
           <a:p>
             <a:fld id="{7B4123E2-09D3-4733-8A3F-3F7772162D85}" type="datetimeFigureOut">
               <a:rPr lang="en-CA" smtClean="0"/>
-              <a:t>2019-12-12</a:t>
+              <a:t>2019-12-18</a:t>
             </a:fld>
             <a:endParaRPr lang="en-CA"/>
           </a:p>
@@ -2416,7 +2401,7 @@
           <a:p>
             <a:fld id="{7B4123E2-09D3-4733-8A3F-3F7772162D85}" type="datetimeFigureOut">
               <a:rPr lang="en-CA" smtClean="0"/>
-              <a:t>2019-12-12</a:t>
+              <a:t>2019-12-18</a:t>
             </a:fld>
             <a:endParaRPr lang="en-CA"/>
           </a:p>
@@ -2674,7 +2659,7 @@
           <a:p>
             <a:fld id="{7B4123E2-09D3-4733-8A3F-3F7772162D85}" type="datetimeFigureOut">
               <a:rPr lang="en-CA" smtClean="0"/>
-              <a:t>2019-12-12</a:t>
+              <a:t>2019-12-18</a:t>
             </a:fld>
             <a:endParaRPr lang="en-CA"/>
           </a:p>
@@ -2938,7 +2923,7 @@
           <a:p>
             <a:fld id="{7B4123E2-09D3-4733-8A3F-3F7772162D85}" type="datetimeFigureOut">
               <a:rPr lang="en-CA" smtClean="0"/>
-              <a:t>2019-12-12</a:t>
+              <a:t>2019-12-18</a:t>
             </a:fld>
             <a:endParaRPr lang="en-CA"/>
           </a:p>
@@ -3155,7 +3140,7 @@
           <a:p>
             <a:fld id="{7B4123E2-09D3-4733-8A3F-3F7772162D85}" type="datetimeFigureOut">
               <a:rPr lang="en-CA" smtClean="0"/>
-              <a:t>2019-12-12</a:t>
+              <a:t>2019-12-18</a:t>
             </a:fld>
             <a:endParaRPr lang="en-CA"/>
           </a:p>
@@ -3657,6 +3642,13 @@
   <p:clrMapOvr>
     <a:masterClrMapping/>
   </p:clrMapOvr>
+  <p:timing>
+    <p:tnLst>
+      <p:par>
+        <p:cTn id="1" dur="indefinite" restart="never" nodeType="tmRoot"/>
+      </p:par>
+    </p:tnLst>
+  </p:timing>
 </p:sld>
 </file>
 
@@ -3689,14 +3681,12 @@
         </p:nvSpPr>
         <p:spPr/>
         <p:txBody>
-          <a:bodyPr>
-            <a:normAutofit fontScale="90000"/>
-          </a:bodyPr>
+          <a:bodyPr/>
           <a:lstStyle/>
           <a:p>
             <a:r>
               <a:rPr lang="en-CA" dirty="0" smtClean="0"/>
-              <a:t>Passing Arguments to Event Handlers</a:t>
+              <a:t>Third Way to Bind “This”</a:t>
             </a:r>
             <a:endParaRPr lang="en-CA" dirty="0"/>
           </a:p>
@@ -3712,25 +3702,178 @@
             <p:ph idx="1"/>
           </p:nvPr>
         </p:nvSpPr>
-        <p:spPr/>
+        <p:spPr>
+          <a:xfrm>
+            <a:off x="457200" y="1268760"/>
+            <a:ext cx="8229600" cy="5328592"/>
+          </a:xfrm>
+        </p:spPr>
         <p:txBody>
           <a:bodyPr/>
           <a:lstStyle/>
           <a:p>
+            <a:r>
+              <a:rPr lang="en-CA" sz="2000" dirty="0" smtClean="0"/>
+              <a:t>The third way is to use an arrow function within the callback itself.</a:t>
+            </a:r>
+          </a:p>
+          <a:p>
+            <a:endParaRPr lang="en-CA" sz="2000" dirty="0"/>
+          </a:p>
+          <a:p>
+            <a:endParaRPr lang="en-CA" sz="2000" dirty="0" smtClean="0"/>
+          </a:p>
+          <a:p>
+            <a:endParaRPr lang="en-CA" sz="2000" dirty="0"/>
+          </a:p>
+          <a:p>
+            <a:endParaRPr lang="en-CA" sz="2000" dirty="0" smtClean="0"/>
+          </a:p>
+          <a:p>
+            <a:endParaRPr lang="en-CA" sz="2000" dirty="0"/>
+          </a:p>
+          <a:p>
+            <a:endParaRPr lang="en-CA" sz="2000" dirty="0" smtClean="0"/>
+          </a:p>
+          <a:p>
+            <a:endParaRPr lang="en-CA" sz="2000" dirty="0"/>
+          </a:p>
+          <a:p>
+            <a:endParaRPr lang="en-CA" sz="2000" dirty="0" smtClean="0"/>
+          </a:p>
+          <a:p>
+            <a:endParaRPr lang="en-CA" sz="2000" dirty="0"/>
+          </a:p>
+          <a:p>
+            <a:r>
+              <a:rPr lang="en-CA" sz="2000" dirty="0" smtClean="0"/>
+              <a:t>Downsides of this binding syntax:</a:t>
+            </a:r>
+          </a:p>
+          <a:p>
+            <a:pPr lvl="1"/>
+            <a:r>
+              <a:rPr lang="en-CA" sz="1600" dirty="0" smtClean="0"/>
+              <a:t>A different callback is created every time the class renders. If this callback is passed as a prop to lower components, those components might do an extra re-rendering. This creates a potential performance problem. </a:t>
+            </a:r>
+          </a:p>
+          <a:p>
             <a:endParaRPr lang="en-CA" dirty="0"/>
+          </a:p>
+        </p:txBody>
+      </p:sp>
+      <p:pic>
+        <p:nvPicPr>
+          <p:cNvPr id="4098" name="Picture 2"/>
+          <p:cNvPicPr>
+            <a:picLocks noChangeAspect="1" noChangeArrowheads="1"/>
+          </p:cNvPicPr>
+          <p:nvPr/>
+        </p:nvPicPr>
+        <p:blipFill>
+          <a:blip r:embed="rId2">
+            <a:extLst>
+              <a:ext uri="{28A0092B-C50C-407E-A947-70E740481C1C}">
+                <a14:useLocalDpi xmlns:a14="http://schemas.microsoft.com/office/drawing/2010/main" val="0"/>
+              </a:ext>
+            </a:extLst>
+          </a:blip>
+          <a:srcRect/>
+          <a:stretch>
+            <a:fillRect/>
+          </a:stretch>
+        </p:blipFill>
+        <p:spPr bwMode="auto">
+          <a:xfrm>
+            <a:off x="1785937" y="1844824"/>
+            <a:ext cx="5572125" cy="3105150"/>
+          </a:xfrm>
+          <a:prstGeom prst="rect">
+            <a:avLst/>
+          </a:prstGeom>
+          <a:noFill/>
+          <a:ln>
+            <a:noFill/>
+          </a:ln>
+          <a:extLst>
+            <a:ext uri="{909E8E84-426E-40DD-AFC4-6F175D3DCCD1}">
+              <a14:hiddenFill xmlns:a14="http://schemas.microsoft.com/office/drawing/2010/main">
+                <a:solidFill>
+                  <a:schemeClr val="accent1"/>
+                </a:solidFill>
+              </a14:hiddenFill>
+            </a:ext>
+            <a:ext uri="{91240B29-F687-4F45-9708-019B960494DF}">
+              <a14:hiddenLine xmlns:a14="http://schemas.microsoft.com/office/drawing/2010/main" w="9525">
+                <a:solidFill>
+                  <a:schemeClr val="tx1"/>
+                </a:solidFill>
+                <a:miter lim="800000"/>
+                <a:headEnd/>
+                <a:tailEnd/>
+              </a14:hiddenLine>
+            </a:ext>
+          </a:extLst>
+        </p:spPr>
+      </p:pic>
+      <p:sp>
+        <p:nvSpPr>
+          <p:cNvPr id="5" name="Oval 4"/>
+          <p:cNvSpPr/>
+          <p:nvPr/>
+        </p:nvSpPr>
+        <p:spPr>
+          <a:xfrm>
+            <a:off x="2051720" y="3501008"/>
+            <a:ext cx="4680520" cy="374483"/>
+          </a:xfrm>
+          <a:prstGeom prst="ellipse">
+            <a:avLst/>
+          </a:prstGeom>
+          <a:noFill/>
+        </p:spPr>
+        <p:style>
+          <a:lnRef idx="2">
+            <a:schemeClr val="accent1">
+              <a:shade val="50000"/>
+            </a:schemeClr>
+          </a:lnRef>
+          <a:fillRef idx="1">
+            <a:schemeClr val="accent1"/>
+          </a:fillRef>
+          <a:effectRef idx="0">
+            <a:schemeClr val="accent1"/>
+          </a:effectRef>
+          <a:fontRef idx="minor">
+            <a:schemeClr val="lt1"/>
+          </a:fontRef>
+        </p:style>
+        <p:txBody>
+          <a:bodyPr rtlCol="0" anchor="ctr"/>
+          <a:lstStyle/>
+          <a:p>
+            <a:pPr algn="ctr"/>
+            <a:endParaRPr lang="en-CA"/>
           </a:p>
         </p:txBody>
       </p:sp>
     </p:spTree>
     <p:extLst>
       <p:ext uri="{BB962C8B-B14F-4D97-AF65-F5344CB8AC3E}">
-        <p14:creationId xmlns:p14="http://schemas.microsoft.com/office/powerpoint/2010/main" val="194129807"/>
+        <p14:creationId xmlns:p14="http://schemas.microsoft.com/office/powerpoint/2010/main" val="3067854045"/>
       </p:ext>
     </p:extLst>
   </p:cSld>
   <p:clrMapOvr>
     <a:masterClrMapping/>
   </p:clrMapOvr>
+  <p:timing>
+    <p:tnLst>
+      <p:par>
+        <p:cTn id="1" dur="indefinite" restart="never" nodeType="tmRoot"/>
+      </p:par>
+    </p:tnLst>
+  </p:timing>
 </p:sld>
 </file>
 
@@ -3763,13 +3906,301 @@
         </p:nvSpPr>
         <p:spPr/>
         <p:txBody>
+          <a:bodyPr>
+            <a:normAutofit fontScale="90000"/>
+          </a:bodyPr>
+          <a:lstStyle/>
+          <a:p>
+            <a:r>
+              <a:rPr lang="en-CA" dirty="0" smtClean="0"/>
+              <a:t>Passing Arguments to Event Handlers</a:t>
+            </a:r>
+            <a:endParaRPr lang="en-CA" dirty="0"/>
+          </a:p>
+        </p:txBody>
+      </p:sp>
+      <p:sp>
+        <p:nvSpPr>
+          <p:cNvPr id="3" name="Content Placeholder 2"/>
+          <p:cNvSpPr>
+            <a:spLocks noGrp="1"/>
+          </p:cNvSpPr>
+          <p:nvPr>
+            <p:ph idx="1"/>
+          </p:nvPr>
+        </p:nvSpPr>
+        <p:spPr/>
+        <p:txBody>
           <a:bodyPr/>
           <a:lstStyle/>
           <a:p>
-            <a:endParaRPr lang="en-CA"/>
-          </a:p>
-        </p:txBody>
-      </p:sp>
+            <a:pPr marL="137160" indent="0">
+              <a:buNone/>
+            </a:pPr>
+            <a:r>
+              <a:rPr lang="en-CA" sz="2000" dirty="0" smtClean="0"/>
+              <a:t>If you need to pass an extra parameter to an event handler, you can use either of the following techniques:</a:t>
+            </a:r>
+          </a:p>
+          <a:p>
+            <a:pPr marL="651510" indent="-514350">
+              <a:buFont typeface="+mj-lt"/>
+              <a:buAutoNum type="arabicPeriod"/>
+            </a:pPr>
+            <a:r>
+              <a:rPr lang="en-CA" sz="2000" dirty="0" smtClean="0"/>
+              <a:t>Arrow Function:</a:t>
+            </a:r>
+          </a:p>
+          <a:p>
+            <a:pPr marL="651510" indent="-514350">
+              <a:buFont typeface="+mj-lt"/>
+              <a:buAutoNum type="arabicPeriod"/>
+            </a:pPr>
+            <a:endParaRPr lang="en-CA" sz="2000" dirty="0" smtClean="0"/>
+          </a:p>
+          <a:p>
+            <a:pPr marL="971550" lvl="1" indent="-514350"/>
+            <a:r>
+              <a:rPr lang="en-CA" sz="1600" dirty="0"/>
+              <a:t>In this example, the </a:t>
+            </a:r>
+            <a:r>
+              <a:rPr lang="en-CA" sz="1600" dirty="0">
+                <a:solidFill>
+                  <a:schemeClr val="accent3">
+                    <a:lumMod val="60000"/>
+                    <a:lumOff val="40000"/>
+                  </a:schemeClr>
+                </a:solidFill>
+              </a:rPr>
+              <a:t>e</a:t>
+            </a:r>
+            <a:r>
+              <a:rPr lang="en-CA" sz="1600" dirty="0"/>
+              <a:t> argument representing the React event will be passed as a second argument to the event handler after the </a:t>
+            </a:r>
+            <a:r>
+              <a:rPr lang="en-CA" sz="1600" dirty="0" smtClean="0"/>
+              <a:t>id.</a:t>
+            </a:r>
+          </a:p>
+          <a:p>
+            <a:pPr marL="971550" lvl="1" indent="-514350"/>
+            <a:r>
+              <a:rPr lang="en-CA" sz="1600" dirty="0" smtClean="0"/>
+              <a:t>With </a:t>
+            </a:r>
+            <a:r>
+              <a:rPr lang="en-CA" sz="1600" dirty="0"/>
+              <a:t>the arrow function syntax, you need to pass the event explicitly. </a:t>
+            </a:r>
+            <a:endParaRPr lang="en-CA" sz="2000" dirty="0"/>
+          </a:p>
+          <a:p>
+            <a:pPr marL="651510" indent="-514350">
+              <a:buFont typeface="+mj-lt"/>
+              <a:buAutoNum type="arabicPeriod"/>
+            </a:pPr>
+            <a:r>
+              <a:rPr lang="en-CA" sz="2000" dirty="0" smtClean="0"/>
+              <a:t>Bind Method:</a:t>
+            </a:r>
+            <a:endParaRPr lang="en-CA" sz="1600" dirty="0"/>
+          </a:p>
+          <a:p>
+            <a:pPr marL="137160" indent="0">
+              <a:buNone/>
+            </a:pPr>
+            <a:endParaRPr lang="en-CA" sz="1600" dirty="0" smtClean="0"/>
+          </a:p>
+          <a:p>
+            <a:pPr marL="971550" lvl="1" indent="-514350"/>
+            <a:endParaRPr lang="en-CA" sz="1600" dirty="0" smtClean="0"/>
+          </a:p>
+          <a:p>
+            <a:pPr marL="971550" lvl="1" indent="-514350"/>
+            <a:r>
+              <a:rPr lang="en-CA" sz="1600" dirty="0" smtClean="0"/>
+              <a:t>Since we use </a:t>
+            </a:r>
+            <a:r>
+              <a:rPr lang="en-CA" sz="1600" dirty="0" smtClean="0">
+                <a:solidFill>
+                  <a:schemeClr val="accent1">
+                    <a:lumMod val="60000"/>
+                    <a:lumOff val="40000"/>
+                  </a:schemeClr>
+                </a:solidFill>
+              </a:rPr>
+              <a:t>bind </a:t>
+            </a:r>
+            <a:r>
+              <a:rPr lang="en-CA" sz="1600" dirty="0" smtClean="0"/>
+              <a:t>in this example, we no longer have to pass the event explicitly. The event and any further arguments are automatically forwarded to the event handler. </a:t>
+            </a:r>
+            <a:endParaRPr lang="en-CA" sz="1600" dirty="0">
+              <a:solidFill>
+                <a:schemeClr val="accent1">
+                  <a:lumMod val="60000"/>
+                  <a:lumOff val="40000"/>
+                </a:schemeClr>
+              </a:solidFill>
+            </a:endParaRPr>
+          </a:p>
+          <a:p>
+            <a:pPr marL="585216" lvl="1" indent="0">
+              <a:buNone/>
+            </a:pPr>
+            <a:endParaRPr lang="en-CA" sz="1200" dirty="0"/>
+          </a:p>
+        </p:txBody>
+      </p:sp>
+      <p:pic>
+        <p:nvPicPr>
+          <p:cNvPr id="1026" name="Picture 2"/>
+          <p:cNvPicPr>
+            <a:picLocks noChangeAspect="1" noChangeArrowheads="1"/>
+          </p:cNvPicPr>
+          <p:nvPr/>
+        </p:nvPicPr>
+        <p:blipFill>
+          <a:blip r:embed="rId2">
+            <a:extLst>
+              <a:ext uri="{28A0092B-C50C-407E-A947-70E740481C1C}">
+                <a14:useLocalDpi xmlns:a14="http://schemas.microsoft.com/office/drawing/2010/main" val="0"/>
+              </a:ext>
+            </a:extLst>
+          </a:blip>
+          <a:srcRect/>
+          <a:stretch>
+            <a:fillRect/>
+          </a:stretch>
+        </p:blipFill>
+        <p:spPr bwMode="auto">
+          <a:xfrm>
+            <a:off x="1115616" y="2636912"/>
+            <a:ext cx="7224028" cy="360040"/>
+          </a:xfrm>
+          <a:prstGeom prst="rect">
+            <a:avLst/>
+          </a:prstGeom>
+          <a:noFill/>
+          <a:ln>
+            <a:noFill/>
+          </a:ln>
+          <a:extLst>
+            <a:ext uri="{909E8E84-426E-40DD-AFC4-6F175D3DCCD1}">
+              <a14:hiddenFill xmlns:a14="http://schemas.microsoft.com/office/drawing/2010/main">
+                <a:solidFill>
+                  <a:schemeClr val="accent1"/>
+                </a:solidFill>
+              </a14:hiddenFill>
+            </a:ext>
+            <a:ext uri="{91240B29-F687-4F45-9708-019B960494DF}">
+              <a14:hiddenLine xmlns:a14="http://schemas.microsoft.com/office/drawing/2010/main" w="9525">
+                <a:solidFill>
+                  <a:schemeClr val="tx1"/>
+                </a:solidFill>
+                <a:miter lim="800000"/>
+                <a:headEnd/>
+                <a:tailEnd/>
+              </a14:hiddenLine>
+            </a:ext>
+          </a:extLst>
+        </p:spPr>
+      </p:pic>
+      <p:pic>
+        <p:nvPicPr>
+          <p:cNvPr id="1027" name="Picture 3"/>
+          <p:cNvPicPr>
+            <a:picLocks noChangeAspect="1" noChangeArrowheads="1"/>
+          </p:cNvPicPr>
+          <p:nvPr/>
+        </p:nvPicPr>
+        <p:blipFill>
+          <a:blip r:embed="rId3">
+            <a:extLst>
+              <a:ext uri="{28A0092B-C50C-407E-A947-70E740481C1C}">
+                <a14:useLocalDpi xmlns:a14="http://schemas.microsoft.com/office/drawing/2010/main" val="0"/>
+              </a:ext>
+            </a:extLst>
+          </a:blip>
+          <a:srcRect/>
+          <a:stretch>
+            <a:fillRect/>
+          </a:stretch>
+        </p:blipFill>
+        <p:spPr bwMode="auto">
+          <a:xfrm>
+            <a:off x="1103078" y="4221088"/>
+            <a:ext cx="6840855" cy="358330"/>
+          </a:xfrm>
+          <a:prstGeom prst="rect">
+            <a:avLst/>
+          </a:prstGeom>
+          <a:noFill/>
+          <a:ln>
+            <a:noFill/>
+          </a:ln>
+          <a:extLst>
+            <a:ext uri="{909E8E84-426E-40DD-AFC4-6F175D3DCCD1}">
+              <a14:hiddenFill xmlns:a14="http://schemas.microsoft.com/office/drawing/2010/main">
+                <a:solidFill>
+                  <a:schemeClr val="accent1"/>
+                </a:solidFill>
+              </a14:hiddenFill>
+            </a:ext>
+            <a:ext uri="{91240B29-F687-4F45-9708-019B960494DF}">
+              <a14:hiddenLine xmlns:a14="http://schemas.microsoft.com/office/drawing/2010/main" w="9525">
+                <a:solidFill>
+                  <a:schemeClr val="tx1"/>
+                </a:solidFill>
+                <a:miter lim="800000"/>
+                <a:headEnd/>
+                <a:tailEnd/>
+              </a14:hiddenLine>
+            </a:ext>
+          </a:extLst>
+        </p:spPr>
+      </p:pic>
+    </p:spTree>
+    <p:extLst>
+      <p:ext uri="{BB962C8B-B14F-4D97-AF65-F5344CB8AC3E}">
+        <p14:creationId xmlns:p14="http://schemas.microsoft.com/office/powerpoint/2010/main" val="194129807"/>
+      </p:ext>
+    </p:extLst>
+  </p:cSld>
+  <p:clrMapOvr>
+    <a:masterClrMapping/>
+  </p:clrMapOvr>
+  <p:timing>
+    <p:tnLst>
+      <p:par>
+        <p:cTn id="1" dur="indefinite" restart="never" nodeType="tmRoot"/>
+      </p:par>
+    </p:tnLst>
+  </p:timing>
+</p:sld>
+</file>
+
+<file path=ppt/slides/slide12.xml><?xml version="1.0" encoding="utf-8"?>
+<p:sld xmlns:a="http://schemas.openxmlformats.org/drawingml/2006/main" xmlns:r="http://schemas.openxmlformats.org/officeDocument/2006/relationships" xmlns:p="http://schemas.openxmlformats.org/presentationml/2006/main">
+  <p:cSld>
+    <p:spTree>
+      <p:nvGrpSpPr>
+        <p:cNvPr id="1" name=""/>
+        <p:cNvGrpSpPr/>
+        <p:nvPr/>
+      </p:nvGrpSpPr>
+      <p:grpSpPr>
+        <a:xfrm>
+          <a:off x="0" y="0"/>
+          <a:ext cx="0" cy="0"/>
+          <a:chOff x="0" y="0"/>
+          <a:chExt cx="0" cy="0"/>
+        </a:xfrm>
+      </p:grpSpPr>
       <p:sp>
         <p:nvSpPr>
           <p:cNvPr id="3" name="Content Placeholder 2"/>
@@ -3780,12 +4211,26 @@
             <p:ph idx="1"/>
           </p:nvPr>
         </p:nvSpPr>
-        <p:spPr/>
-        <p:txBody>
-          <a:bodyPr/>
-          <a:lstStyle/>
-          <a:p>
-            <a:endParaRPr lang="en-CA"/>
+        <p:spPr>
+          <a:xfrm>
+            <a:off x="457200" y="404664"/>
+            <a:ext cx="8229600" cy="5904696"/>
+          </a:xfrm>
+        </p:spPr>
+        <p:txBody>
+          <a:bodyPr anchor="ctr">
+            <a:normAutofit/>
+          </a:bodyPr>
+          <a:lstStyle/>
+          <a:p>
+            <a:pPr marL="137160" indent="0" algn="ctr">
+              <a:buNone/>
+            </a:pPr>
+            <a:r>
+              <a:rPr lang="en-CA" sz="5400" dirty="0" smtClean="0"/>
+              <a:t>END</a:t>
+            </a:r>
+            <a:endParaRPr lang="en-CA" sz="5400" dirty="0"/>
           </a:p>
         </p:txBody>
       </p:sp>
@@ -3838,7 +4283,7 @@
           <a:p>
             <a:r>
               <a:rPr lang="en-CA" dirty="0" smtClean="0"/>
-              <a:t>Syntactic Differences Compared with Handling DOM Elements</a:t>
+              <a:t>Syntactic Differences of Handling Events with React Elements vs DOM Elements</a:t>
             </a:r>
             <a:endParaRPr lang="en-CA" dirty="0"/>
           </a:p>
@@ -3943,6 +4388,34 @@
           </a:bodyPr>
           <a:lstStyle/>
           <a:p>
+            <a:r>
+              <a:rPr lang="en-US" dirty="0" smtClean="0">
+                <a:effectLst>
+                  <a:outerShdw blurRad="38100" dist="38100" dir="2700000" algn="tl">
+                    <a:srgbClr val="000000">
+                      <a:alpha val="43137"/>
+                    </a:srgbClr>
+                  </a:outerShdw>
+                </a:effectLst>
+              </a:rPr>
+              <a:t>Events are lowercase</a:t>
+            </a:r>
+          </a:p>
+          <a:p>
+            <a:r>
+              <a:rPr lang="en-US" dirty="0" smtClean="0">
+                <a:effectLst>
+                  <a:outerShdw blurRad="38100" dist="38100" dir="2700000" algn="tl">
+                    <a:srgbClr val="000000">
+                      <a:alpha val="43137"/>
+                    </a:srgbClr>
+                  </a:outerShdw>
+                </a:effectLst>
+              </a:rPr>
+              <a:t>Event handlers are passed as strings.</a:t>
+            </a:r>
+          </a:p>
+          <a:p>
             <a:endParaRPr lang="en-US" dirty="0">
               <a:effectLst>
                 <a:outerShdw blurRad="38100" dist="38100" dir="2700000" algn="tl">
@@ -3972,6 +4445,55 @@
           </a:bodyPr>
           <a:lstStyle/>
           <a:p>
+            <a:r>
+              <a:rPr lang="en-US" dirty="0" smtClean="0">
+                <a:effectLst>
+                  <a:outerShdw blurRad="38100" dist="38100" dir="2700000" algn="tl">
+                    <a:srgbClr val="000000">
+                      <a:alpha val="43137"/>
+                    </a:srgbClr>
+                  </a:outerShdw>
+                </a:effectLst>
+              </a:rPr>
+              <a:t>Events are </a:t>
+            </a:r>
+            <a:r>
+              <a:rPr lang="en-US" dirty="0" err="1" smtClean="0">
+                <a:effectLst>
+                  <a:outerShdw blurRad="38100" dist="38100" dir="2700000" algn="tl">
+                    <a:srgbClr val="000000">
+                      <a:alpha val="43137"/>
+                    </a:srgbClr>
+                  </a:outerShdw>
+                </a:effectLst>
+              </a:rPr>
+              <a:t>camelCase</a:t>
+            </a:r>
+            <a:endParaRPr lang="en-US" dirty="0" smtClean="0">
+              <a:effectLst>
+                <a:outerShdw blurRad="38100" dist="38100" dir="2700000" algn="tl">
+                  <a:srgbClr val="000000">
+                    <a:alpha val="43137"/>
+                  </a:srgbClr>
+                </a:outerShdw>
+              </a:effectLst>
+            </a:endParaRPr>
+          </a:p>
+          <a:p>
+            <a:r>
+              <a:rPr lang="en-US" dirty="0" smtClean="0">
+                <a:effectLst>
+                  <a:outerShdw blurRad="38100" dist="38100" dir="2700000" algn="tl">
+                    <a:srgbClr val="000000">
+                      <a:alpha val="43137"/>
+                    </a:srgbClr>
+                  </a:outerShdw>
+                </a:effectLst>
+              </a:rPr>
+              <a:t>Event handlers are passed as functions.</a:t>
+            </a:r>
+          </a:p>
+          <a:p>
             <a:endParaRPr lang="en-US" dirty="0">
               <a:effectLst>
                 <a:outerShdw blurRad="38100" dist="38100" dir="2700000" algn="tl">
@@ -3987,13 +4509,20 @@
     </p:spTree>
     <p:extLst>
       <p:ext uri="{BB962C8B-B14F-4D97-AF65-F5344CB8AC3E}">
-        <p14:creationId xmlns:p14="http://schemas.microsoft.com/office/powerpoint/2010/main" val="1143354728"/>
+        <p14:creationId xmlns:p14="http://schemas.microsoft.com/office/powerpoint/2010/main" val="354590223"/>
       </p:ext>
     </p:extLst>
   </p:cSld>
   <p:clrMapOvr>
     <a:masterClrMapping/>
   </p:clrMapOvr>
+  <p:timing>
+    <p:tnLst>
+      <p:par>
+        <p:cTn id="1" dur="indefinite" restart="never" nodeType="tmRoot"/>
+      </p:par>
+    </p:tnLst>
+  </p:timing>
 </p:sld>
 </file>
 
@@ -4032,10 +4561,9 @@
           <a:lstStyle/>
           <a:p>
             <a:r>
-              <a:rPr lang="en-CA" dirty="0" smtClean="0"/>
-              <a:t>Syntactic Differences Compared with Handling DOM Elements</a:t>
-            </a:r>
-            <a:endParaRPr lang="en-CA" dirty="0"/>
+              <a:rPr lang="en-CA" dirty="0"/>
+              <a:t>Syntactic Differences of Handling Events with React Elements vs DOM Elements</a:t>
+            </a:r>
           </a:p>
         </p:txBody>
       </p:sp>
@@ -4176,6 +4704,23 @@
               </a:effectLst>
             </a:endParaRPr>
           </a:p>
+          <a:p>
+            <a:pPr marL="0" indent="0">
+              <a:buNone/>
+            </a:pPr>
+            <a:r>
+              <a:rPr lang="en-US" dirty="0" smtClean="0">
+                <a:effectLst>
+                  <a:outerShdw blurRad="38100" dist="38100" dir="2700000" algn="tl">
+                    <a:srgbClr val="000000">
+                      <a:alpha val="43137"/>
+                    </a:srgbClr>
+                  </a:outerShdw>
+                </a:effectLst>
+              </a:rPr>
+              <a:t>Example:</a:t>
+            </a:r>
+          </a:p>
         </p:txBody>
       </p:sp>
       <p:sp>
@@ -4194,6 +4739,55 @@
             <a:normAutofit/>
           </a:bodyPr>
           <a:lstStyle/>
+          <a:p>
+            <a:r>
+              <a:rPr lang="en-US" dirty="0" smtClean="0">
+                <a:effectLst>
+                  <a:outerShdw blurRad="38100" dist="38100" dir="2700000" algn="tl">
+                    <a:srgbClr val="000000">
+                      <a:alpha val="43137"/>
+                    </a:srgbClr>
+                  </a:outerShdw>
+                </a:effectLst>
+              </a:rPr>
+              <a:t>Events are </a:t>
+            </a:r>
+            <a:r>
+              <a:rPr lang="en-US" dirty="0" err="1" smtClean="0">
+                <a:effectLst>
+                  <a:outerShdw blurRad="38100" dist="38100" dir="2700000" algn="tl">
+                    <a:srgbClr val="000000">
+                      <a:alpha val="43137"/>
+                    </a:srgbClr>
+                  </a:outerShdw>
+                </a:effectLst>
+              </a:rPr>
+              <a:t>camelCase</a:t>
+            </a:r>
+            <a:endParaRPr lang="en-US" dirty="0" smtClean="0">
+              <a:effectLst>
+                <a:outerShdw blurRad="38100" dist="38100" dir="2700000" algn="tl">
+                  <a:srgbClr val="000000">
+                    <a:alpha val="43137"/>
+                  </a:srgbClr>
+                </a:outerShdw>
+              </a:effectLst>
+            </a:endParaRPr>
+          </a:p>
+          <a:p>
+            <a:r>
+              <a:rPr lang="en-US" dirty="0" smtClean="0">
+                <a:effectLst>
+                  <a:outerShdw blurRad="38100" dist="38100" dir="2700000" algn="tl">
+                    <a:srgbClr val="000000">
+                      <a:alpha val="43137"/>
+                    </a:srgbClr>
+                  </a:outerShdw>
+                </a:effectLst>
+              </a:rPr>
+              <a:t>Event handlers are passed as functions.</a:t>
+            </a:r>
+          </a:p>
           <a:p>
             <a:endParaRPr lang="en-US" dirty="0">
               <a:effectLst>
@@ -4205,18 +4799,150 @@
               </a:effectLst>
             </a:endParaRPr>
           </a:p>
-        </p:txBody>
-      </p:sp>
+          <a:p>
+            <a:pPr marL="0" indent="0">
+              <a:buNone/>
+            </a:pPr>
+            <a:r>
+              <a:rPr lang="en-US" dirty="0" smtClean="0">
+                <a:effectLst>
+                  <a:outerShdw blurRad="38100" dist="38100" dir="2700000" algn="tl">
+                    <a:srgbClr val="000000">
+                      <a:alpha val="43137"/>
+                    </a:srgbClr>
+                  </a:outerShdw>
+                </a:effectLst>
+              </a:rPr>
+              <a:t>Example:</a:t>
+            </a:r>
+          </a:p>
+        </p:txBody>
+      </p:sp>
+      <p:pic>
+        <p:nvPicPr>
+          <p:cNvPr id="1026" name="Picture 2"/>
+          <p:cNvPicPr>
+            <a:picLocks noChangeAspect="1" noChangeArrowheads="1"/>
+          </p:cNvPicPr>
+          <p:nvPr/>
+        </p:nvPicPr>
+        <p:blipFill>
+          <a:blip r:embed="rId2">
+            <a:extLst>
+              <a:ext uri="{28A0092B-C50C-407E-A947-70E740481C1C}">
+                <a14:useLocalDpi xmlns:a14="http://schemas.microsoft.com/office/drawing/2010/main" val="0"/>
+              </a:ext>
+            </a:extLst>
+          </a:blip>
+          <a:srcRect/>
+          <a:stretch>
+            <a:fillRect/>
+          </a:stretch>
+        </p:blipFill>
+        <p:spPr bwMode="auto">
+          <a:xfrm>
+            <a:off x="669203" y="4797152"/>
+            <a:ext cx="3343430" cy="576064"/>
+          </a:xfrm>
+          <a:prstGeom prst="rect">
+            <a:avLst/>
+          </a:prstGeom>
+          <a:noFill/>
+          <a:ln>
+            <a:noFill/>
+          </a:ln>
+          <a:extLst>
+            <a:ext uri="{909E8E84-426E-40DD-AFC4-6F175D3DCCD1}">
+              <a14:hiddenFill xmlns:a14="http://schemas.microsoft.com/office/drawing/2010/main">
+                <a:solidFill>
+                  <a:schemeClr val="accent1"/>
+                </a:solidFill>
+              </a14:hiddenFill>
+            </a:ext>
+            <a:ext uri="{91240B29-F687-4F45-9708-019B960494DF}">
+              <a14:hiddenLine xmlns:a14="http://schemas.microsoft.com/office/drawing/2010/main" w="9525">
+                <a:solidFill>
+                  <a:schemeClr val="tx1"/>
+                </a:solidFill>
+                <a:miter lim="800000"/>
+                <a:headEnd/>
+                <a:tailEnd/>
+              </a14:hiddenLine>
+            </a:ext>
+          </a:extLst>
+        </p:spPr>
+      </p:pic>
+      <p:pic>
+        <p:nvPicPr>
+          <p:cNvPr id="1027" name="Picture 3"/>
+          <p:cNvPicPr>
+            <a:picLocks noChangeAspect="1" noChangeArrowheads="1"/>
+          </p:cNvPicPr>
+          <p:nvPr/>
+        </p:nvPicPr>
+        <p:blipFill>
+          <a:blip r:embed="rId3">
+            <a:extLst>
+              <a:ext uri="{28A0092B-C50C-407E-A947-70E740481C1C}">
+                <a14:useLocalDpi xmlns:a14="http://schemas.microsoft.com/office/drawing/2010/main" val="0"/>
+              </a:ext>
+            </a:extLst>
+          </a:blip>
+          <a:srcRect/>
+          <a:stretch>
+            <a:fillRect/>
+          </a:stretch>
+        </p:blipFill>
+        <p:spPr bwMode="auto">
+          <a:xfrm>
+            <a:off x="5004048" y="4773492"/>
+            <a:ext cx="3168353" cy="599724"/>
+          </a:xfrm>
+          <a:prstGeom prst="rect">
+            <a:avLst/>
+          </a:prstGeom>
+          <a:noFill/>
+          <a:ln>
+            <a:noFill/>
+          </a:ln>
+          <a:extLst>
+            <a:ext uri="{909E8E84-426E-40DD-AFC4-6F175D3DCCD1}">
+              <a14:hiddenFill xmlns:a14="http://schemas.microsoft.com/office/drawing/2010/main">
+                <a:solidFill>
+                  <a:schemeClr val="accent1"/>
+                </a:solidFill>
+              </a14:hiddenFill>
+            </a:ext>
+            <a:ext uri="{91240B29-F687-4F45-9708-019B960494DF}">
+              <a14:hiddenLine xmlns:a14="http://schemas.microsoft.com/office/drawing/2010/main" w="9525">
+                <a:solidFill>
+                  <a:schemeClr val="tx1"/>
+                </a:solidFill>
+                <a:miter lim="800000"/>
+                <a:headEnd/>
+                <a:tailEnd/>
+              </a14:hiddenLine>
+            </a:ext>
+          </a:extLst>
+        </p:spPr>
+      </p:pic>
     </p:spTree>
     <p:extLst>
       <p:ext uri="{BB962C8B-B14F-4D97-AF65-F5344CB8AC3E}">
-        <p14:creationId xmlns:p14="http://schemas.microsoft.com/office/powerpoint/2010/main" val="50877983"/>
+        <p14:creationId xmlns:p14="http://schemas.microsoft.com/office/powerpoint/2010/main" val="4169195338"/>
       </p:ext>
     </p:extLst>
   </p:cSld>
   <p:clrMapOvr>
     <a:masterClrMapping/>
   </p:clrMapOvr>
+  <p:timing>
+    <p:tnLst>
+      <p:par>
+        <p:cTn id="1" dur="indefinite" restart="never" nodeType="tmRoot"/>
+      </p:par>
+    </p:tnLst>
+  </p:timing>
 </p:sld>
 </file>
 
@@ -4249,14 +4975,12 @@
         </p:nvSpPr>
         <p:spPr/>
         <p:txBody>
-          <a:bodyPr>
-            <a:normAutofit fontScale="90000"/>
-          </a:bodyPr>
+          <a:bodyPr/>
           <a:lstStyle/>
           <a:p>
             <a:r>
               <a:rPr lang="en-CA" dirty="0" smtClean="0"/>
-              <a:t>Syntactic Differences Compared with Handling DOM Elements</a:t>
+              <a:t>Prevent Default</a:t>
             </a:r>
             <a:endParaRPr lang="en-CA" dirty="0"/>
           </a:p>
@@ -4264,15 +4988,20 @@
       </p:sp>
       <p:sp>
         <p:nvSpPr>
-          <p:cNvPr id="4" name="Text Placeholder 3"/>
-          <p:cNvSpPr>
-            <a:spLocks noGrp="1"/>
-          </p:cNvSpPr>
-          <p:nvPr>
-            <p:ph type="body" idx="1"/>
-          </p:nvPr>
-        </p:nvSpPr>
-        <p:spPr/>
+          <p:cNvPr id="3" name="Content Placeholder 2"/>
+          <p:cNvSpPr>
+            <a:spLocks noGrp="1"/>
+          </p:cNvSpPr>
+          <p:nvPr>
+            <p:ph idx="1"/>
+          </p:nvPr>
+        </p:nvSpPr>
+        <p:spPr>
+          <a:xfrm>
+            <a:off x="477170" y="1700808"/>
+            <a:ext cx="8229600" cy="4906942"/>
+          </a:xfrm>
+        </p:spPr>
         <p:txBody>
           <a:bodyPr>
             <a:normAutofit/>
@@ -4280,7 +5009,7 @@
           <a:lstStyle/>
           <a:p>
             <a:r>
-              <a:rPr lang="en-US" dirty="0" smtClean="0">
+              <a:rPr lang="en-US" sz="2400" dirty="0">
                 <a:effectLst>
                   <a:outerShdw blurRad="38100" dist="38100" dir="2700000" algn="tl">
                     <a:srgbClr val="000000">
@@ -4289,9 +5018,33 @@
                   </a:outerShdw>
                 </a:effectLst>
               </a:rPr>
-              <a:t>DOM</a:t>
-            </a:r>
-            <a:endParaRPr lang="en-CA" dirty="0">
+              <a:t>All native HTML elements come with their internal native </a:t>
+            </a:r>
+            <a:r>
+              <a:rPr lang="en-US" sz="2400" dirty="0" err="1">
+                <a:effectLst>
+                  <a:outerShdw blurRad="38100" dist="38100" dir="2700000" algn="tl">
+                    <a:srgbClr val="000000">
+                      <a:alpha val="43137"/>
+                    </a:srgbClr>
+                  </a:outerShdw>
+                </a:effectLst>
+              </a:rPr>
+              <a:t>behaviour</a:t>
+            </a:r>
+            <a:r>
+              <a:rPr lang="en-US" sz="2400" dirty="0">
+                <a:effectLst>
+                  <a:outerShdw blurRad="38100" dist="38100" dir="2700000" algn="tl">
+                    <a:srgbClr val="000000">
+                      <a:alpha val="43137"/>
+                    </a:srgbClr>
+                  </a:outerShdw>
+                </a:effectLst>
+              </a:rPr>
+              <a:t>. </a:t>
+            </a:r>
+            <a:endParaRPr lang="en-US" sz="2400" dirty="0" smtClean="0">
               <a:effectLst>
                 <a:outerShdw blurRad="38100" dist="38100" dir="2700000" algn="tl">
                   <a:srgbClr val="000000">
@@ -4301,27 +5054,9 @@
               </a:effectLst>
             </a:endParaRPr>
           </a:p>
-        </p:txBody>
-      </p:sp>
-      <p:sp>
-        <p:nvSpPr>
-          <p:cNvPr id="6" name="Text Placeholder 5"/>
-          <p:cNvSpPr>
-            <a:spLocks noGrp="1"/>
-          </p:cNvSpPr>
-          <p:nvPr>
-            <p:ph type="body" sz="half" idx="3"/>
-          </p:nvPr>
-        </p:nvSpPr>
-        <p:spPr/>
-        <p:txBody>
-          <a:bodyPr>
-            <a:normAutofit/>
-          </a:bodyPr>
-          <a:lstStyle/>
-          <a:p>
-            <a:r>
-              <a:rPr lang="en-US" dirty="0" smtClean="0">
+          <a:p>
+            <a:r>
+              <a:rPr lang="en-US" sz="2400" dirty="0" smtClean="0">
                 <a:effectLst>
                   <a:outerShdw blurRad="38100" dist="38100" dir="2700000" algn="tl">
                     <a:srgbClr val="000000">
@@ -4330,39 +5065,10 @@
                   </a:outerShdw>
                 </a:effectLst>
               </a:rPr>
-              <a:t>React</a:t>
-            </a:r>
-            <a:endParaRPr lang="en-CA" dirty="0">
-              <a:effectLst>
-                <a:outerShdw blurRad="38100" dist="38100" dir="2700000" algn="tl">
-                  <a:srgbClr val="000000">
-                    <a:alpha val="43137"/>
-                  </a:srgbClr>
-                </a:outerShdw>
-              </a:effectLst>
-            </a:endParaRPr>
-          </a:p>
-        </p:txBody>
-      </p:sp>
-      <p:sp>
-        <p:nvSpPr>
-          <p:cNvPr id="5" name="Content Placeholder 4"/>
-          <p:cNvSpPr>
-            <a:spLocks noGrp="1"/>
-          </p:cNvSpPr>
-          <p:nvPr>
-            <p:ph sz="quarter" idx="2"/>
-          </p:nvPr>
-        </p:nvSpPr>
-        <p:spPr/>
-        <p:txBody>
-          <a:bodyPr>
-            <a:normAutofit/>
-          </a:bodyPr>
-          <a:lstStyle/>
-          <a:p>
-            <a:r>
-              <a:rPr lang="en-US" dirty="0" smtClean="0">
+              <a:t>In React, you can’t return false to prevent a default </a:t>
+            </a:r>
+            <a:r>
+              <a:rPr lang="en-US" sz="2400" dirty="0" err="1" smtClean="0">
                 <a:effectLst>
                   <a:outerShdw blurRad="38100" dist="38100" dir="2700000" algn="tl">
                     <a:srgbClr val="000000">
@@ -4371,12 +5077,10 @@
                   </a:outerShdw>
                 </a:effectLst>
               </a:rPr>
-              <a:t>Events are lowercase</a:t>
-            </a:r>
-          </a:p>
-          <a:p>
-            <a:r>
-              <a:rPr lang="en-US" dirty="0" smtClean="0">
+              <a:t>behaviour</a:t>
+            </a:r>
+            <a:r>
+              <a:rPr lang="en-US" sz="2400" dirty="0" smtClean="0">
                 <a:effectLst>
                   <a:outerShdw blurRad="38100" dist="38100" dir="2700000" algn="tl">
                     <a:srgbClr val="000000">
@@ -4385,41 +5089,10 @@
                   </a:outerShdw>
                 </a:effectLst>
               </a:rPr>
-              <a:t>Event handlers are passed as strings.</a:t>
-            </a:r>
-          </a:p>
-          <a:p>
-            <a:endParaRPr lang="en-US" dirty="0">
-              <a:effectLst>
-                <a:outerShdw blurRad="38100" dist="38100" dir="2700000" algn="tl">
-                  <a:srgbClr val="000000">
-                    <a:alpha val="43137"/>
-                  </a:srgbClr>
-                </a:outerShdw>
-              </a:effectLst>
-            </a:endParaRPr>
-          </a:p>
-        </p:txBody>
-      </p:sp>
-      <p:sp>
-        <p:nvSpPr>
-          <p:cNvPr id="7" name="Content Placeholder 6"/>
-          <p:cNvSpPr>
-            <a:spLocks noGrp="1"/>
-          </p:cNvSpPr>
-          <p:nvPr>
-            <p:ph sz="quarter" idx="4"/>
-          </p:nvPr>
-        </p:nvSpPr>
-        <p:spPr/>
-        <p:txBody>
-          <a:bodyPr>
-            <a:normAutofit/>
-          </a:bodyPr>
-          <a:lstStyle/>
-          <a:p>
-            <a:r>
-              <a:rPr lang="en-US" dirty="0" smtClean="0">
+              <a:t>. If there is a default </a:t>
+            </a:r>
+            <a:r>
+              <a:rPr lang="en-US" sz="2400" dirty="0" err="1" smtClean="0">
                 <a:effectLst>
                   <a:outerShdw blurRad="38100" dist="38100" dir="2700000" algn="tl">
                     <a:srgbClr val="000000">
@@ -4428,10 +5101,10 @@
                   </a:outerShdw>
                 </a:effectLst>
               </a:rPr>
-              <a:t>Events are </a:t>
-            </a:r>
-            <a:r>
-              <a:rPr lang="en-US" dirty="0" err="1" smtClean="0">
+              <a:t>behaviour</a:t>
+            </a:r>
+            <a:r>
+              <a:rPr lang="en-US" sz="2400" dirty="0" smtClean="0">
                 <a:effectLst>
                   <a:outerShdw blurRad="38100" dist="38100" dir="2700000" algn="tl">
                     <a:srgbClr val="000000">
@@ -4440,21 +5113,10 @@
                   </a:outerShdw>
                 </a:effectLst>
               </a:rPr>
-              <a:t>camelCase</a:t>
-            </a:r>
-            <a:endParaRPr lang="en-US" dirty="0" smtClean="0">
-              <a:effectLst>
-                <a:outerShdw blurRad="38100" dist="38100" dir="2700000" algn="tl">
-                  <a:srgbClr val="000000">
-                    <a:alpha val="43137"/>
-                  </a:srgbClr>
-                </a:outerShdw>
-              </a:effectLst>
-            </a:endParaRPr>
-          </a:p>
-          <a:p>
-            <a:r>
-              <a:rPr lang="en-US" dirty="0" smtClean="0">
+              <a:t> that you are trying to prevent, you must call </a:t>
+            </a:r>
+            <a:r>
+              <a:rPr lang="en-US" sz="2400" dirty="0" err="1" smtClean="0">
                 <a:effectLst>
                   <a:outerShdw blurRad="38100" dist="38100" dir="2700000" algn="tl">
                     <a:srgbClr val="000000">
@@ -4463,32 +5125,40 @@
                   </a:outerShdw>
                 </a:effectLst>
               </a:rPr>
-              <a:t>Event handlers are passed as functions.</a:t>
-            </a:r>
-          </a:p>
-          <a:p>
-            <a:endParaRPr lang="en-US" dirty="0">
-              <a:effectLst>
-                <a:outerShdw blurRad="38100" dist="38100" dir="2700000" algn="tl">
-                  <a:srgbClr val="000000">
-                    <a:alpha val="43137"/>
-                  </a:srgbClr>
-                </a:outerShdw>
-              </a:effectLst>
-            </a:endParaRPr>
+              <a:t>preventDefault</a:t>
+            </a:r>
+            <a:r>
+              <a:rPr lang="en-US" sz="2400" dirty="0" smtClean="0">
+                <a:effectLst>
+                  <a:outerShdw blurRad="38100" dist="38100" dir="2700000" algn="tl">
+                    <a:srgbClr val="000000">
+                      <a:alpha val="43137"/>
+                    </a:srgbClr>
+                  </a:outerShdw>
+                </a:effectLst>
+              </a:rPr>
+              <a:t>() explicitly.</a:t>
+            </a:r>
           </a:p>
         </p:txBody>
       </p:sp>
     </p:spTree>
     <p:extLst>
       <p:ext uri="{BB962C8B-B14F-4D97-AF65-F5344CB8AC3E}">
-        <p14:creationId xmlns:p14="http://schemas.microsoft.com/office/powerpoint/2010/main" val="354590223"/>
+        <p14:creationId xmlns:p14="http://schemas.microsoft.com/office/powerpoint/2010/main" val="2059279595"/>
       </p:ext>
     </p:extLst>
   </p:cSld>
   <p:clrMapOvr>
     <a:masterClrMapping/>
   </p:clrMapOvr>
+  <p:timing>
+    <p:tnLst>
+      <p:par>
+        <p:cTn id="1" dur="indefinite" restart="never" nodeType="tmRoot"/>
+      </p:par>
+    </p:tnLst>
+  </p:timing>
 </p:sld>
 </file>
 
@@ -4521,14 +5191,12 @@
         </p:nvSpPr>
         <p:spPr/>
         <p:txBody>
-          <a:bodyPr>
-            <a:normAutofit fontScale="90000"/>
-          </a:bodyPr>
+          <a:bodyPr/>
           <a:lstStyle/>
           <a:p>
             <a:r>
               <a:rPr lang="en-CA" dirty="0" smtClean="0"/>
-              <a:t>Syntactic Differences Compared with Handling DOM Elements</a:t>
+              <a:t>Prevent Default</a:t>
             </a:r>
             <a:endParaRPr lang="en-CA" dirty="0"/>
           </a:p>
@@ -4536,15 +5204,20 @@
       </p:sp>
       <p:sp>
         <p:nvSpPr>
-          <p:cNvPr id="4" name="Text Placeholder 3"/>
-          <p:cNvSpPr>
-            <a:spLocks noGrp="1"/>
-          </p:cNvSpPr>
-          <p:nvPr>
-            <p:ph type="body" idx="1"/>
-          </p:nvPr>
-        </p:nvSpPr>
-        <p:spPr/>
+          <p:cNvPr id="3" name="Content Placeholder 2"/>
+          <p:cNvSpPr>
+            <a:spLocks noGrp="1"/>
+          </p:cNvSpPr>
+          <p:nvPr>
+            <p:ph idx="1"/>
+          </p:nvPr>
+        </p:nvSpPr>
+        <p:spPr>
+          <a:xfrm>
+            <a:off x="477170" y="1196751"/>
+            <a:ext cx="8229600" cy="5410999"/>
+          </a:xfrm>
+        </p:spPr>
         <p:txBody>
           <a:bodyPr>
             <a:normAutofit/>
@@ -4552,7 +5225,7 @@
           <a:lstStyle/>
           <a:p>
             <a:r>
-              <a:rPr lang="en-US" dirty="0" smtClean="0">
+              <a:rPr lang="en-US" sz="2400" dirty="0" smtClean="0">
                 <a:effectLst>
                   <a:outerShdw blurRad="38100" dist="38100" dir="2700000" algn="tl">
                     <a:srgbClr val="000000">
@@ -4561,9 +5234,57 @@
                   </a:outerShdw>
                 </a:effectLst>
               </a:rPr>
-              <a:t>DOM</a:t>
-            </a:r>
-            <a:endParaRPr lang="en-CA" dirty="0">
+              <a:t>In the following example from when I migrated my accounts exercise, </a:t>
+            </a:r>
+            <a:r>
+              <a:rPr lang="en-US" sz="2400" dirty="0" err="1" smtClean="0">
+                <a:effectLst>
+                  <a:outerShdw blurRad="38100" dist="38100" dir="2700000" algn="tl">
+                    <a:srgbClr val="000000">
+                      <a:alpha val="43137"/>
+                    </a:srgbClr>
+                  </a:outerShdw>
+                </a:effectLst>
+              </a:rPr>
+              <a:t>preventDefault</a:t>
+            </a:r>
+            <a:r>
+              <a:rPr lang="en-US" sz="2400" dirty="0" smtClean="0">
+                <a:effectLst>
+                  <a:outerShdw blurRad="38100" dist="38100" dir="2700000" algn="tl">
+                    <a:srgbClr val="000000">
+                      <a:alpha val="43137"/>
+                    </a:srgbClr>
+                  </a:outerShdw>
+                </a:effectLst>
+              </a:rPr>
+              <a:t>() was used to prevent the default </a:t>
+            </a:r>
+            <a:r>
+              <a:rPr lang="en-US" sz="2400" dirty="0" err="1" smtClean="0">
+                <a:effectLst>
+                  <a:outerShdw blurRad="38100" dist="38100" dir="2700000" algn="tl">
+                    <a:srgbClr val="000000">
+                      <a:alpha val="43137"/>
+                    </a:srgbClr>
+                  </a:outerShdw>
+                </a:effectLst>
+              </a:rPr>
+              <a:t>behaviour</a:t>
+            </a:r>
+            <a:r>
+              <a:rPr lang="en-US" sz="2400" dirty="0" smtClean="0">
+                <a:effectLst>
+                  <a:outerShdw blurRad="38100" dist="38100" dir="2700000" algn="tl">
+                    <a:srgbClr val="000000">
+                      <a:alpha val="43137"/>
+                    </a:srgbClr>
+                  </a:outerShdw>
+                </a:effectLst>
+              </a:rPr>
+              <a:t> of a form submit button, which would normally refresh the browser when it is clicked.</a:t>
+            </a:r>
+            <a:endParaRPr lang="en-CA" sz="2400" dirty="0">
               <a:effectLst>
                 <a:outerShdw blurRad="38100" dist="38100" dir="2700000" algn="tl">
                   <a:srgbClr val="000000">
@@ -4575,392 +5296,110 @@
           </a:p>
         </p:txBody>
       </p:sp>
-      <p:sp>
-        <p:nvSpPr>
-          <p:cNvPr id="6" name="Text Placeholder 5"/>
-          <p:cNvSpPr>
-            <a:spLocks noGrp="1"/>
-          </p:cNvSpPr>
-          <p:nvPr>
-            <p:ph type="body" sz="half" idx="3"/>
-          </p:nvPr>
-        </p:nvSpPr>
-        <p:spPr/>
-        <p:txBody>
-          <a:bodyPr>
-            <a:normAutofit/>
-          </a:bodyPr>
-          <a:lstStyle/>
-          <a:p>
-            <a:r>
-              <a:rPr lang="en-US" dirty="0" smtClean="0">
-                <a:effectLst>
-                  <a:outerShdw blurRad="38100" dist="38100" dir="2700000" algn="tl">
-                    <a:srgbClr val="000000">
-                      <a:alpha val="43137"/>
-                    </a:srgbClr>
-                  </a:outerShdw>
-                </a:effectLst>
-              </a:rPr>
-              <a:t>React</a:t>
-            </a:r>
-            <a:endParaRPr lang="en-CA" dirty="0">
-              <a:effectLst>
-                <a:outerShdw blurRad="38100" dist="38100" dir="2700000" algn="tl">
-                  <a:srgbClr val="000000">
-                    <a:alpha val="43137"/>
-                  </a:srgbClr>
-                </a:outerShdw>
-              </a:effectLst>
-            </a:endParaRPr>
-          </a:p>
-        </p:txBody>
-      </p:sp>
-      <p:sp>
-        <p:nvSpPr>
-          <p:cNvPr id="5" name="Content Placeholder 4"/>
-          <p:cNvSpPr>
-            <a:spLocks noGrp="1"/>
-          </p:cNvSpPr>
-          <p:nvPr>
-            <p:ph sz="quarter" idx="2"/>
-          </p:nvPr>
-        </p:nvSpPr>
-        <p:spPr/>
-        <p:txBody>
-          <a:bodyPr>
-            <a:normAutofit/>
-          </a:bodyPr>
-          <a:lstStyle/>
-          <a:p>
-            <a:r>
-              <a:rPr lang="en-US" dirty="0" smtClean="0">
-                <a:effectLst>
-                  <a:outerShdw blurRad="38100" dist="38100" dir="2700000" algn="tl">
-                    <a:srgbClr val="000000">
-                      <a:alpha val="43137"/>
-                    </a:srgbClr>
-                  </a:outerShdw>
-                </a:effectLst>
-              </a:rPr>
-              <a:t>Events are lowercase</a:t>
-            </a:r>
-          </a:p>
-          <a:p>
-            <a:r>
-              <a:rPr lang="en-US" dirty="0" smtClean="0">
-                <a:effectLst>
-                  <a:outerShdw blurRad="38100" dist="38100" dir="2700000" algn="tl">
-                    <a:srgbClr val="000000">
-                      <a:alpha val="43137"/>
-                    </a:srgbClr>
-                  </a:outerShdw>
-                </a:effectLst>
-              </a:rPr>
-              <a:t>Event handlers are passed as strings.</a:t>
-            </a:r>
-          </a:p>
-          <a:p>
-            <a:endParaRPr lang="en-US" dirty="0">
-              <a:effectLst>
-                <a:outerShdw blurRad="38100" dist="38100" dir="2700000" algn="tl">
-                  <a:srgbClr val="000000">
-                    <a:alpha val="43137"/>
-                  </a:srgbClr>
-                </a:outerShdw>
-              </a:effectLst>
-            </a:endParaRPr>
-          </a:p>
-          <a:p>
-            <a:pPr marL="0" indent="0">
-              <a:buNone/>
-            </a:pPr>
-            <a:r>
-              <a:rPr lang="en-US" dirty="0" smtClean="0">
-                <a:effectLst>
-                  <a:outerShdw blurRad="38100" dist="38100" dir="2700000" algn="tl">
-                    <a:srgbClr val="000000">
-                      <a:alpha val="43137"/>
-                    </a:srgbClr>
-                  </a:outerShdw>
-                </a:effectLst>
-              </a:rPr>
-              <a:t>Example:</a:t>
-            </a:r>
-          </a:p>
-          <a:p>
-            <a:pPr marL="0" indent="0">
-              <a:buNone/>
-            </a:pPr>
-            <a:r>
-              <a:rPr lang="en-US" dirty="0">
-                <a:effectLst>
-                  <a:outerShdw blurRad="38100" dist="38100" dir="2700000" algn="tl">
-                    <a:srgbClr val="000000">
-                      <a:alpha val="43137"/>
-                    </a:srgbClr>
-                  </a:outerShdw>
-                </a:effectLst>
-              </a:rPr>
-              <a:t>&lt;button </a:t>
-            </a:r>
-            <a:r>
-              <a:rPr lang="en-US" dirty="0" err="1">
-                <a:effectLst>
-                  <a:outerShdw blurRad="38100" dist="38100" dir="2700000" algn="tl">
-                    <a:srgbClr val="000000">
-                      <a:alpha val="43137"/>
-                    </a:srgbClr>
-                  </a:outerShdw>
-                </a:effectLst>
-              </a:rPr>
-              <a:t>onclick</a:t>
-            </a:r>
-            <a:r>
-              <a:rPr lang="en-US" dirty="0" smtClean="0">
-                <a:effectLst>
-                  <a:outerShdw blurRad="38100" dist="38100" dir="2700000" algn="tl">
-                    <a:srgbClr val="000000">
-                      <a:alpha val="43137"/>
-                    </a:srgbClr>
-                  </a:outerShdw>
-                </a:effectLst>
-              </a:rPr>
-              <a:t>=“</a:t>
-            </a:r>
-            <a:r>
-              <a:rPr lang="en-US" dirty="0" err="1" smtClean="0">
-                <a:effectLst>
-                  <a:outerShdw blurRad="38100" dist="38100" dir="2700000" algn="tl">
-                    <a:srgbClr val="000000">
-                      <a:alpha val="43137"/>
-                    </a:srgbClr>
-                  </a:outerShdw>
-                </a:effectLst>
-              </a:rPr>
-              <a:t>helloWorld</a:t>
-            </a:r>
-            <a:r>
-              <a:rPr lang="en-US" dirty="0" smtClean="0">
-                <a:effectLst>
-                  <a:outerShdw blurRad="38100" dist="38100" dir="2700000" algn="tl">
-                    <a:srgbClr val="000000">
-                      <a:alpha val="43137"/>
-                    </a:srgbClr>
-                  </a:outerShdw>
-                </a:effectLst>
-              </a:rPr>
-              <a:t>()"&gt; Hello World!&lt;/</a:t>
-            </a:r>
-            <a:r>
-              <a:rPr lang="en-US" dirty="0">
-                <a:effectLst>
-                  <a:outerShdw blurRad="38100" dist="38100" dir="2700000" algn="tl">
-                    <a:srgbClr val="000000">
-                      <a:alpha val="43137"/>
-                    </a:srgbClr>
-                  </a:outerShdw>
-                </a:effectLst>
-              </a:rPr>
-              <a:t>button&gt;</a:t>
-            </a:r>
-            <a:endParaRPr lang="en-CA" dirty="0">
-              <a:effectLst>
-                <a:outerShdw blurRad="38100" dist="38100" dir="2700000" algn="tl">
-                  <a:srgbClr val="000000">
-                    <a:alpha val="43137"/>
-                  </a:srgbClr>
-                </a:outerShdw>
-              </a:effectLst>
-            </a:endParaRPr>
-          </a:p>
-        </p:txBody>
-      </p:sp>
-      <p:sp>
-        <p:nvSpPr>
-          <p:cNvPr id="7" name="Content Placeholder 6"/>
-          <p:cNvSpPr>
-            <a:spLocks noGrp="1"/>
-          </p:cNvSpPr>
-          <p:nvPr>
-            <p:ph sz="quarter" idx="4"/>
-          </p:nvPr>
-        </p:nvSpPr>
-        <p:spPr/>
-        <p:txBody>
-          <a:bodyPr>
-            <a:normAutofit/>
-          </a:bodyPr>
-          <a:lstStyle/>
-          <a:p>
-            <a:r>
-              <a:rPr lang="en-US" dirty="0" smtClean="0">
-                <a:effectLst>
-                  <a:outerShdw blurRad="38100" dist="38100" dir="2700000" algn="tl">
-                    <a:srgbClr val="000000">
-                      <a:alpha val="43137"/>
-                    </a:srgbClr>
-                  </a:outerShdw>
-                </a:effectLst>
-              </a:rPr>
-              <a:t>Events are </a:t>
-            </a:r>
-            <a:r>
-              <a:rPr lang="en-US" dirty="0" err="1" smtClean="0">
-                <a:effectLst>
-                  <a:outerShdw blurRad="38100" dist="38100" dir="2700000" algn="tl">
-                    <a:srgbClr val="000000">
-                      <a:alpha val="43137"/>
-                    </a:srgbClr>
-                  </a:outerShdw>
-                </a:effectLst>
-              </a:rPr>
-              <a:t>camelCase</a:t>
-            </a:r>
-            <a:endParaRPr lang="en-US" dirty="0" smtClean="0">
-              <a:effectLst>
-                <a:outerShdw blurRad="38100" dist="38100" dir="2700000" algn="tl">
-                  <a:srgbClr val="000000">
-                    <a:alpha val="43137"/>
-                  </a:srgbClr>
-                </a:outerShdw>
-              </a:effectLst>
-            </a:endParaRPr>
-          </a:p>
-          <a:p>
-            <a:r>
-              <a:rPr lang="en-US" dirty="0" smtClean="0">
-                <a:effectLst>
-                  <a:outerShdw blurRad="38100" dist="38100" dir="2700000" algn="tl">
-                    <a:srgbClr val="000000">
-                      <a:alpha val="43137"/>
-                    </a:srgbClr>
-                  </a:outerShdw>
-                </a:effectLst>
-              </a:rPr>
-              <a:t>Event handlers are passed as functions.</a:t>
-            </a:r>
-          </a:p>
-          <a:p>
-            <a:endParaRPr lang="en-US" dirty="0">
-              <a:effectLst>
-                <a:outerShdw blurRad="38100" dist="38100" dir="2700000" algn="tl">
-                  <a:srgbClr val="000000">
-                    <a:alpha val="43137"/>
-                  </a:srgbClr>
-                </a:outerShdw>
-              </a:effectLst>
-            </a:endParaRPr>
-          </a:p>
-          <a:p>
-            <a:pPr marL="0" indent="0">
-              <a:buNone/>
-            </a:pPr>
-            <a:r>
-              <a:rPr lang="en-US" dirty="0" smtClean="0">
-                <a:effectLst>
-                  <a:outerShdw blurRad="38100" dist="38100" dir="2700000" algn="tl">
-                    <a:srgbClr val="000000">
-                      <a:alpha val="43137"/>
-                    </a:srgbClr>
-                  </a:outerShdw>
-                </a:effectLst>
-              </a:rPr>
-              <a:t>Example:</a:t>
-            </a:r>
-          </a:p>
-          <a:p>
-            <a:pPr marL="0" indent="0">
-              <a:buNone/>
-            </a:pPr>
-            <a:r>
-              <a:rPr lang="en-US" dirty="0">
-                <a:effectLst>
-                  <a:outerShdw blurRad="38100" dist="38100" dir="2700000" algn="tl">
-                    <a:srgbClr val="000000">
-                      <a:alpha val="43137"/>
-                    </a:srgbClr>
-                  </a:outerShdw>
-                </a:effectLst>
-              </a:rPr>
-              <a:t>&lt;button </a:t>
-            </a:r>
-            <a:r>
-              <a:rPr lang="en-US" dirty="0" err="1">
-                <a:effectLst>
-                  <a:outerShdw blurRad="38100" dist="38100" dir="2700000" algn="tl">
-                    <a:srgbClr val="000000">
-                      <a:alpha val="43137"/>
-                    </a:srgbClr>
-                  </a:outerShdw>
-                </a:effectLst>
-              </a:rPr>
-              <a:t>onClick</a:t>
-            </a:r>
-            <a:r>
-              <a:rPr lang="en-US" dirty="0" smtClean="0">
-                <a:effectLst>
-                  <a:outerShdw blurRad="38100" dist="38100" dir="2700000" algn="tl">
-                    <a:srgbClr val="000000">
-                      <a:alpha val="43137"/>
-                    </a:srgbClr>
-                  </a:outerShdw>
-                </a:effectLst>
-              </a:rPr>
-              <a:t>={</a:t>
-            </a:r>
-            <a:r>
-              <a:rPr lang="en-US" dirty="0" err="1" smtClean="0">
-                <a:effectLst>
-                  <a:outerShdw blurRad="38100" dist="38100" dir="2700000" algn="tl">
-                    <a:srgbClr val="000000">
-                      <a:alpha val="43137"/>
-                    </a:srgbClr>
-                  </a:outerShdw>
-                </a:effectLst>
-              </a:rPr>
-              <a:t>helloWorld</a:t>
-            </a:r>
-            <a:r>
-              <a:rPr lang="en-US" dirty="0" smtClean="0">
-                <a:effectLst>
-                  <a:outerShdw blurRad="38100" dist="38100" dir="2700000" algn="tl">
-                    <a:srgbClr val="000000">
-                      <a:alpha val="43137"/>
-                    </a:srgbClr>
-                  </a:outerShdw>
-                </a:effectLst>
-              </a:rPr>
-              <a:t>}&gt; Hello World! </a:t>
-            </a:r>
-            <a:r>
-              <a:rPr lang="en-US" dirty="0">
-                <a:effectLst>
-                  <a:outerShdw blurRad="38100" dist="38100" dir="2700000" algn="tl">
-                    <a:srgbClr val="000000">
-                      <a:alpha val="43137"/>
-                    </a:srgbClr>
-                  </a:outerShdw>
-                </a:effectLst>
-              </a:rPr>
-              <a:t>&lt;/button&gt;</a:t>
-            </a:r>
-            <a:endParaRPr lang="en-CA" dirty="0">
-              <a:effectLst>
-                <a:outerShdw blurRad="38100" dist="38100" dir="2700000" algn="tl">
-                  <a:srgbClr val="000000">
-                    <a:alpha val="43137"/>
-                  </a:srgbClr>
-                </a:outerShdw>
-              </a:effectLst>
-            </a:endParaRPr>
+      <p:pic>
+        <p:nvPicPr>
+          <p:cNvPr id="1026" name="Picture 2"/>
+          <p:cNvPicPr>
+            <a:picLocks noChangeAspect="1" noChangeArrowheads="1"/>
+          </p:cNvPicPr>
+          <p:nvPr/>
+        </p:nvPicPr>
+        <p:blipFill>
+          <a:blip r:embed="rId3">
+            <a:extLst>
+              <a:ext uri="{28A0092B-C50C-407E-A947-70E740481C1C}">
+                <a14:useLocalDpi xmlns:a14="http://schemas.microsoft.com/office/drawing/2010/main" val="0"/>
+              </a:ext>
+            </a:extLst>
+          </a:blip>
+          <a:srcRect/>
+          <a:stretch>
+            <a:fillRect/>
+          </a:stretch>
+        </p:blipFill>
+        <p:spPr bwMode="auto">
+          <a:xfrm>
+            <a:off x="1043608" y="3068960"/>
+            <a:ext cx="7233326" cy="3605931"/>
+          </a:xfrm>
+          <a:prstGeom prst="rect">
+            <a:avLst/>
+          </a:prstGeom>
+          <a:noFill/>
+          <a:ln>
+            <a:noFill/>
+          </a:ln>
+          <a:extLst>
+            <a:ext uri="{909E8E84-426E-40DD-AFC4-6F175D3DCCD1}">
+              <a14:hiddenFill xmlns:a14="http://schemas.microsoft.com/office/drawing/2010/main">
+                <a:solidFill>
+                  <a:schemeClr val="accent1"/>
+                </a:solidFill>
+              </a14:hiddenFill>
+            </a:ext>
+            <a:ext uri="{91240B29-F687-4F45-9708-019B960494DF}">
+              <a14:hiddenLine xmlns:a14="http://schemas.microsoft.com/office/drawing/2010/main" w="9525">
+                <a:solidFill>
+                  <a:schemeClr val="tx1"/>
+                </a:solidFill>
+                <a:miter lim="800000"/>
+                <a:headEnd/>
+                <a:tailEnd/>
+              </a14:hiddenLine>
+            </a:ext>
+          </a:extLst>
+        </p:spPr>
+      </p:pic>
+      <p:sp>
+        <p:nvSpPr>
+          <p:cNvPr id="4" name="Oval 3"/>
+          <p:cNvSpPr/>
+          <p:nvPr/>
+        </p:nvSpPr>
+        <p:spPr>
+          <a:xfrm>
+            <a:off x="1259632" y="6131827"/>
+            <a:ext cx="2448272" cy="278545"/>
+          </a:xfrm>
+          <a:prstGeom prst="ellipse">
+            <a:avLst/>
+          </a:prstGeom>
+          <a:noFill/>
+          <a:ln>
+            <a:solidFill>
+              <a:srgbClr val="FFFF00"/>
+            </a:solidFill>
+          </a:ln>
+        </p:spPr>
+        <p:style>
+          <a:lnRef idx="2">
+            <a:schemeClr val="accent1">
+              <a:shade val="50000"/>
+            </a:schemeClr>
+          </a:lnRef>
+          <a:fillRef idx="1">
+            <a:schemeClr val="accent1"/>
+          </a:fillRef>
+          <a:effectRef idx="0">
+            <a:schemeClr val="accent1"/>
+          </a:effectRef>
+          <a:fontRef idx="minor">
+            <a:schemeClr val="lt1"/>
+          </a:fontRef>
+        </p:style>
+        <p:txBody>
+          <a:bodyPr rtlCol="0" anchor="ctr"/>
+          <a:lstStyle/>
+          <a:p>
+            <a:pPr algn="ctr"/>
+            <a:endParaRPr lang="en-CA"/>
           </a:p>
         </p:txBody>
       </p:sp>
     </p:spTree>
     <p:extLst>
       <p:ext uri="{BB962C8B-B14F-4D97-AF65-F5344CB8AC3E}">
-        <p14:creationId xmlns:p14="http://schemas.microsoft.com/office/powerpoint/2010/main" val="4169195338"/>
+        <p14:creationId xmlns:p14="http://schemas.microsoft.com/office/powerpoint/2010/main" val="3462742505"/>
       </p:ext>
     </p:extLst>
   </p:cSld>
@@ -5011,7 +5450,7 @@
           <a:p>
             <a:r>
               <a:rPr lang="en-CA" dirty="0" smtClean="0"/>
-              <a:t>Prevent Default</a:t>
+              <a:t>Extra Prevent Default Info</a:t>
             </a:r>
             <a:endParaRPr lang="en-CA" dirty="0"/>
           </a:p>
@@ -5027,12 +5466,7 @@
             <p:ph idx="1"/>
           </p:nvPr>
         </p:nvSpPr>
-        <p:spPr>
-          <a:xfrm>
-            <a:off x="477170" y="1196751"/>
-            <a:ext cx="8229600" cy="5410999"/>
-          </a:xfrm>
-        </p:spPr>
+        <p:spPr/>
         <p:txBody>
           <a:bodyPr>
             <a:normAutofit/>
@@ -5040,344 +5474,80 @@
           <a:lstStyle/>
           <a:p>
             <a:r>
-              <a:rPr lang="en-US" sz="1800" dirty="0">
-                <a:effectLst>
-                  <a:outerShdw blurRad="38100" dist="38100" dir="2700000" algn="tl">
-                    <a:srgbClr val="000000">
-                      <a:alpha val="43137"/>
-                    </a:srgbClr>
-                  </a:outerShdw>
-                </a:effectLst>
-              </a:rPr>
-              <a:t>All native HTML elements come with their internal native </a:t>
-            </a:r>
-            <a:r>
-              <a:rPr lang="en-US" sz="1800" dirty="0" err="1">
-                <a:effectLst>
-                  <a:outerShdw blurRad="38100" dist="38100" dir="2700000" algn="tl">
-                    <a:srgbClr val="000000">
-                      <a:alpha val="43137"/>
-                    </a:srgbClr>
-                  </a:outerShdw>
-                </a:effectLst>
-              </a:rPr>
-              <a:t>behaviour</a:t>
-            </a:r>
-            <a:r>
-              <a:rPr lang="en-US" sz="1800" dirty="0">
-                <a:effectLst>
-                  <a:outerShdw blurRad="38100" dist="38100" dir="2700000" algn="tl">
-                    <a:srgbClr val="000000">
-                      <a:alpha val="43137"/>
-                    </a:srgbClr>
-                  </a:outerShdw>
-                </a:effectLst>
-              </a:rPr>
-              <a:t>. </a:t>
-            </a:r>
-            <a:endParaRPr lang="en-US" sz="1800" dirty="0" smtClean="0">
-              <a:effectLst>
-                <a:outerShdw blurRad="38100" dist="38100" dir="2700000" algn="tl">
-                  <a:srgbClr val="000000">
-                    <a:alpha val="43137"/>
-                  </a:srgbClr>
-                </a:outerShdw>
-              </a:effectLst>
-            </a:endParaRPr>
-          </a:p>
-          <a:p>
-            <a:r>
-              <a:rPr lang="en-US" sz="1800" dirty="0" smtClean="0">
-                <a:effectLst>
-                  <a:outerShdw blurRad="38100" dist="38100" dir="2700000" algn="tl">
-                    <a:srgbClr val="000000">
-                      <a:alpha val="43137"/>
-                    </a:srgbClr>
-                  </a:outerShdw>
-                </a:effectLst>
-              </a:rPr>
-              <a:t>In React, you can’t return false to prevent a default </a:t>
-            </a:r>
-            <a:r>
-              <a:rPr lang="en-US" sz="1800" dirty="0" err="1" smtClean="0">
-                <a:effectLst>
-                  <a:outerShdw blurRad="38100" dist="38100" dir="2700000" algn="tl">
-                    <a:srgbClr val="000000">
-                      <a:alpha val="43137"/>
-                    </a:srgbClr>
-                  </a:outerShdw>
-                </a:effectLst>
-              </a:rPr>
-              <a:t>behaviour</a:t>
-            </a:r>
-            <a:r>
-              <a:rPr lang="en-US" sz="1800" dirty="0" smtClean="0">
-                <a:effectLst>
-                  <a:outerShdw blurRad="38100" dist="38100" dir="2700000" algn="tl">
-                    <a:srgbClr val="000000">
-                      <a:alpha val="43137"/>
-                    </a:srgbClr>
-                  </a:outerShdw>
-                </a:effectLst>
-              </a:rPr>
-              <a:t>. If there is a default </a:t>
-            </a:r>
-            <a:r>
-              <a:rPr lang="en-US" sz="1800" dirty="0" err="1" smtClean="0">
-                <a:effectLst>
-                  <a:outerShdw blurRad="38100" dist="38100" dir="2700000" algn="tl">
-                    <a:srgbClr val="000000">
-                      <a:alpha val="43137"/>
-                    </a:srgbClr>
-                  </a:outerShdw>
-                </a:effectLst>
-              </a:rPr>
-              <a:t>behaviour</a:t>
-            </a:r>
-            <a:r>
-              <a:rPr lang="en-US" sz="1800" dirty="0" smtClean="0">
-                <a:effectLst>
-                  <a:outerShdw blurRad="38100" dist="38100" dir="2700000" algn="tl">
-                    <a:srgbClr val="000000">
-                      <a:alpha val="43137"/>
-                    </a:srgbClr>
-                  </a:outerShdw>
-                </a:effectLst>
-              </a:rPr>
-              <a:t> that you are trying to prevent, you must call </a:t>
-            </a:r>
-            <a:r>
-              <a:rPr lang="en-US" sz="1800" dirty="0" err="1" smtClean="0">
-                <a:effectLst>
-                  <a:outerShdw blurRad="38100" dist="38100" dir="2700000" algn="tl">
-                    <a:srgbClr val="000000">
-                      <a:alpha val="43137"/>
-                    </a:srgbClr>
-                  </a:outerShdw>
-                </a:effectLst>
-              </a:rPr>
+              <a:rPr lang="en-CA" sz="2000" dirty="0" smtClean="0"/>
+              <a:t>Another fairly common use for </a:t>
+            </a:r>
+            <a:r>
+              <a:rPr lang="en-CA" sz="2000" dirty="0" err="1" smtClean="0"/>
               <a:t>preventDefault</a:t>
             </a:r>
             <a:r>
-              <a:rPr lang="en-US" sz="1800" dirty="0" smtClean="0">
-                <a:effectLst>
-                  <a:outerShdw blurRad="38100" dist="38100" dir="2700000" algn="tl">
-                    <a:srgbClr val="000000">
-                      <a:alpha val="43137"/>
-                    </a:srgbClr>
-                  </a:outerShdw>
-                </a:effectLst>
-              </a:rPr>
-              <a:t>() explicitly.</a:t>
-            </a:r>
-          </a:p>
-          <a:p>
-            <a:r>
-              <a:rPr lang="en-US" sz="1800" dirty="0" smtClean="0">
-                <a:effectLst>
-                  <a:outerShdw blurRad="38100" dist="38100" dir="2700000" algn="tl">
-                    <a:srgbClr val="000000">
-                      <a:alpha val="43137"/>
-                    </a:srgbClr>
-                  </a:outerShdw>
-                </a:effectLst>
-              </a:rPr>
-              <a:t>In the following example from when I migrated </a:t>
-            </a:r>
-            <a:r>
-              <a:rPr lang="en-US" sz="1800" dirty="0" err="1" smtClean="0">
-                <a:effectLst>
-                  <a:outerShdw blurRad="38100" dist="38100" dir="2700000" algn="tl">
-                    <a:srgbClr val="000000">
-                      <a:alpha val="43137"/>
-                    </a:srgbClr>
-                  </a:outerShdw>
-                </a:effectLst>
-              </a:rPr>
-              <a:t>myAccounts</a:t>
-            </a:r>
-            <a:r>
-              <a:rPr lang="en-US" sz="1800" dirty="0" smtClean="0">
-                <a:effectLst>
-                  <a:outerShdw blurRad="38100" dist="38100" dir="2700000" algn="tl">
-                    <a:srgbClr val="000000">
-                      <a:alpha val="43137"/>
-                    </a:srgbClr>
-                  </a:outerShdw>
-                </a:effectLst>
-              </a:rPr>
-              <a:t> exercise, </a:t>
-            </a:r>
-            <a:r>
-              <a:rPr lang="en-US" sz="1800" dirty="0" err="1" smtClean="0">
-                <a:effectLst>
-                  <a:outerShdw blurRad="38100" dist="38100" dir="2700000" algn="tl">
-                    <a:srgbClr val="000000">
-                      <a:alpha val="43137"/>
-                    </a:srgbClr>
-                  </a:outerShdw>
-                </a:effectLst>
-              </a:rPr>
+              <a:rPr lang="en-CA" sz="2000" dirty="0" smtClean="0"/>
+              <a:t>() is to prevent the default behaviour when clicking on a link (going to the link’s URL)</a:t>
+            </a:r>
+          </a:p>
+          <a:p>
+            <a:r>
+              <a:rPr lang="en-CA" sz="2000" dirty="0" smtClean="0"/>
+              <a:t>In some situations, browsers will wait to see if </a:t>
+            </a:r>
+            <a:r>
+              <a:rPr lang="en-CA" sz="2000" dirty="0" err="1" smtClean="0"/>
               <a:t>preventDefault</a:t>
             </a:r>
             <a:r>
-              <a:rPr lang="en-US" sz="1800" dirty="0" smtClean="0">
-                <a:effectLst>
-                  <a:outerShdw blurRad="38100" dist="38100" dir="2700000" algn="tl">
-                    <a:srgbClr val="000000">
-                      <a:alpha val="43137"/>
-                    </a:srgbClr>
-                  </a:outerShdw>
-                </a:effectLst>
-              </a:rPr>
-              <a:t>() was used to prevent the default </a:t>
-            </a:r>
-            <a:r>
-              <a:rPr lang="en-US" sz="1800" dirty="0" err="1" smtClean="0">
-                <a:effectLst>
-                  <a:outerShdw blurRad="38100" dist="38100" dir="2700000" algn="tl">
-                    <a:srgbClr val="000000">
-                      <a:alpha val="43137"/>
-                    </a:srgbClr>
-                  </a:outerShdw>
-                </a:effectLst>
-              </a:rPr>
-              <a:t>behaviour</a:t>
-            </a:r>
-            <a:r>
-              <a:rPr lang="en-US" sz="1800" dirty="0" smtClean="0">
-                <a:effectLst>
-                  <a:outerShdw blurRad="38100" dist="38100" dir="2700000" algn="tl">
-                    <a:srgbClr val="000000">
-                      <a:alpha val="43137"/>
-                    </a:srgbClr>
-                  </a:outerShdw>
-                </a:effectLst>
-              </a:rPr>
-              <a:t> of a form submit button, which would normally refresh the browser when it is clicked.</a:t>
-            </a:r>
-            <a:endParaRPr lang="en-CA" sz="1800" dirty="0">
-              <a:effectLst>
-                <a:outerShdw blurRad="38100" dist="38100" dir="2700000" algn="tl">
-                  <a:srgbClr val="000000">
-                    <a:alpha val="43137"/>
-                  </a:srgbClr>
-                </a:outerShdw>
-              </a:effectLst>
-            </a:endParaRPr>
-          </a:p>
-        </p:txBody>
-      </p:sp>
-      <p:pic>
-        <p:nvPicPr>
-          <p:cNvPr id="1026" name="Picture 2"/>
-          <p:cNvPicPr>
-            <a:picLocks noChangeAspect="1" noChangeArrowheads="1"/>
-          </p:cNvPicPr>
-          <p:nvPr/>
-        </p:nvPicPr>
-        <p:blipFill>
-          <a:blip r:embed="rId3">
-            <a:extLst>
-              <a:ext uri="{28A0092B-C50C-407E-A947-70E740481C1C}">
-                <a14:useLocalDpi xmlns:a14="http://schemas.microsoft.com/office/drawing/2010/main" val="0"/>
-              </a:ext>
-            </a:extLst>
-          </a:blip>
-          <a:srcRect/>
-          <a:stretch>
-            <a:fillRect/>
-          </a:stretch>
-        </p:blipFill>
-        <p:spPr bwMode="auto">
-          <a:xfrm>
-            <a:off x="1364343" y="3513695"/>
-            <a:ext cx="6419850" cy="3200400"/>
-          </a:xfrm>
-          <a:prstGeom prst="rect">
-            <a:avLst/>
-          </a:prstGeom>
-          <a:noFill/>
-          <a:ln>
-            <a:noFill/>
-          </a:ln>
-          <a:extLst>
-            <a:ext uri="{909E8E84-426E-40DD-AFC4-6F175D3DCCD1}">
-              <a14:hiddenFill xmlns:a14="http://schemas.microsoft.com/office/drawing/2010/main">
-                <a:solidFill>
-                  <a:schemeClr val="accent1"/>
-                </a:solidFill>
-              </a14:hiddenFill>
-            </a:ext>
-            <a:ext uri="{91240B29-F687-4F45-9708-019B960494DF}">
-              <a14:hiddenLine xmlns:a14="http://schemas.microsoft.com/office/drawing/2010/main" w="9525">
-                <a:solidFill>
-                  <a:schemeClr val="tx1"/>
-                </a:solidFill>
-                <a:miter lim="800000"/>
-                <a:headEnd/>
-                <a:tailEnd/>
-              </a14:hiddenLine>
-            </a:ext>
-          </a:extLst>
-        </p:spPr>
-      </p:pic>
-      <p:sp>
-        <p:nvSpPr>
-          <p:cNvPr id="4" name="Oval 3"/>
-          <p:cNvSpPr/>
-          <p:nvPr/>
-        </p:nvSpPr>
-        <p:spPr>
-          <a:xfrm>
-            <a:off x="1489578" y="6227825"/>
-            <a:ext cx="2304256" cy="216024"/>
-          </a:xfrm>
-          <a:prstGeom prst="ellipse">
-            <a:avLst/>
-          </a:prstGeom>
-          <a:noFill/>
-          <a:ln>
-            <a:solidFill>
-              <a:srgbClr val="FFFF00"/>
-            </a:solidFill>
-          </a:ln>
-        </p:spPr>
-        <p:style>
-          <a:lnRef idx="2">
-            <a:schemeClr val="accent1">
-              <a:shade val="50000"/>
-            </a:schemeClr>
-          </a:lnRef>
-          <a:fillRef idx="1">
-            <a:schemeClr val="accent1"/>
-          </a:fillRef>
-          <a:effectRef idx="0">
-            <a:schemeClr val="accent1"/>
-          </a:effectRef>
-          <a:fontRef idx="minor">
-            <a:schemeClr val="lt1"/>
-          </a:fontRef>
-        </p:style>
-        <p:txBody>
-          <a:bodyPr rtlCol="0" anchor="ctr"/>
-          <a:lstStyle/>
-          <a:p>
-            <a:pPr algn="ctr"/>
-            <a:endParaRPr lang="en-CA"/>
+              <a:rPr lang="en-CA" sz="2000" dirty="0" smtClean="0"/>
+              <a:t>() is going to be called before proceeding with an event. One specific instance where this can cause issues is with the </a:t>
+            </a:r>
+            <a:r>
+              <a:rPr lang="en-CA" sz="2000" dirty="0" err="1" smtClean="0"/>
+              <a:t>touchmove</a:t>
+            </a:r>
+            <a:r>
+              <a:rPr lang="en-CA" sz="2000" dirty="0" smtClean="0"/>
+              <a:t> event that has to do with scrolling via a touch screen (primarily for mobile apps). Browsers can pause momentarily to check for </a:t>
+            </a:r>
+            <a:r>
+              <a:rPr lang="en-CA" sz="2000" dirty="0" err="1" smtClean="0"/>
+              <a:t>preventDefault</a:t>
+            </a:r>
+            <a:r>
+              <a:rPr lang="en-CA" sz="2000" dirty="0" smtClean="0"/>
+              <a:t>() before continuing to scroll. This can cause the scrolling to delay and “jitter”. In order to prevent the browser from waiting to check for </a:t>
+            </a:r>
+            <a:r>
+              <a:rPr lang="en-CA" sz="2000" dirty="0" err="1" smtClean="0"/>
+              <a:t>preventDefault</a:t>
+            </a:r>
+            <a:r>
+              <a:rPr lang="en-CA" sz="2000" dirty="0" smtClean="0"/>
+              <a:t>, you can specify “passive: true” in your event </a:t>
+            </a:r>
+            <a:r>
+              <a:rPr lang="en-CA" sz="2000" dirty="0" smtClean="0"/>
+              <a:t>listener. </a:t>
+            </a:r>
+            <a:endParaRPr lang="en-CA" sz="2000" dirty="0"/>
           </a:p>
         </p:txBody>
       </p:sp>
     </p:spTree>
     <p:extLst>
       <p:ext uri="{BB962C8B-B14F-4D97-AF65-F5344CB8AC3E}">
-        <p14:creationId xmlns:p14="http://schemas.microsoft.com/office/powerpoint/2010/main" val="2059279595"/>
+        <p14:creationId xmlns:p14="http://schemas.microsoft.com/office/powerpoint/2010/main" val="3103140282"/>
       </p:ext>
     </p:extLst>
   </p:cSld>
   <p:clrMapOvr>
     <a:masterClrMapping/>
   </p:clrMapOvr>
+  <p:timing>
+    <p:tnLst>
+      <p:par>
+        <p:cTn id="1" dur="indefinite" restart="never" nodeType="tmRoot"/>
+      </p:par>
+    </p:tnLst>
+  </p:timing>
 </p:sld>
 </file>
 
@@ -5415,7 +5585,7 @@
           <a:p>
             <a:r>
               <a:rPr lang="en-CA" dirty="0" smtClean="0"/>
-              <a:t>Prevent Default</a:t>
+              <a:t>Why We Need to Bind “This”</a:t>
             </a:r>
             <a:endParaRPr lang="en-CA" dirty="0"/>
           </a:p>
@@ -5431,468 +5601,60 @@
             <p:ph idx="1"/>
           </p:nvPr>
         </p:nvSpPr>
-        <p:spPr>
-          <a:xfrm>
-            <a:off x="459468" y="1196752"/>
-            <a:ext cx="8229600" cy="5410999"/>
-          </a:xfrm>
-        </p:spPr>
-        <p:txBody>
-          <a:bodyPr>
-            <a:normAutofit/>
-          </a:bodyPr>
-          <a:lstStyle/>
-          <a:p>
-            <a:r>
-              <a:rPr lang="en-US" sz="1800" dirty="0">
-                <a:effectLst>
-                  <a:outerShdw blurRad="38100" dist="38100" dir="2700000" algn="tl">
-                    <a:srgbClr val="000000">
-                      <a:alpha val="43137"/>
-                    </a:srgbClr>
-                  </a:outerShdw>
-                </a:effectLst>
-              </a:rPr>
-              <a:t>All native HTML elements come with their internal native </a:t>
-            </a:r>
-            <a:r>
-              <a:rPr lang="en-US" sz="1800" dirty="0" err="1">
-                <a:effectLst>
-                  <a:outerShdw blurRad="38100" dist="38100" dir="2700000" algn="tl">
-                    <a:srgbClr val="000000">
-                      <a:alpha val="43137"/>
-                    </a:srgbClr>
-                  </a:outerShdw>
-                </a:effectLst>
-              </a:rPr>
-              <a:t>behaviour</a:t>
-            </a:r>
-            <a:r>
-              <a:rPr lang="en-US" sz="1800" dirty="0">
-                <a:effectLst>
-                  <a:outerShdw blurRad="38100" dist="38100" dir="2700000" algn="tl">
-                    <a:srgbClr val="000000">
-                      <a:alpha val="43137"/>
-                    </a:srgbClr>
-                  </a:outerShdw>
-                </a:effectLst>
-              </a:rPr>
-              <a:t>. </a:t>
-            </a:r>
-            <a:endParaRPr lang="en-US" sz="1800" dirty="0" smtClean="0">
-              <a:effectLst>
-                <a:outerShdw blurRad="38100" dist="38100" dir="2700000" algn="tl">
-                  <a:srgbClr val="000000">
-                    <a:alpha val="43137"/>
-                  </a:srgbClr>
-                </a:outerShdw>
-              </a:effectLst>
-            </a:endParaRPr>
-          </a:p>
-          <a:p>
-            <a:r>
-              <a:rPr lang="en-US" sz="1800" dirty="0" smtClean="0">
-                <a:effectLst>
-                  <a:outerShdw blurRad="38100" dist="38100" dir="2700000" algn="tl">
-                    <a:srgbClr val="000000">
-                      <a:alpha val="43137"/>
-                    </a:srgbClr>
-                  </a:outerShdw>
-                </a:effectLst>
-              </a:rPr>
-              <a:t>In React, you can’t return false to prevent a default </a:t>
-            </a:r>
-            <a:r>
-              <a:rPr lang="en-US" sz="1800" dirty="0" err="1" smtClean="0">
-                <a:effectLst>
-                  <a:outerShdw blurRad="38100" dist="38100" dir="2700000" algn="tl">
-                    <a:srgbClr val="000000">
-                      <a:alpha val="43137"/>
-                    </a:srgbClr>
-                  </a:outerShdw>
-                </a:effectLst>
-              </a:rPr>
-              <a:t>behaviour</a:t>
-            </a:r>
-            <a:r>
-              <a:rPr lang="en-US" sz="1800" dirty="0" smtClean="0">
-                <a:effectLst>
-                  <a:outerShdw blurRad="38100" dist="38100" dir="2700000" algn="tl">
-                    <a:srgbClr val="000000">
-                      <a:alpha val="43137"/>
-                    </a:srgbClr>
-                  </a:outerShdw>
-                </a:effectLst>
-              </a:rPr>
-              <a:t>. If there is a default </a:t>
-            </a:r>
-            <a:r>
-              <a:rPr lang="en-US" sz="1800" dirty="0" err="1" smtClean="0">
-                <a:effectLst>
-                  <a:outerShdw blurRad="38100" dist="38100" dir="2700000" algn="tl">
-                    <a:srgbClr val="000000">
-                      <a:alpha val="43137"/>
-                    </a:srgbClr>
-                  </a:outerShdw>
-                </a:effectLst>
-              </a:rPr>
-              <a:t>behaviour</a:t>
-            </a:r>
-            <a:r>
-              <a:rPr lang="en-US" sz="1800" dirty="0" smtClean="0">
-                <a:effectLst>
-                  <a:outerShdw blurRad="38100" dist="38100" dir="2700000" algn="tl">
-                    <a:srgbClr val="000000">
-                      <a:alpha val="43137"/>
-                    </a:srgbClr>
-                  </a:outerShdw>
-                </a:effectLst>
-              </a:rPr>
-              <a:t> that you are trying to prevent, you must call </a:t>
-            </a:r>
-            <a:r>
-              <a:rPr lang="en-US" sz="1800" dirty="0" err="1" smtClean="0">
-                <a:effectLst>
-                  <a:outerShdw blurRad="38100" dist="38100" dir="2700000" algn="tl">
-                    <a:srgbClr val="000000">
-                      <a:alpha val="43137"/>
-                    </a:srgbClr>
-                  </a:outerShdw>
-                </a:effectLst>
-              </a:rPr>
-              <a:t>preventDefault</a:t>
-            </a:r>
-            <a:r>
-              <a:rPr lang="en-US" sz="1800" dirty="0" smtClean="0">
-                <a:effectLst>
-                  <a:outerShdw blurRad="38100" dist="38100" dir="2700000" algn="tl">
-                    <a:srgbClr val="000000">
-                      <a:alpha val="43137"/>
-                    </a:srgbClr>
-                  </a:outerShdw>
-                </a:effectLst>
-              </a:rPr>
-              <a:t>() explicitly.</a:t>
-            </a:r>
-          </a:p>
-          <a:p>
-            <a:r>
-              <a:rPr lang="en-US" sz="1800" dirty="0" smtClean="0">
-                <a:effectLst>
-                  <a:outerShdw blurRad="38100" dist="38100" dir="2700000" algn="tl">
-                    <a:srgbClr val="000000">
-                      <a:alpha val="43137"/>
-                    </a:srgbClr>
-                  </a:outerShdw>
-                </a:effectLst>
-              </a:rPr>
-              <a:t>In the following example from when I migrated </a:t>
-            </a:r>
-            <a:r>
-              <a:rPr lang="en-US" sz="1800" dirty="0" err="1" smtClean="0">
-                <a:effectLst>
-                  <a:outerShdw blurRad="38100" dist="38100" dir="2700000" algn="tl">
-                    <a:srgbClr val="000000">
-                      <a:alpha val="43137"/>
-                    </a:srgbClr>
-                  </a:outerShdw>
-                </a:effectLst>
-              </a:rPr>
-              <a:t>myAccounts</a:t>
-            </a:r>
-            <a:r>
-              <a:rPr lang="en-US" sz="1800" dirty="0" smtClean="0">
-                <a:effectLst>
-                  <a:outerShdw blurRad="38100" dist="38100" dir="2700000" algn="tl">
-                    <a:srgbClr val="000000">
-                      <a:alpha val="43137"/>
-                    </a:srgbClr>
-                  </a:outerShdw>
-                </a:effectLst>
-              </a:rPr>
-              <a:t> exercise, </a:t>
-            </a:r>
-            <a:r>
-              <a:rPr lang="en-US" sz="1800" dirty="0" err="1" smtClean="0">
-                <a:effectLst>
-                  <a:outerShdw blurRad="38100" dist="38100" dir="2700000" algn="tl">
-                    <a:srgbClr val="000000">
-                      <a:alpha val="43137"/>
-                    </a:srgbClr>
-                  </a:outerShdw>
-                </a:effectLst>
-              </a:rPr>
-              <a:t>preventDefault</a:t>
-            </a:r>
-            <a:r>
-              <a:rPr lang="en-US" sz="1800" dirty="0" smtClean="0">
-                <a:effectLst>
-                  <a:outerShdw blurRad="38100" dist="38100" dir="2700000" algn="tl">
-                    <a:srgbClr val="000000">
-                      <a:alpha val="43137"/>
-                    </a:srgbClr>
-                  </a:outerShdw>
-                </a:effectLst>
-              </a:rPr>
-              <a:t>() was used to prevent the default </a:t>
-            </a:r>
-            <a:r>
-              <a:rPr lang="en-US" sz="1800" dirty="0" err="1" smtClean="0">
-                <a:effectLst>
-                  <a:outerShdw blurRad="38100" dist="38100" dir="2700000" algn="tl">
-                    <a:srgbClr val="000000">
-                      <a:alpha val="43137"/>
-                    </a:srgbClr>
-                  </a:outerShdw>
-                </a:effectLst>
-              </a:rPr>
-              <a:t>behaviour</a:t>
-            </a:r>
-            <a:r>
-              <a:rPr lang="en-US" sz="1800" dirty="0" smtClean="0">
-                <a:effectLst>
-                  <a:outerShdw blurRad="38100" dist="38100" dir="2700000" algn="tl">
-                    <a:srgbClr val="000000">
-                      <a:alpha val="43137"/>
-                    </a:srgbClr>
-                  </a:outerShdw>
-                </a:effectLst>
-              </a:rPr>
-              <a:t> of a form submit button, which would normally refresh the browser when it is clicked.</a:t>
-            </a:r>
-            <a:endParaRPr lang="en-CA" sz="1800" dirty="0">
-              <a:effectLst>
-                <a:outerShdw blurRad="38100" dist="38100" dir="2700000" algn="tl">
-                  <a:srgbClr val="000000">
-                    <a:alpha val="43137"/>
-                  </a:srgbClr>
-                </a:outerShdw>
-              </a:effectLst>
-            </a:endParaRPr>
-          </a:p>
-        </p:txBody>
-      </p:sp>
-      <p:pic>
-        <p:nvPicPr>
-          <p:cNvPr id="1026" name="Picture 2"/>
-          <p:cNvPicPr>
-            <a:picLocks noChangeAspect="1" noChangeArrowheads="1"/>
-          </p:cNvPicPr>
-          <p:nvPr/>
-        </p:nvPicPr>
-        <p:blipFill>
-          <a:blip r:embed="rId3">
-            <a:extLst>
-              <a:ext uri="{28A0092B-C50C-407E-A947-70E740481C1C}">
-                <a14:useLocalDpi xmlns:a14="http://schemas.microsoft.com/office/drawing/2010/main" val="0"/>
-              </a:ext>
-            </a:extLst>
-          </a:blip>
-          <a:srcRect/>
-          <a:stretch>
-            <a:fillRect/>
-          </a:stretch>
-        </p:blipFill>
-        <p:spPr bwMode="auto">
-          <a:xfrm>
-            <a:off x="1364343" y="3513695"/>
-            <a:ext cx="6419850" cy="3200400"/>
-          </a:xfrm>
-          <a:prstGeom prst="rect">
-            <a:avLst/>
-          </a:prstGeom>
-          <a:noFill/>
-          <a:ln>
-            <a:noFill/>
-          </a:ln>
-          <a:extLst>
-            <a:ext uri="{909E8E84-426E-40DD-AFC4-6F175D3DCCD1}">
-              <a14:hiddenFill xmlns:a14="http://schemas.microsoft.com/office/drawing/2010/main">
-                <a:solidFill>
-                  <a:schemeClr val="accent1"/>
-                </a:solidFill>
-              </a14:hiddenFill>
-            </a:ext>
-            <a:ext uri="{91240B29-F687-4F45-9708-019B960494DF}">
-              <a14:hiddenLine xmlns:a14="http://schemas.microsoft.com/office/drawing/2010/main" w="9525">
-                <a:solidFill>
-                  <a:schemeClr val="tx1"/>
-                </a:solidFill>
-                <a:miter lim="800000"/>
-                <a:headEnd/>
-                <a:tailEnd/>
-              </a14:hiddenLine>
-            </a:ext>
-          </a:extLst>
-        </p:spPr>
-      </p:pic>
-      <p:sp>
-        <p:nvSpPr>
-          <p:cNvPr id="4" name="Oval 3"/>
-          <p:cNvSpPr/>
-          <p:nvPr/>
-        </p:nvSpPr>
-        <p:spPr>
-          <a:xfrm>
-            <a:off x="1489578" y="6227825"/>
-            <a:ext cx="2304256" cy="216024"/>
-          </a:xfrm>
-          <a:prstGeom prst="ellipse">
-            <a:avLst/>
-          </a:prstGeom>
-          <a:noFill/>
-          <a:ln>
-            <a:solidFill>
-              <a:srgbClr val="FFFF00"/>
-            </a:solidFill>
-          </a:ln>
-        </p:spPr>
-        <p:style>
-          <a:lnRef idx="2">
-            <a:schemeClr val="accent1">
-              <a:shade val="50000"/>
-            </a:schemeClr>
-          </a:lnRef>
-          <a:fillRef idx="1">
-            <a:schemeClr val="accent1"/>
-          </a:fillRef>
-          <a:effectRef idx="0">
-            <a:schemeClr val="accent1"/>
-          </a:effectRef>
-          <a:fontRef idx="minor">
-            <a:schemeClr val="lt1"/>
-          </a:fontRef>
-        </p:style>
-        <p:txBody>
-          <a:bodyPr rtlCol="0" anchor="ctr"/>
-          <a:lstStyle/>
-          <a:p>
-            <a:pPr algn="ctr"/>
-            <a:endParaRPr lang="en-CA"/>
-          </a:p>
-        </p:txBody>
-      </p:sp>
-      <p:pic>
-        <p:nvPicPr>
-          <p:cNvPr id="4098" name="Picture 2"/>
-          <p:cNvPicPr>
-            <a:picLocks noChangeAspect="1" noChangeArrowheads="1"/>
-          </p:cNvPicPr>
-          <p:nvPr/>
-        </p:nvPicPr>
-        <p:blipFill>
-          <a:blip r:embed="rId4">
-            <a:extLst>
-              <a:ext uri="{28A0092B-C50C-407E-A947-70E740481C1C}">
-                <a14:useLocalDpi xmlns:a14="http://schemas.microsoft.com/office/drawing/2010/main" val="0"/>
-              </a:ext>
-            </a:extLst>
-          </a:blip>
-          <a:srcRect/>
-          <a:stretch>
-            <a:fillRect/>
-          </a:stretch>
-        </p:blipFill>
-        <p:spPr bwMode="auto">
-          <a:xfrm>
-            <a:off x="3022599" y="2276872"/>
-            <a:ext cx="3097213" cy="2962275"/>
-          </a:xfrm>
-          <a:prstGeom prst="rect">
-            <a:avLst/>
-          </a:prstGeom>
-          <a:noFill/>
-          <a:ln>
-            <a:noFill/>
-          </a:ln>
-          <a:effectLst/>
-          <a:extLst>
-            <a:ext uri="{909E8E84-426E-40DD-AFC4-6F175D3DCCD1}">
-              <a14:hiddenFill xmlns:a14="http://schemas.microsoft.com/office/drawing/2010/main">
-                <a:solidFill>
-                  <a:schemeClr val="accent1"/>
-                </a:solidFill>
-              </a14:hiddenFill>
-            </a:ext>
-            <a:ext uri="{91240B29-F687-4F45-9708-019B960494DF}">
-              <a14:hiddenLine xmlns:a14="http://schemas.microsoft.com/office/drawing/2010/main" w="9525">
-                <a:solidFill>
-                  <a:schemeClr val="tx1"/>
-                </a:solidFill>
-                <a:miter lim="800000"/>
-                <a:headEnd/>
-                <a:tailEnd/>
-              </a14:hiddenLine>
-            </a:ext>
-            <a:ext uri="{AF507438-7753-43E0-B8FC-AC1667EBCBE1}">
-              <a14:hiddenEffects xmlns:a14="http://schemas.microsoft.com/office/drawing/2010/main">
-                <a:effectLst>
-                  <a:outerShdw dist="35921" dir="2700000" algn="ctr" rotWithShape="0">
-                    <a:schemeClr val="bg2"/>
-                  </a:outerShdw>
-                </a:effectLst>
-              </a14:hiddenEffects>
-            </a:ext>
-          </a:extLst>
-        </p:spPr>
-      </p:pic>
-      <p:sp>
-        <p:nvSpPr>
-          <p:cNvPr id="5" name="Rectangle 4"/>
-          <p:cNvSpPr/>
-          <p:nvPr/>
-        </p:nvSpPr>
-        <p:spPr>
-          <a:xfrm rot="748247">
-            <a:off x="1751771" y="954681"/>
-            <a:ext cx="5892203" cy="1200329"/>
-          </a:xfrm>
-          <a:prstGeom prst="rect">
-            <a:avLst/>
-          </a:prstGeom>
-          <a:noFill/>
-        </p:spPr>
-        <p:txBody>
-          <a:bodyPr wrap="square" lIns="91440" tIns="45720" rIns="91440" bIns="45720">
-            <a:spAutoFit/>
-            <a:scene3d>
-              <a:camera prst="isometricOffAxis2Left"/>
-              <a:lightRig rig="balanced" dir="t">
-                <a:rot lat="0" lon="0" rev="2100000"/>
-              </a:lightRig>
-            </a:scene3d>
-            <a:sp3d extrusionH="57150" prstMaterial="metal">
-              <a:bevelT w="38100" h="25400"/>
-              <a:contourClr>
-                <a:schemeClr val="bg2"/>
-              </a:contourClr>
-            </a:sp3d>
-          </a:bodyPr>
-          <a:lstStyle/>
-          <a:p>
-            <a:pPr algn="ctr"/>
-            <a:r>
-              <a:rPr lang="en-US" sz="7200" b="1" dirty="0" smtClean="0">
-                <a:ln w="50800">
-                  <a:solidFill>
-                    <a:srgbClr val="C00000"/>
-                  </a:solidFill>
-                </a:ln>
-                <a:solidFill>
-                  <a:schemeClr val="bg1">
-                    <a:shade val="50000"/>
-                  </a:schemeClr>
-                </a:solidFill>
-                <a:effectLst>
-                  <a:glow rad="228600">
-                    <a:schemeClr val="accent3">
-                      <a:satMod val="175000"/>
-                      <a:alpha val="40000"/>
-                    </a:schemeClr>
-                  </a:glow>
-                </a:effectLst>
-              </a:rPr>
-              <a:t>TYLERED!</a:t>
+        <p:spPr/>
+        <p:txBody>
+          <a:bodyPr/>
+          <a:lstStyle/>
+          <a:p>
+            <a:r>
+              <a:rPr lang="en-CA" dirty="0" smtClean="0"/>
+              <a:t>In JavaScript, class methods are not bound by default. If ‘this’ is not bound, and you pass a method (example: </a:t>
+            </a:r>
+            <a:r>
+              <a:rPr lang="en-CA" dirty="0" err="1" smtClean="0"/>
+              <a:t>this.handleClick</a:t>
+            </a:r>
+            <a:r>
+              <a:rPr lang="en-CA" dirty="0" smtClean="0"/>
+              <a:t>) to an event (example: &lt;button </a:t>
+            </a:r>
+            <a:r>
+              <a:rPr lang="en-CA" dirty="0" err="1" smtClean="0"/>
+              <a:t>onClick</a:t>
+            </a:r>
+            <a:r>
+              <a:rPr lang="en-CA" dirty="0" smtClean="0"/>
+              <a:t>={</a:t>
+            </a:r>
+            <a:r>
+              <a:rPr lang="en-CA" dirty="0" err="1" smtClean="0"/>
+              <a:t>this.handleClick</a:t>
+            </a:r>
+            <a:r>
+              <a:rPr lang="en-CA" dirty="0" smtClean="0"/>
+              <a:t>}), ‘this’ will be undefined</a:t>
+            </a:r>
+            <a:r>
+              <a:rPr lang="en-CA" dirty="0"/>
+              <a:t> </a:t>
+            </a:r>
+            <a:r>
+              <a:rPr lang="en-CA" dirty="0" smtClean="0"/>
+              <a:t>when the method is called. </a:t>
+            </a:r>
+          </a:p>
+          <a:p>
+            <a:r>
+              <a:rPr lang="en-CA" dirty="0" smtClean="0"/>
+              <a:t>As a general rule, if you refer to a </a:t>
+            </a:r>
+            <a:r>
+              <a:rPr lang="en-CA" dirty="0" smtClean="0"/>
+              <a:t>class method </a:t>
+            </a:r>
+            <a:r>
+              <a:rPr lang="en-CA" dirty="0" smtClean="0"/>
+              <a:t>without () after it, you should bind that method. </a:t>
             </a:r>
           </a:p>
         </p:txBody>
@@ -5900,7 +5662,7 @@
     </p:spTree>
     <p:extLst>
       <p:ext uri="{BB962C8B-B14F-4D97-AF65-F5344CB8AC3E}">
-        <p14:creationId xmlns:p14="http://schemas.microsoft.com/office/powerpoint/2010/main" val="3250535075"/>
+        <p14:creationId xmlns:p14="http://schemas.microsoft.com/office/powerpoint/2010/main" val="3753090452"/>
       </p:ext>
     </p:extLst>
   </p:cSld>
@@ -5944,14 +5706,19 @@
             <p:ph type="title"/>
           </p:nvPr>
         </p:nvSpPr>
-        <p:spPr/>
+        <p:spPr>
+          <a:xfrm>
+            <a:off x="457200" y="274638"/>
+            <a:ext cx="8229600" cy="778098"/>
+          </a:xfrm>
+        </p:spPr>
         <p:txBody>
           <a:bodyPr/>
           <a:lstStyle/>
           <a:p>
             <a:r>
               <a:rPr lang="en-CA" dirty="0" smtClean="0"/>
-              <a:t>Extra Prevent Default Info</a:t>
+              <a:t>First Way to Bind “This”</a:t>
             </a:r>
             <a:endParaRPr lang="en-CA" dirty="0"/>
           </a:p>
@@ -5967,7 +5734,12 @@
             <p:ph idx="1"/>
           </p:nvPr>
         </p:nvSpPr>
-        <p:spPr/>
+        <p:spPr>
+          <a:xfrm>
+            <a:off x="457200" y="1052736"/>
+            <a:ext cx="8229600" cy="5688632"/>
+          </a:xfrm>
+        </p:spPr>
         <p:txBody>
           <a:bodyPr>
             <a:normAutofit/>
@@ -5976,74 +5748,126 @@
           <a:p>
             <a:r>
               <a:rPr lang="en-CA" sz="2000" dirty="0" smtClean="0"/>
-              <a:t>The second most </a:t>
-            </a:r>
+              <a:t>One way of binding “this” is to call the “bind” method. Example:</a:t>
+            </a:r>
+          </a:p>
+          <a:p>
+            <a:endParaRPr lang="en-CA" sz="2000" dirty="0" smtClean="0"/>
+          </a:p>
+          <a:p>
+            <a:endParaRPr lang="en-CA" sz="2000" dirty="0"/>
+          </a:p>
+          <a:p>
+            <a:endParaRPr lang="en-CA" sz="2000" dirty="0" smtClean="0"/>
+          </a:p>
+          <a:p>
+            <a:endParaRPr lang="en-CA" sz="2000" dirty="0"/>
+          </a:p>
+          <a:p>
+            <a:endParaRPr lang="en-CA" sz="2000" dirty="0" smtClean="0"/>
+          </a:p>
+          <a:p>
+            <a:endParaRPr lang="en-CA" sz="2000" dirty="0"/>
+          </a:p>
+          <a:p>
+            <a:endParaRPr lang="en-CA" sz="2000" dirty="0" smtClean="0"/>
+          </a:p>
+          <a:p>
+            <a:endParaRPr lang="en-CA" sz="2000" dirty="0"/>
+          </a:p>
+          <a:p>
+            <a:endParaRPr lang="en-CA" sz="2000" dirty="0" smtClean="0"/>
+          </a:p>
+          <a:p>
+            <a:endParaRPr lang="en-CA" sz="2000" dirty="0"/>
+          </a:p>
+          <a:p>
+            <a:endParaRPr lang="en-CA" sz="2000" dirty="0" smtClean="0"/>
+          </a:p>
+          <a:p>
+            <a:endParaRPr lang="en-CA" sz="2000" dirty="0"/>
+          </a:p>
+          <a:p>
             <a:r>
               <a:rPr lang="en-CA" sz="2000" dirty="0" smtClean="0"/>
-              <a:t>commonly listed </a:t>
-            </a:r>
-            <a:r>
-              <a:rPr lang="en-CA" sz="2000" dirty="0" smtClean="0"/>
-              <a:t>use case for </a:t>
-            </a:r>
-            <a:r>
-              <a:rPr lang="en-CA" sz="2000" dirty="0" err="1" smtClean="0"/>
-              <a:t>preventDefault</a:t>
-            </a:r>
-            <a:r>
-              <a:rPr lang="en-CA" sz="2000" dirty="0" smtClean="0"/>
-              <a:t>() </a:t>
-            </a:r>
-            <a:r>
-              <a:rPr lang="en-CA" sz="2000" dirty="0" smtClean="0"/>
-              <a:t>is to prevent the default behaviour when clicking on a link (going to the link’s URL)</a:t>
-            </a:r>
-          </a:p>
-          <a:p>
-            <a:r>
-              <a:rPr lang="en-CA" sz="2000" dirty="0" smtClean="0"/>
-              <a:t>In some situations, browsers will wait to see if </a:t>
-            </a:r>
-            <a:r>
-              <a:rPr lang="en-CA" sz="2000" dirty="0" err="1" smtClean="0"/>
-              <a:t>preventDefault</a:t>
-            </a:r>
-            <a:r>
-              <a:rPr lang="en-CA" sz="2000" dirty="0" smtClean="0"/>
-              <a:t>() is going to be called before proceeding with an event. One specific instance where this can cause issues is with the </a:t>
-            </a:r>
-            <a:r>
-              <a:rPr lang="en-CA" sz="2000" dirty="0" err="1" smtClean="0"/>
-              <a:t>touchmove</a:t>
-            </a:r>
-            <a:r>
-              <a:rPr lang="en-CA" sz="2000" dirty="0" smtClean="0"/>
-              <a:t> event that has to do with scrolling via a touch screen (primarily for mobile apps). Browsers can pause momentarily to check for </a:t>
-            </a:r>
-            <a:r>
-              <a:rPr lang="en-CA" sz="2000" dirty="0" err="1" smtClean="0"/>
-              <a:t>preventDefault</a:t>
-            </a:r>
-            <a:r>
-              <a:rPr lang="en-CA" sz="2000" dirty="0" smtClean="0"/>
-              <a:t>() before continuing to scroll. This can cause the scrolling to delay and “jitter”. In order to prevent the browser from waiting to check for </a:t>
-            </a:r>
-            <a:r>
-              <a:rPr lang="en-CA" sz="2000" dirty="0" err="1" smtClean="0"/>
-              <a:t>preventDefault</a:t>
-            </a:r>
-            <a:r>
-              <a:rPr lang="en-CA" sz="2000" dirty="0" smtClean="0"/>
-              <a:t>, you can specify “passive: true” in your event listener. </a:t>
-            </a:r>
-            <a:endParaRPr lang="en-CA" sz="2000" dirty="0"/>
-          </a:p>
-        </p:txBody>
-      </p:sp>
+              <a:t>Downsides of this binding tactic: </a:t>
+            </a:r>
+          </a:p>
+          <a:p>
+            <a:pPr lvl="1"/>
+            <a:r>
+              <a:rPr lang="en-CA" sz="1200" dirty="0" smtClean="0"/>
+              <a:t>It’s easy to forget to call the bind method in the constructor, resulting in undefined errors.</a:t>
+            </a:r>
+          </a:p>
+          <a:p>
+            <a:pPr lvl="1"/>
+            <a:r>
+              <a:rPr lang="en-CA" sz="1200" dirty="0" smtClean="0"/>
+              <a:t>It can clutter the constructor if you have a lot of methods that require binding.</a:t>
+            </a:r>
+            <a:endParaRPr lang="en-CA" sz="1200" dirty="0"/>
+          </a:p>
+        </p:txBody>
+      </p:sp>
+      <p:pic>
+        <p:nvPicPr>
+          <p:cNvPr id="2051" name="Picture 3"/>
+          <p:cNvPicPr>
+            <a:picLocks noChangeAspect="1" noChangeArrowheads="1"/>
+          </p:cNvPicPr>
+          <p:nvPr/>
+        </p:nvPicPr>
+        <p:blipFill>
+          <a:blip r:embed="rId2">
+            <a:extLst>
+              <a:ext uri="{28A0092B-C50C-407E-A947-70E740481C1C}">
+                <a14:useLocalDpi xmlns:a14="http://schemas.microsoft.com/office/drawing/2010/main" val="0"/>
+              </a:ext>
+            </a:extLst>
+          </a:blip>
+          <a:srcRect/>
+          <a:stretch>
+            <a:fillRect/>
+          </a:stretch>
+        </p:blipFill>
+        <p:spPr bwMode="auto">
+          <a:xfrm>
+            <a:off x="2051719" y="1484784"/>
+            <a:ext cx="5336827" cy="4288665"/>
+          </a:xfrm>
+          <a:prstGeom prst="rect">
+            <a:avLst/>
+          </a:prstGeom>
+          <a:noFill/>
+          <a:ln>
+            <a:noFill/>
+          </a:ln>
+          <a:extLst>
+            <a:ext uri="{909E8E84-426E-40DD-AFC4-6F175D3DCCD1}">
+              <a14:hiddenFill xmlns:a14="http://schemas.microsoft.com/office/drawing/2010/main">
+                <a:solidFill>
+                  <a:schemeClr val="accent1"/>
+                </a:solidFill>
+              </a14:hiddenFill>
+            </a:ext>
+            <a:ext uri="{91240B29-F687-4F45-9708-019B960494DF}">
+              <a14:hiddenLine xmlns:a14="http://schemas.microsoft.com/office/drawing/2010/main" w="9525">
+                <a:solidFill>
+                  <a:schemeClr val="tx1"/>
+                </a:solidFill>
+                <a:miter lim="800000"/>
+                <a:headEnd/>
+                <a:tailEnd/>
+              </a14:hiddenLine>
+            </a:ext>
+          </a:extLst>
+        </p:spPr>
+      </p:pic>
     </p:spTree>
     <p:extLst>
       <p:ext uri="{BB962C8B-B14F-4D97-AF65-F5344CB8AC3E}">
-        <p14:creationId xmlns:p14="http://schemas.microsoft.com/office/powerpoint/2010/main" val="3103140282"/>
+        <p14:creationId xmlns:p14="http://schemas.microsoft.com/office/powerpoint/2010/main" val="2659833137"/>
       </p:ext>
     </p:extLst>
   </p:cSld>
@@ -6087,14 +5911,19 @@
             <p:ph type="title"/>
           </p:nvPr>
         </p:nvSpPr>
-        <p:spPr/>
+        <p:spPr>
+          <a:xfrm>
+            <a:off x="457200" y="274638"/>
+            <a:ext cx="8229600" cy="778098"/>
+          </a:xfrm>
+        </p:spPr>
         <p:txBody>
           <a:bodyPr/>
           <a:lstStyle/>
           <a:p>
             <a:r>
               <a:rPr lang="en-CA" dirty="0" smtClean="0"/>
-              <a:t>Binding “This”</a:t>
+              <a:t>Second Way to Bind “This”</a:t>
             </a:r>
             <a:endParaRPr lang="en-CA" dirty="0"/>
           </a:p>
@@ -6110,59 +5939,225 @@
             <p:ph idx="1"/>
           </p:nvPr>
         </p:nvSpPr>
-        <p:spPr/>
-        <p:txBody>
-          <a:bodyPr/>
-          <a:lstStyle/>
-          <a:p>
-            <a:r>
-              <a:rPr lang="en-CA" dirty="0" smtClean="0"/>
-              <a:t>In JavaScript, class methods are not bound by default. If ‘this’ is not bound, and you call a method (example: </a:t>
-            </a:r>
-            <a:r>
-              <a:rPr lang="en-CA" dirty="0" err="1" smtClean="0"/>
-              <a:t>this.handleClick</a:t>
-            </a:r>
-            <a:r>
-              <a:rPr lang="en-CA" dirty="0" smtClean="0"/>
-              <a:t>) and then pass it to an </a:t>
-            </a:r>
-            <a:r>
-              <a:rPr lang="en-CA" dirty="0" err="1" smtClean="0"/>
-              <a:t>onClick</a:t>
-            </a:r>
-            <a:r>
-              <a:rPr lang="en-CA" dirty="0" smtClean="0"/>
-              <a:t> event (example: &lt;button </a:t>
-            </a:r>
-            <a:r>
-              <a:rPr lang="en-CA" dirty="0" err="1" smtClean="0"/>
-              <a:t>onClick</a:t>
-            </a:r>
-            <a:r>
-              <a:rPr lang="en-CA" dirty="0" smtClean="0"/>
-              <a:t>={</a:t>
-            </a:r>
-            <a:r>
-              <a:rPr lang="en-CA" dirty="0" err="1" smtClean="0"/>
-              <a:t>this.handleClick</a:t>
-            </a:r>
-            <a:r>
-              <a:rPr lang="en-CA" dirty="0" smtClean="0"/>
-              <a:t>}), ‘this’ will </a:t>
-            </a:r>
-            <a:r>
-              <a:rPr lang="en-CA" smtClean="0"/>
-              <a:t>be undefined. </a:t>
-            </a:r>
+        <p:spPr>
+          <a:xfrm>
+            <a:off x="457200" y="1124744"/>
+            <a:ext cx="8229600" cy="5544616"/>
+          </a:xfrm>
+        </p:spPr>
+        <p:txBody>
+          <a:bodyPr>
+            <a:normAutofit lnSpcReduction="10000"/>
+          </a:bodyPr>
+          <a:lstStyle/>
+          <a:p>
+            <a:r>
+              <a:rPr lang="en-CA" sz="1800" dirty="0" smtClean="0"/>
+              <a:t>Another way of binding “this” is to use the public class fields syntax.</a:t>
+            </a:r>
+          </a:p>
+          <a:p>
+            <a:endParaRPr lang="en-CA" sz="1800" dirty="0"/>
+          </a:p>
+          <a:p>
+            <a:endParaRPr lang="en-CA" sz="1800" dirty="0" smtClean="0"/>
+          </a:p>
+          <a:p>
+            <a:endParaRPr lang="en-CA" sz="1800" dirty="0"/>
+          </a:p>
+          <a:p>
+            <a:endParaRPr lang="en-CA" sz="1800" dirty="0" smtClean="0"/>
+          </a:p>
+          <a:p>
+            <a:endParaRPr lang="en-CA" sz="1800" dirty="0"/>
+          </a:p>
+          <a:p>
+            <a:endParaRPr lang="en-CA" sz="1800" dirty="0" smtClean="0"/>
+          </a:p>
+          <a:p>
+            <a:endParaRPr lang="en-CA" sz="1800" dirty="0"/>
+          </a:p>
+          <a:p>
+            <a:endParaRPr lang="en-CA" sz="1800" dirty="0" smtClean="0"/>
+          </a:p>
+          <a:p>
+            <a:endParaRPr lang="en-CA" sz="1800" dirty="0"/>
+          </a:p>
+          <a:p>
+            <a:endParaRPr lang="en-CA" sz="1800" dirty="0" smtClean="0"/>
+          </a:p>
+          <a:p>
+            <a:endParaRPr lang="en-CA" sz="1800" dirty="0"/>
+          </a:p>
+          <a:p>
+            <a:endParaRPr lang="en-CA" sz="1800" dirty="0" smtClean="0"/>
+          </a:p>
+          <a:p>
+            <a:r>
+              <a:rPr lang="en-CA" sz="1800" dirty="0" smtClean="0"/>
+              <a:t>Downsides of this binding tactic:</a:t>
+            </a:r>
+          </a:p>
+          <a:p>
+            <a:pPr lvl="1"/>
+            <a:r>
+              <a:rPr lang="en-CA" sz="1400" dirty="0" smtClean="0"/>
+              <a:t>According to this article from this year :</a:t>
+            </a:r>
+            <a:r>
+              <a:rPr lang="en-CA" sz="1400" dirty="0">
+                <a:hlinkClick r:id="rId2"/>
+              </a:rPr>
+              <a:t>https://dev.to/ascorbic/class-fields-are-coming-</a:t>
+            </a:r>
+            <a:r>
+              <a:rPr lang="en-CA" sz="1400" dirty="0" err="1">
+                <a:hlinkClick r:id="rId2"/>
+              </a:rPr>
+              <a:t>heres</a:t>
+            </a:r>
+            <a:r>
+              <a:rPr lang="en-CA" sz="1400" dirty="0">
+                <a:hlinkClick r:id="rId2"/>
+              </a:rPr>
+              <a:t>-what-that-means-for-react--</a:t>
+            </a:r>
+            <a:r>
+              <a:rPr lang="en-CA" sz="1400" dirty="0" smtClean="0">
+                <a:hlinkClick r:id="rId2"/>
+              </a:rPr>
+              <a:t>3a87</a:t>
+            </a:r>
+            <a:r>
+              <a:rPr lang="en-CA" sz="1400" dirty="0" smtClean="0"/>
+              <a:t>,  there are </a:t>
+            </a:r>
+            <a:r>
+              <a:rPr lang="en-US" sz="1400" dirty="0" smtClean="0"/>
+              <a:t>“potential </a:t>
+            </a:r>
+            <a:r>
+              <a:rPr lang="en-US" sz="1400" dirty="0"/>
+              <a:t>performance issues if you are creating loads of copies of a component. While a class method is created once on the prototype, class fields are created on each object: each component will have its own copy of each function. However this is only likely to be an issue if you are creating hundreds of </a:t>
+            </a:r>
+            <a:r>
+              <a:rPr lang="en-US" sz="1400"/>
+              <a:t>instances</a:t>
+            </a:r>
+            <a:r>
+              <a:rPr lang="en-US" sz="1400" smtClean="0"/>
+              <a:t>.”</a:t>
+            </a:r>
+            <a:endParaRPr lang="en-CA" sz="1400" dirty="0" smtClean="0"/>
+          </a:p>
+          <a:p>
+            <a:pPr lvl="1"/>
+            <a:endParaRPr lang="en-CA" sz="1400" dirty="0" smtClean="0"/>
+          </a:p>
+          <a:p>
             <a:endParaRPr lang="en-CA" dirty="0"/>
+          </a:p>
+        </p:txBody>
+      </p:sp>
+      <p:pic>
+        <p:nvPicPr>
+          <p:cNvPr id="3074" name="Picture 2"/>
+          <p:cNvPicPr>
+            <a:picLocks noChangeAspect="1" noChangeArrowheads="1"/>
+          </p:cNvPicPr>
+          <p:nvPr/>
+        </p:nvPicPr>
+        <p:blipFill>
+          <a:blip r:embed="rId3">
+            <a:extLst>
+              <a:ext uri="{28A0092B-C50C-407E-A947-70E740481C1C}">
+                <a14:useLocalDpi xmlns:a14="http://schemas.microsoft.com/office/drawing/2010/main" val="0"/>
+              </a:ext>
+            </a:extLst>
+          </a:blip>
+          <a:srcRect/>
+          <a:stretch>
+            <a:fillRect/>
+          </a:stretch>
+        </p:blipFill>
+        <p:spPr bwMode="auto">
+          <a:xfrm>
+            <a:off x="1862136" y="1556792"/>
+            <a:ext cx="5419725" cy="3390900"/>
+          </a:xfrm>
+          <a:prstGeom prst="rect">
+            <a:avLst/>
+          </a:prstGeom>
+          <a:noFill/>
+          <a:ln>
+            <a:noFill/>
+          </a:ln>
+          <a:extLst>
+            <a:ext uri="{909E8E84-426E-40DD-AFC4-6F175D3DCCD1}">
+              <a14:hiddenFill xmlns:a14="http://schemas.microsoft.com/office/drawing/2010/main">
+                <a:solidFill>
+                  <a:schemeClr val="accent1"/>
+                </a:solidFill>
+              </a14:hiddenFill>
+            </a:ext>
+            <a:ext uri="{91240B29-F687-4F45-9708-019B960494DF}">
+              <a14:hiddenLine xmlns:a14="http://schemas.microsoft.com/office/drawing/2010/main" w="9525">
+                <a:solidFill>
+                  <a:schemeClr val="tx1"/>
+                </a:solidFill>
+                <a:miter lim="800000"/>
+                <a:headEnd/>
+                <a:tailEnd/>
+              </a14:hiddenLine>
+            </a:ext>
+          </a:extLst>
+        </p:spPr>
+      </p:pic>
+      <p:sp>
+        <p:nvSpPr>
+          <p:cNvPr id="4" name="Oval 3"/>
+          <p:cNvSpPr/>
+          <p:nvPr/>
+        </p:nvSpPr>
+        <p:spPr>
+          <a:xfrm>
+            <a:off x="1862135" y="2204864"/>
+            <a:ext cx="2349823" cy="360040"/>
+          </a:xfrm>
+          <a:prstGeom prst="ellipse">
+            <a:avLst/>
+          </a:prstGeom>
+          <a:noFill/>
+        </p:spPr>
+        <p:style>
+          <a:lnRef idx="2">
+            <a:schemeClr val="accent1">
+              <a:shade val="50000"/>
+            </a:schemeClr>
+          </a:lnRef>
+          <a:fillRef idx="1">
+            <a:schemeClr val="accent1"/>
+          </a:fillRef>
+          <a:effectRef idx="0">
+            <a:schemeClr val="accent1"/>
+          </a:effectRef>
+          <a:fontRef idx="minor">
+            <a:schemeClr val="lt1"/>
+          </a:fontRef>
+        </p:style>
+        <p:txBody>
+          <a:bodyPr rtlCol="0" anchor="ctr"/>
+          <a:lstStyle/>
+          <a:p>
+            <a:pPr algn="ctr"/>
+            <a:endParaRPr lang="en-CA"/>
           </a:p>
         </p:txBody>
       </p:sp>
     </p:spTree>
     <p:extLst>
       <p:ext uri="{BB962C8B-B14F-4D97-AF65-F5344CB8AC3E}">
-        <p14:creationId xmlns:p14="http://schemas.microsoft.com/office/powerpoint/2010/main" val="3753090452"/>
+        <p14:creationId xmlns:p14="http://schemas.microsoft.com/office/powerpoint/2010/main" val="2372629003"/>
       </p:ext>
     </p:extLst>
   </p:cSld>
